--- a/Hálózati Infrastruktúra Tervezése és Kivitelezése ppt.pptx
+++ b/Hálózati Infrastruktúra Tervezése és Kivitelezése ppt.pptx
@@ -2,7 +2,7 @@
 <file path=ppt/presentation.xml><?xml version="1.0" encoding="utf-8"?>
 <p:presentation xmlns:a="http://schemas.openxmlformats.org/drawingml/2006/main" xmlns:r="http://schemas.openxmlformats.org/officeDocument/2006/relationships" xmlns:p="http://schemas.openxmlformats.org/presentationml/2006/main" saveSubsetFonts="1">
   <p:sldMasterIdLst>
-    <p:sldMasterId id="2147483648" r:id="rId1"/>
+    <p:sldMasterId id="2147483672" r:id="rId1"/>
   </p:sldMasterIdLst>
   <p:sldIdLst>
     <p:sldId id="256" r:id="rId2"/>
@@ -12,17 +12,16 @@
     <p:sldId id="260" r:id="rId6"/>
     <p:sldId id="265" r:id="rId7"/>
     <p:sldId id="261" r:id="rId8"/>
-    <p:sldId id="262" r:id="rId9"/>
-    <p:sldId id="263" r:id="rId10"/>
-    <p:sldId id="264" r:id="rId11"/>
+    <p:sldId id="263" r:id="rId9"/>
+    <p:sldId id="264" r:id="rId10"/>
   </p:sldIdLst>
   <p:sldSz cx="12192000" cy="6858000"/>
   <p:notesSz cx="6858000" cy="9144000"/>
   <p:defaultTextStyle>
     <a:defPPr>
-      <a:defRPr lang="hu-HU"/>
+      <a:defRPr lang="en-US"/>
     </a:defPPr>
-    <a:lvl1pPr marL="0" algn="l" defTabSz="914400" rtl="0" eaLnBrk="1" latinLnBrk="0" hangingPunct="1">
+    <a:lvl1pPr marL="0" algn="l" defTabSz="457200" rtl="0" eaLnBrk="1" latinLnBrk="0" hangingPunct="1">
       <a:defRPr sz="1800" kern="1200">
         <a:solidFill>
           <a:schemeClr val="tx1"/>
@@ -32,7 +31,7 @@
         <a:cs typeface="+mn-cs"/>
       </a:defRPr>
     </a:lvl1pPr>
-    <a:lvl2pPr marL="457200" algn="l" defTabSz="914400" rtl="0" eaLnBrk="1" latinLnBrk="0" hangingPunct="1">
+    <a:lvl2pPr marL="457200" algn="l" defTabSz="457200" rtl="0" eaLnBrk="1" latinLnBrk="0" hangingPunct="1">
       <a:defRPr sz="1800" kern="1200">
         <a:solidFill>
           <a:schemeClr val="tx1"/>
@@ -42,7 +41,7 @@
         <a:cs typeface="+mn-cs"/>
       </a:defRPr>
     </a:lvl2pPr>
-    <a:lvl3pPr marL="914400" algn="l" defTabSz="914400" rtl="0" eaLnBrk="1" latinLnBrk="0" hangingPunct="1">
+    <a:lvl3pPr marL="914400" algn="l" defTabSz="457200" rtl="0" eaLnBrk="1" latinLnBrk="0" hangingPunct="1">
       <a:defRPr sz="1800" kern="1200">
         <a:solidFill>
           <a:schemeClr val="tx1"/>
@@ -52,7 +51,7 @@
         <a:cs typeface="+mn-cs"/>
       </a:defRPr>
     </a:lvl3pPr>
-    <a:lvl4pPr marL="1371600" algn="l" defTabSz="914400" rtl="0" eaLnBrk="1" latinLnBrk="0" hangingPunct="1">
+    <a:lvl4pPr marL="1371600" algn="l" defTabSz="457200" rtl="0" eaLnBrk="1" latinLnBrk="0" hangingPunct="1">
       <a:defRPr sz="1800" kern="1200">
         <a:solidFill>
           <a:schemeClr val="tx1"/>
@@ -62,7 +61,7 @@
         <a:cs typeface="+mn-cs"/>
       </a:defRPr>
     </a:lvl4pPr>
-    <a:lvl5pPr marL="1828800" algn="l" defTabSz="914400" rtl="0" eaLnBrk="1" latinLnBrk="0" hangingPunct="1">
+    <a:lvl5pPr marL="1828800" algn="l" defTabSz="457200" rtl="0" eaLnBrk="1" latinLnBrk="0" hangingPunct="1">
       <a:defRPr sz="1800" kern="1200">
         <a:solidFill>
           <a:schemeClr val="tx1"/>
@@ -72,7 +71,7 @@
         <a:cs typeface="+mn-cs"/>
       </a:defRPr>
     </a:lvl5pPr>
-    <a:lvl6pPr marL="2286000" algn="l" defTabSz="914400" rtl="0" eaLnBrk="1" latinLnBrk="0" hangingPunct="1">
+    <a:lvl6pPr marL="2286000" algn="l" defTabSz="457200" rtl="0" eaLnBrk="1" latinLnBrk="0" hangingPunct="1">
       <a:defRPr sz="1800" kern="1200">
         <a:solidFill>
           <a:schemeClr val="tx1"/>
@@ -82,7 +81,7 @@
         <a:cs typeface="+mn-cs"/>
       </a:defRPr>
     </a:lvl6pPr>
-    <a:lvl7pPr marL="2743200" algn="l" defTabSz="914400" rtl="0" eaLnBrk="1" latinLnBrk="0" hangingPunct="1">
+    <a:lvl7pPr marL="2743200" algn="l" defTabSz="457200" rtl="0" eaLnBrk="1" latinLnBrk="0" hangingPunct="1">
       <a:defRPr sz="1800" kern="1200">
         <a:solidFill>
           <a:schemeClr val="tx1"/>
@@ -92,7 +91,7 @@
         <a:cs typeface="+mn-cs"/>
       </a:defRPr>
     </a:lvl7pPr>
-    <a:lvl8pPr marL="3200400" algn="l" defTabSz="914400" rtl="0" eaLnBrk="1" latinLnBrk="0" hangingPunct="1">
+    <a:lvl8pPr marL="3200400" algn="l" defTabSz="457200" rtl="0" eaLnBrk="1" latinLnBrk="0" hangingPunct="1">
       <a:defRPr sz="1800" kern="1200">
         <a:solidFill>
           <a:schemeClr val="tx1"/>
@@ -102,7 +101,7 @@
         <a:cs typeface="+mn-cs"/>
       </a:defRPr>
     </a:lvl8pPr>
-    <a:lvl9pPr marL="3657600" algn="l" defTabSz="914400" rtl="0" eaLnBrk="1" latinLnBrk="0" hangingPunct="1">
+    <a:lvl9pPr marL="3657600" algn="l" defTabSz="457200" rtl="0" eaLnBrk="1" latinLnBrk="0" hangingPunct="1">
       <a:defRPr sz="1800" kern="1200">
         <a:solidFill>
           <a:schemeClr val="tx1"/>
@@ -140,13 +139,44 @@
       </p:grpSpPr>
       <p:sp>
         <p:nvSpPr>
-          <p:cNvPr id="2" name="Cím 1">
-            <a:extLst>
-              <a:ext uri="{FF2B5EF4-FFF2-40B4-BE49-F238E27FC236}">
-                <a16:creationId xmlns:a16="http://schemas.microsoft.com/office/drawing/2014/main" id="{853CC25E-E074-43C3-B814-5C21662AA863}"/>
-              </a:ext>
-            </a:extLst>
-          </p:cNvPr>
+          <p:cNvPr id="7" name="Rectangle 6"/>
+          <p:cNvSpPr/>
+          <p:nvPr/>
+        </p:nvSpPr>
+        <p:spPr>
+          <a:xfrm>
+            <a:off x="446534" y="3085765"/>
+            <a:ext cx="11262866" cy="3304800"/>
+          </a:xfrm>
+          <a:prstGeom prst="rect">
+            <a:avLst/>
+          </a:prstGeom>
+          <a:solidFill>
+            <a:schemeClr val="accent1"/>
+          </a:solidFill>
+          <a:ln>
+            <a:noFill/>
+          </a:ln>
+          <a:effectLst/>
+        </p:spPr>
+        <p:style>
+          <a:lnRef idx="1">
+            <a:schemeClr val="accent1"/>
+          </a:lnRef>
+          <a:fillRef idx="3">
+            <a:schemeClr val="accent1"/>
+          </a:fillRef>
+          <a:effectRef idx="2">
+            <a:schemeClr val="accent1"/>
+          </a:effectRef>
+          <a:fontRef idx="minor">
+            <a:schemeClr val="lt1"/>
+          </a:fontRef>
+        </p:style>
+      </p:sp>
+      <p:sp>
+        <p:nvSpPr>
+          <p:cNvPr id="2" name="Title 1"/>
           <p:cNvSpPr>
             <a:spLocks noGrp="1"/>
           </p:cNvSpPr>
@@ -156,15 +186,22 @@
         </p:nvSpPr>
         <p:spPr>
           <a:xfrm>
-            <a:off x="1524000" y="1122363"/>
-            <a:ext cx="9144000" cy="2387600"/>
-          </a:xfrm>
-        </p:spPr>
-        <p:txBody>
-          <a:bodyPr anchor="b"/>
+            <a:off x="581191" y="1020431"/>
+            <a:ext cx="10993549" cy="1475013"/>
+          </a:xfrm>
+          <a:effectLst/>
+        </p:spPr>
+        <p:txBody>
+          <a:bodyPr anchor="b">
+            <a:normAutofit/>
+          </a:bodyPr>
           <a:lstStyle>
-            <a:lvl1pPr algn="ctr">
-              <a:defRPr sz="6000"/>
+            <a:lvl1pPr>
+              <a:defRPr sz="3600">
+                <a:solidFill>
+                  <a:schemeClr val="accent1"/>
+                </a:solidFill>
+              </a:defRPr>
             </a:lvl1pPr>
           </a:lstStyle>
           <a:p>
@@ -172,18 +209,13 @@
               <a:rPr lang="hu-HU"/>
               <a:t>Mintacím szerkesztése</a:t>
             </a:r>
-          </a:p>
-        </p:txBody>
-      </p:sp>
-      <p:sp>
-        <p:nvSpPr>
-          <p:cNvPr id="3" name="Alcím 2">
-            <a:extLst>
-              <a:ext uri="{FF2B5EF4-FFF2-40B4-BE49-F238E27FC236}">
-                <a16:creationId xmlns:a16="http://schemas.microsoft.com/office/drawing/2014/main" id="{E3C0C77C-0DD9-44CA-AC5A-3FD40E09F564}"/>
-              </a:ext>
-            </a:extLst>
-          </p:cNvPr>
+            <a:endParaRPr lang="en-US" dirty="0"/>
+          </a:p>
+        </p:txBody>
+      </p:sp>
+      <p:sp>
+        <p:nvSpPr>
+          <p:cNvPr id="3" name="Subtitle 2"/>
           <p:cNvSpPr>
             <a:spLocks noGrp="1"/>
           </p:cNvSpPr>
@@ -193,82 +225,147 @@
         </p:nvSpPr>
         <p:spPr>
           <a:xfrm>
-            <a:off x="1524000" y="3602038"/>
-            <a:ext cx="9144000" cy="1655762"/>
+            <a:off x="581194" y="2495445"/>
+            <a:ext cx="10993546" cy="590321"/>
+          </a:xfrm>
+        </p:spPr>
+        <p:txBody>
+          <a:bodyPr anchor="t">
+            <a:normAutofit/>
+          </a:bodyPr>
+          <a:lstStyle>
+            <a:lvl1pPr marL="0" indent="0" algn="l">
+              <a:buNone/>
+              <a:defRPr sz="1600" cap="all">
+                <a:solidFill>
+                  <a:schemeClr val="accent2"/>
+                </a:solidFill>
+              </a:defRPr>
+            </a:lvl1pPr>
+            <a:lvl2pPr marL="457200" indent="0" algn="ctr">
+              <a:buNone/>
+              <a:defRPr>
+                <a:solidFill>
+                  <a:schemeClr val="tx1">
+                    <a:tint val="75000"/>
+                  </a:schemeClr>
+                </a:solidFill>
+              </a:defRPr>
+            </a:lvl2pPr>
+            <a:lvl3pPr marL="914400" indent="0" algn="ctr">
+              <a:buNone/>
+              <a:defRPr>
+                <a:solidFill>
+                  <a:schemeClr val="tx1">
+                    <a:tint val="75000"/>
+                  </a:schemeClr>
+                </a:solidFill>
+              </a:defRPr>
+            </a:lvl3pPr>
+            <a:lvl4pPr marL="1371600" indent="0" algn="ctr">
+              <a:buNone/>
+              <a:defRPr>
+                <a:solidFill>
+                  <a:schemeClr val="tx1">
+                    <a:tint val="75000"/>
+                  </a:schemeClr>
+                </a:solidFill>
+              </a:defRPr>
+            </a:lvl4pPr>
+            <a:lvl5pPr marL="1828800" indent="0" algn="ctr">
+              <a:buNone/>
+              <a:defRPr>
+                <a:solidFill>
+                  <a:schemeClr val="tx1">
+                    <a:tint val="75000"/>
+                  </a:schemeClr>
+                </a:solidFill>
+              </a:defRPr>
+            </a:lvl5pPr>
+            <a:lvl6pPr marL="2286000" indent="0" algn="ctr">
+              <a:buNone/>
+              <a:defRPr>
+                <a:solidFill>
+                  <a:schemeClr val="tx1">
+                    <a:tint val="75000"/>
+                  </a:schemeClr>
+                </a:solidFill>
+              </a:defRPr>
+            </a:lvl6pPr>
+            <a:lvl7pPr marL="2743200" indent="0" algn="ctr">
+              <a:buNone/>
+              <a:defRPr>
+                <a:solidFill>
+                  <a:schemeClr val="tx1">
+                    <a:tint val="75000"/>
+                  </a:schemeClr>
+                </a:solidFill>
+              </a:defRPr>
+            </a:lvl7pPr>
+            <a:lvl8pPr marL="3200400" indent="0" algn="ctr">
+              <a:buNone/>
+              <a:defRPr>
+                <a:solidFill>
+                  <a:schemeClr val="tx1">
+                    <a:tint val="75000"/>
+                  </a:schemeClr>
+                </a:solidFill>
+              </a:defRPr>
+            </a:lvl8pPr>
+            <a:lvl9pPr marL="3657600" indent="0" algn="ctr">
+              <a:buNone/>
+              <a:defRPr>
+                <a:solidFill>
+                  <a:schemeClr val="tx1">
+                    <a:tint val="75000"/>
+                  </a:schemeClr>
+                </a:solidFill>
+              </a:defRPr>
+            </a:lvl9pPr>
+          </a:lstStyle>
+          <a:p>
+            <a:r>
+              <a:rPr lang="hu-HU"/>
+              <a:t>Kattintson ide az alcím mintájának szerkesztéséhez</a:t>
+            </a:r>
+            <a:endParaRPr lang="en-US" dirty="0"/>
+          </a:p>
+        </p:txBody>
+      </p:sp>
+      <p:sp>
+        <p:nvSpPr>
+          <p:cNvPr id="4" name="Date Placeholder 3"/>
+          <p:cNvSpPr>
+            <a:spLocks noGrp="1"/>
+          </p:cNvSpPr>
+          <p:nvPr>
+            <p:ph type="dt" sz="half" idx="10"/>
+          </p:nvPr>
+        </p:nvSpPr>
+        <p:spPr>
+          <a:xfrm>
+            <a:off x="7605951" y="5956137"/>
+            <a:ext cx="2844800" cy="365125"/>
           </a:xfrm>
         </p:spPr>
         <p:txBody>
           <a:bodyPr/>
           <a:lstStyle>
-            <a:lvl1pPr marL="0" indent="0" algn="ctr">
-              <a:buNone/>
-              <a:defRPr sz="2400"/>
+            <a:lvl1pPr>
+              <a:defRPr>
+                <a:solidFill>
+                  <a:schemeClr val="accent1">
+                    <a:lumMod val="75000"/>
+                    <a:lumOff val="25000"/>
+                  </a:schemeClr>
+                </a:solidFill>
+              </a:defRPr>
             </a:lvl1pPr>
-            <a:lvl2pPr marL="457200" indent="0" algn="ctr">
-              <a:buNone/>
-              <a:defRPr sz="2000"/>
-            </a:lvl2pPr>
-            <a:lvl3pPr marL="914400" indent="0" algn="ctr">
-              <a:buNone/>
-              <a:defRPr sz="1800"/>
-            </a:lvl3pPr>
-            <a:lvl4pPr marL="1371600" indent="0" algn="ctr">
-              <a:buNone/>
-              <a:defRPr sz="1600"/>
-            </a:lvl4pPr>
-            <a:lvl5pPr marL="1828800" indent="0" algn="ctr">
-              <a:buNone/>
-              <a:defRPr sz="1600"/>
-            </a:lvl5pPr>
-            <a:lvl6pPr marL="2286000" indent="0" algn="ctr">
-              <a:buNone/>
-              <a:defRPr sz="1600"/>
-            </a:lvl6pPr>
-            <a:lvl7pPr marL="2743200" indent="0" algn="ctr">
-              <a:buNone/>
-              <a:defRPr sz="1600"/>
-            </a:lvl7pPr>
-            <a:lvl8pPr marL="3200400" indent="0" algn="ctr">
-              <a:buNone/>
-              <a:defRPr sz="1600"/>
-            </a:lvl8pPr>
-            <a:lvl9pPr marL="3657600" indent="0" algn="ctr">
-              <a:buNone/>
-              <a:defRPr sz="1600"/>
-            </a:lvl9pPr>
           </a:lstStyle>
-          <a:p>
-            <a:r>
-              <a:rPr lang="hu-HU"/>
-              <a:t>Kattintson ide az alcím mintájának szerkesztéséhez</a:t>
-            </a:r>
-          </a:p>
-        </p:txBody>
-      </p:sp>
-      <p:sp>
-        <p:nvSpPr>
-          <p:cNvPr id="4" name="Dátum helye 3">
-            <a:extLst>
-              <a:ext uri="{FF2B5EF4-FFF2-40B4-BE49-F238E27FC236}">
-                <a16:creationId xmlns:a16="http://schemas.microsoft.com/office/drawing/2014/main" id="{E938B4F3-1F87-4475-8F53-B692687796E9}"/>
-              </a:ext>
-            </a:extLst>
-          </p:cNvPr>
-          <p:cNvSpPr>
-            <a:spLocks noGrp="1"/>
-          </p:cNvSpPr>
-          <p:nvPr>
-            <p:ph type="dt" sz="half" idx="10"/>
-          </p:nvPr>
-        </p:nvSpPr>
-        <p:spPr/>
-        <p:txBody>
-          <a:bodyPr/>
-          <a:lstStyle/>
           <a:p>
             <a:fld id="{EA61FFDA-4D01-43A1-8E0F-F3CCB963EDE5}" type="datetimeFigureOut">
               <a:rPr lang="hu-HU" smtClean="0"/>
-              <a:t>2025. 04. 02.</a:t>
+              <a:t>2025. 04. 03.</a:t>
             </a:fld>
             <a:endParaRPr lang="hu-HU"/>
           </a:p>
@@ -276,13 +373,7 @@
       </p:sp>
       <p:sp>
         <p:nvSpPr>
-          <p:cNvPr id="5" name="Élőláb helye 4">
-            <a:extLst>
-              <a:ext uri="{FF2B5EF4-FFF2-40B4-BE49-F238E27FC236}">
-                <a16:creationId xmlns:a16="http://schemas.microsoft.com/office/drawing/2014/main" id="{A2A2AA49-1E45-4A9D-BCF1-9320924A700C}"/>
-              </a:ext>
-            </a:extLst>
-          </p:cNvPr>
+          <p:cNvPr id="5" name="Footer Placeholder 4"/>
           <p:cNvSpPr>
             <a:spLocks noGrp="1"/>
           </p:cNvSpPr>
@@ -290,10 +381,26 @@
             <p:ph type="ftr" sz="quarter" idx="11"/>
           </p:nvPr>
         </p:nvSpPr>
-        <p:spPr/>
+        <p:spPr>
+          <a:xfrm>
+            <a:off x="581192" y="5951811"/>
+            <a:ext cx="6917210" cy="365125"/>
+          </a:xfrm>
+        </p:spPr>
         <p:txBody>
           <a:bodyPr/>
-          <a:lstStyle/>
+          <a:lstStyle>
+            <a:lvl1pPr>
+              <a:defRPr>
+                <a:solidFill>
+                  <a:schemeClr val="accent1">
+                    <a:lumMod val="75000"/>
+                    <a:lumOff val="25000"/>
+                  </a:schemeClr>
+                </a:solidFill>
+              </a:defRPr>
+            </a:lvl1pPr>
+          </a:lstStyle>
           <a:p>
             <a:endParaRPr lang="hu-HU"/>
           </a:p>
@@ -301,13 +408,7 @@
       </p:sp>
       <p:sp>
         <p:nvSpPr>
-          <p:cNvPr id="6" name="Dia számának helye 5">
-            <a:extLst>
-              <a:ext uri="{FF2B5EF4-FFF2-40B4-BE49-F238E27FC236}">
-                <a16:creationId xmlns:a16="http://schemas.microsoft.com/office/drawing/2014/main" id="{C698280A-CDAD-49C7-8651-A39E308DF4E3}"/>
-              </a:ext>
-            </a:extLst>
-          </p:cNvPr>
+          <p:cNvPr id="6" name="Slide Number Placeholder 5"/>
           <p:cNvSpPr>
             <a:spLocks noGrp="1"/>
           </p:cNvSpPr>
@@ -315,10 +416,26 @@
             <p:ph type="sldNum" sz="quarter" idx="12"/>
           </p:nvPr>
         </p:nvSpPr>
-        <p:spPr/>
+        <p:spPr>
+          <a:xfrm>
+            <a:off x="10558300" y="5956137"/>
+            <a:ext cx="1016440" cy="365125"/>
+          </a:xfrm>
+        </p:spPr>
         <p:txBody>
           <a:bodyPr/>
-          <a:lstStyle/>
+          <a:lstStyle>
+            <a:lvl1pPr>
+              <a:defRPr>
+                <a:solidFill>
+                  <a:schemeClr val="accent1">
+                    <a:lumMod val="75000"/>
+                    <a:lumOff val="25000"/>
+                  </a:schemeClr>
+                </a:solidFill>
+              </a:defRPr>
+            </a:lvl1pPr>
+          </a:lstStyle>
           <a:p>
             <a:fld id="{F2853FF7-E172-473D-BC6B-A5A5E2F51E1D}" type="slidenum">
               <a:rPr lang="hu-HU" smtClean="0"/>
@@ -331,7 +448,7 @@
     </p:spTree>
     <p:extLst>
       <p:ext uri="{BB962C8B-B14F-4D97-AF65-F5344CB8AC3E}">
-        <p14:creationId xmlns:p14="http://schemas.microsoft.com/office/powerpoint/2010/main" val="2218146573"/>
+        <p14:creationId xmlns:p14="http://schemas.microsoft.com/office/powerpoint/2010/main" val="3778589259"/>
       </p:ext>
     </p:extLst>
   </p:cSld>
@@ -360,13 +477,46 @@
       </p:grpSpPr>
       <p:sp>
         <p:nvSpPr>
-          <p:cNvPr id="2" name="Cím 1">
-            <a:extLst>
-              <a:ext uri="{FF2B5EF4-FFF2-40B4-BE49-F238E27FC236}">
-                <a16:creationId xmlns:a16="http://schemas.microsoft.com/office/drawing/2014/main" id="{3EA18FFD-2D7D-4862-8211-00430DD58A3A}"/>
-              </a:ext>
-            </a:extLst>
-          </p:cNvPr>
+          <p:cNvPr id="8" name="Rectangle 7"/>
+          <p:cNvSpPr>
+            <a:spLocks noChangeAspect="1"/>
+          </p:cNvSpPr>
+          <p:nvPr/>
+        </p:nvSpPr>
+        <p:spPr>
+          <a:xfrm>
+            <a:off x="440286" y="614407"/>
+            <a:ext cx="11309338" cy="1189298"/>
+          </a:xfrm>
+          <a:prstGeom prst="rect">
+            <a:avLst/>
+          </a:prstGeom>
+          <a:solidFill>
+            <a:schemeClr val="accent1"/>
+          </a:solidFill>
+          <a:ln>
+            <a:noFill/>
+          </a:ln>
+          <a:effectLst/>
+        </p:spPr>
+        <p:style>
+          <a:lnRef idx="1">
+            <a:schemeClr val="accent1"/>
+          </a:lnRef>
+          <a:fillRef idx="3">
+            <a:schemeClr val="accent1"/>
+          </a:fillRef>
+          <a:effectRef idx="2">
+            <a:schemeClr val="accent1"/>
+          </a:effectRef>
+          <a:fontRef idx="minor">
+            <a:schemeClr val="lt1"/>
+          </a:fontRef>
+        </p:style>
+      </p:sp>
+      <p:sp>
+        <p:nvSpPr>
+          <p:cNvPr id="9" name="Title 1"/>
           <p:cNvSpPr>
             <a:spLocks noGrp="1"/>
           </p:cNvSpPr>
@@ -374,7 +524,12 @@
             <p:ph type="title"/>
           </p:nvPr>
         </p:nvSpPr>
-        <p:spPr/>
+        <p:spPr>
+          <a:xfrm>
+            <a:off x="581192" y="702156"/>
+            <a:ext cx="11029616" cy="1013800"/>
+          </a:xfrm>
+        </p:spPr>
         <p:txBody>
           <a:bodyPr/>
           <a:lstStyle/>
@@ -383,18 +538,13 @@
               <a:rPr lang="hu-HU"/>
               <a:t>Mintacím szerkesztése</a:t>
             </a:r>
-          </a:p>
-        </p:txBody>
-      </p:sp>
-      <p:sp>
-        <p:nvSpPr>
-          <p:cNvPr id="3" name="Függőleges szöveg helye 2">
-            <a:extLst>
-              <a:ext uri="{FF2B5EF4-FFF2-40B4-BE49-F238E27FC236}">
-                <a16:creationId xmlns:a16="http://schemas.microsoft.com/office/drawing/2014/main" id="{3868A09C-22ED-4D1E-B722-CF27FED620A1}"/>
-              </a:ext>
-            </a:extLst>
-          </p:cNvPr>
+            <a:endParaRPr lang="en-US" dirty="0"/>
+          </a:p>
+        </p:txBody>
+      </p:sp>
+      <p:sp>
+        <p:nvSpPr>
+          <p:cNvPr id="3" name="Vertical Text Placeholder 2"/>
           <p:cNvSpPr>
             <a:spLocks noGrp="1"/>
           </p:cNvSpPr>
@@ -404,8 +554,24 @@
         </p:nvSpPr>
         <p:spPr/>
         <p:txBody>
-          <a:bodyPr vert="eaVert"/>
-          <a:lstStyle/>
+          <a:bodyPr vert="eaVert" anchor="t"/>
+          <a:lstStyle>
+            <a:lvl1pPr algn="l">
+              <a:defRPr/>
+            </a:lvl1pPr>
+            <a:lvl2pPr algn="l">
+              <a:defRPr/>
+            </a:lvl2pPr>
+            <a:lvl3pPr algn="l">
+              <a:defRPr/>
+            </a:lvl3pPr>
+            <a:lvl4pPr algn="l">
+              <a:defRPr/>
+            </a:lvl4pPr>
+            <a:lvl5pPr algn="l">
+              <a:defRPr/>
+            </a:lvl5pPr>
+          </a:lstStyle>
           <a:p>
             <a:pPr lvl="0"/>
             <a:r>
@@ -440,18 +606,13 @@
               <a:rPr lang="hu-HU"/>
               <a:t>Ötödik szint</a:t>
             </a:r>
-          </a:p>
-        </p:txBody>
-      </p:sp>
-      <p:sp>
-        <p:nvSpPr>
-          <p:cNvPr id="4" name="Dátum helye 3">
-            <a:extLst>
-              <a:ext uri="{FF2B5EF4-FFF2-40B4-BE49-F238E27FC236}">
-                <a16:creationId xmlns:a16="http://schemas.microsoft.com/office/drawing/2014/main" id="{F662D631-0825-4B39-A924-441A8BEED0CF}"/>
-              </a:ext>
-            </a:extLst>
-          </p:cNvPr>
+            <a:endParaRPr lang="en-US" dirty="0"/>
+          </a:p>
+        </p:txBody>
+      </p:sp>
+      <p:sp>
+        <p:nvSpPr>
+          <p:cNvPr id="4" name="Date Placeholder 3"/>
           <p:cNvSpPr>
             <a:spLocks noGrp="1"/>
           </p:cNvSpPr>
@@ -466,7 +627,7 @@
           <a:p>
             <a:fld id="{EA61FFDA-4D01-43A1-8E0F-F3CCB963EDE5}" type="datetimeFigureOut">
               <a:rPr lang="hu-HU" smtClean="0"/>
-              <a:t>2025. 04. 02.</a:t>
+              <a:t>2025. 04. 03.</a:t>
             </a:fld>
             <a:endParaRPr lang="hu-HU"/>
           </a:p>
@@ -474,13 +635,7 @@
       </p:sp>
       <p:sp>
         <p:nvSpPr>
-          <p:cNvPr id="5" name="Élőláb helye 4">
-            <a:extLst>
-              <a:ext uri="{FF2B5EF4-FFF2-40B4-BE49-F238E27FC236}">
-                <a16:creationId xmlns:a16="http://schemas.microsoft.com/office/drawing/2014/main" id="{7703998C-2F00-4B82-9304-9E792254BB01}"/>
-              </a:ext>
-            </a:extLst>
-          </p:cNvPr>
+          <p:cNvPr id="5" name="Footer Placeholder 4"/>
           <p:cNvSpPr>
             <a:spLocks noGrp="1"/>
           </p:cNvSpPr>
@@ -499,13 +654,7 @@
       </p:sp>
       <p:sp>
         <p:nvSpPr>
-          <p:cNvPr id="6" name="Dia számának helye 5">
-            <a:extLst>
-              <a:ext uri="{FF2B5EF4-FFF2-40B4-BE49-F238E27FC236}">
-                <a16:creationId xmlns:a16="http://schemas.microsoft.com/office/drawing/2014/main" id="{EC8FBB41-44D8-4A71-9E0B-8D5C8801FAFC}"/>
-              </a:ext>
-            </a:extLst>
-          </p:cNvPr>
+          <p:cNvPr id="6" name="Slide Number Placeholder 5"/>
           <p:cNvSpPr>
             <a:spLocks noGrp="1"/>
           </p:cNvSpPr>
@@ -529,7 +678,7 @@
     </p:spTree>
     <p:extLst>
       <p:ext uri="{BB962C8B-B14F-4D97-AF65-F5344CB8AC3E}">
-        <p14:creationId xmlns:p14="http://schemas.microsoft.com/office/powerpoint/2010/main" val="1626800803"/>
+        <p14:creationId xmlns:p14="http://schemas.microsoft.com/office/powerpoint/2010/main" val="4238192420"/>
       </p:ext>
     </p:extLst>
   </p:cSld>
@@ -558,13 +707,46 @@
       </p:grpSpPr>
       <p:sp>
         <p:nvSpPr>
-          <p:cNvPr id="2" name="Függőleges cím 1">
-            <a:extLst>
-              <a:ext uri="{FF2B5EF4-FFF2-40B4-BE49-F238E27FC236}">
-                <a16:creationId xmlns:a16="http://schemas.microsoft.com/office/drawing/2014/main" id="{9FE6FF95-09D5-4A19-BD27-DBE649B22039}"/>
-              </a:ext>
-            </a:extLst>
-          </p:cNvPr>
+          <p:cNvPr id="7" name="Rectangle 6"/>
+          <p:cNvSpPr>
+            <a:spLocks noChangeAspect="1"/>
+          </p:cNvSpPr>
+          <p:nvPr/>
+        </p:nvSpPr>
+        <p:spPr>
+          <a:xfrm>
+            <a:off x="8839201" y="599725"/>
+            <a:ext cx="2906817" cy="5816950"/>
+          </a:xfrm>
+          <a:prstGeom prst="rect">
+            <a:avLst/>
+          </a:prstGeom>
+          <a:solidFill>
+            <a:schemeClr val="accent1"/>
+          </a:solidFill>
+          <a:ln>
+            <a:noFill/>
+          </a:ln>
+          <a:effectLst/>
+        </p:spPr>
+        <p:style>
+          <a:lnRef idx="1">
+            <a:schemeClr val="accent1"/>
+          </a:lnRef>
+          <a:fillRef idx="3">
+            <a:schemeClr val="accent1"/>
+          </a:fillRef>
+          <a:effectRef idx="2">
+            <a:schemeClr val="accent1"/>
+          </a:effectRef>
+          <a:fontRef idx="minor">
+            <a:schemeClr val="lt1"/>
+          </a:fontRef>
+        </p:style>
+      </p:sp>
+      <p:sp>
+        <p:nvSpPr>
+          <p:cNvPr id="2" name="Vertical Title 1"/>
           <p:cNvSpPr>
             <a:spLocks noGrp="1"/>
           </p:cNvSpPr>
@@ -574,8 +756,8 @@
         </p:nvSpPr>
         <p:spPr>
           <a:xfrm>
-            <a:off x="8724900" y="365125"/>
-            <a:ext cx="2628900" cy="5811838"/>
+            <a:off x="8839201" y="675726"/>
+            <a:ext cx="2004164" cy="5183073"/>
           </a:xfrm>
         </p:spPr>
         <p:txBody>
@@ -586,18 +768,13 @@
               <a:rPr lang="hu-HU"/>
               <a:t>Mintacím szerkesztése</a:t>
             </a:r>
-          </a:p>
-        </p:txBody>
-      </p:sp>
-      <p:sp>
-        <p:nvSpPr>
-          <p:cNvPr id="3" name="Függőleges szöveg helye 2">
-            <a:extLst>
-              <a:ext uri="{FF2B5EF4-FFF2-40B4-BE49-F238E27FC236}">
-                <a16:creationId xmlns:a16="http://schemas.microsoft.com/office/drawing/2014/main" id="{5FBC8B5B-DCD8-4B75-A334-095867DC21C8}"/>
-              </a:ext>
-            </a:extLst>
-          </p:cNvPr>
+            <a:endParaRPr lang="en-US" dirty="0"/>
+          </a:p>
+        </p:txBody>
+      </p:sp>
+      <p:sp>
+        <p:nvSpPr>
+          <p:cNvPr id="3" name="Vertical Text Placeholder 2"/>
           <p:cNvSpPr>
             <a:spLocks noGrp="1"/>
           </p:cNvSpPr>
@@ -607,12 +784,12 @@
         </p:nvSpPr>
         <p:spPr>
           <a:xfrm>
-            <a:off x="838200" y="365125"/>
-            <a:ext cx="7734300" cy="5811838"/>
-          </a:xfrm>
-        </p:spPr>
-        <p:txBody>
-          <a:bodyPr vert="eaVert"/>
+            <a:off x="774923" y="675726"/>
+            <a:ext cx="7896279" cy="5183073"/>
+          </a:xfrm>
+        </p:spPr>
+        <p:txBody>
+          <a:bodyPr vert="eaVert" anchor="t"/>
           <a:lstStyle/>
           <a:p>
             <a:pPr lvl="0"/>
@@ -648,18 +825,13 @@
               <a:rPr lang="hu-HU"/>
               <a:t>Ötödik szint</a:t>
             </a:r>
-          </a:p>
-        </p:txBody>
-      </p:sp>
-      <p:sp>
-        <p:nvSpPr>
-          <p:cNvPr id="4" name="Dátum helye 3">
-            <a:extLst>
-              <a:ext uri="{FF2B5EF4-FFF2-40B4-BE49-F238E27FC236}">
-                <a16:creationId xmlns:a16="http://schemas.microsoft.com/office/drawing/2014/main" id="{0ED8EC6B-DBD1-4016-A47B-8CA5380C726D}"/>
-              </a:ext>
-            </a:extLst>
-          </p:cNvPr>
+            <a:endParaRPr lang="en-US" dirty="0"/>
+          </a:p>
+        </p:txBody>
+      </p:sp>
+      <p:sp>
+        <p:nvSpPr>
+          <p:cNvPr id="4" name="Date Placeholder 3"/>
           <p:cNvSpPr>
             <a:spLocks noGrp="1"/>
           </p:cNvSpPr>
@@ -667,64 +839,89 @@
             <p:ph type="dt" sz="half" idx="10"/>
           </p:nvPr>
         </p:nvSpPr>
-        <p:spPr/>
+        <p:spPr>
+          <a:xfrm>
+            <a:off x="8993673" y="5956137"/>
+            <a:ext cx="1328141" cy="365125"/>
+          </a:xfrm>
+        </p:spPr>
+        <p:txBody>
+          <a:bodyPr/>
+          <a:lstStyle>
+            <a:lvl1pPr>
+              <a:defRPr>
+                <a:solidFill>
+                  <a:schemeClr val="accent1">
+                    <a:lumMod val="75000"/>
+                    <a:lumOff val="25000"/>
+                  </a:schemeClr>
+                </a:solidFill>
+              </a:defRPr>
+            </a:lvl1pPr>
+          </a:lstStyle>
+          <a:p>
+            <a:fld id="{EA61FFDA-4D01-43A1-8E0F-F3CCB963EDE5}" type="datetimeFigureOut">
+              <a:rPr lang="hu-HU" smtClean="0"/>
+              <a:t>2025. 04. 03.</a:t>
+            </a:fld>
+            <a:endParaRPr lang="hu-HU"/>
+          </a:p>
+        </p:txBody>
+      </p:sp>
+      <p:sp>
+        <p:nvSpPr>
+          <p:cNvPr id="5" name="Footer Placeholder 4"/>
+          <p:cNvSpPr>
+            <a:spLocks noGrp="1"/>
+          </p:cNvSpPr>
+          <p:nvPr>
+            <p:ph type="ftr" sz="quarter" idx="11"/>
+          </p:nvPr>
+        </p:nvSpPr>
+        <p:spPr>
+          <a:xfrm>
+            <a:off x="774923" y="5951811"/>
+            <a:ext cx="7896279" cy="365125"/>
+          </a:xfrm>
+        </p:spPr>
         <p:txBody>
           <a:bodyPr/>
           <a:lstStyle/>
           <a:p>
-            <a:fld id="{EA61FFDA-4D01-43A1-8E0F-F3CCB963EDE5}" type="datetimeFigureOut">
-              <a:rPr lang="hu-HU" smtClean="0"/>
-              <a:t>2025. 04. 02.</a:t>
-            </a:fld>
             <a:endParaRPr lang="hu-HU"/>
           </a:p>
         </p:txBody>
       </p:sp>
       <p:sp>
         <p:nvSpPr>
-          <p:cNvPr id="5" name="Élőláb helye 4">
-            <a:extLst>
-              <a:ext uri="{FF2B5EF4-FFF2-40B4-BE49-F238E27FC236}">
-                <a16:creationId xmlns:a16="http://schemas.microsoft.com/office/drawing/2014/main" id="{CCB258B4-40B4-41F7-B5B0-D62BC9E98123}"/>
-              </a:ext>
-            </a:extLst>
-          </p:cNvPr>
-          <p:cNvSpPr>
-            <a:spLocks noGrp="1"/>
-          </p:cNvSpPr>
-          <p:nvPr>
-            <p:ph type="ftr" sz="quarter" idx="11"/>
-          </p:nvPr>
-        </p:nvSpPr>
-        <p:spPr/>
+          <p:cNvPr id="6" name="Slide Number Placeholder 5"/>
+          <p:cNvSpPr>
+            <a:spLocks noGrp="1"/>
+          </p:cNvSpPr>
+          <p:nvPr>
+            <p:ph type="sldNum" sz="quarter" idx="12"/>
+          </p:nvPr>
+        </p:nvSpPr>
+        <p:spPr>
+          <a:xfrm>
+            <a:off x="10446615" y="5956137"/>
+            <a:ext cx="1164195" cy="365125"/>
+          </a:xfrm>
+        </p:spPr>
         <p:txBody>
           <a:bodyPr/>
-          <a:lstStyle/>
-          <a:p>
-            <a:endParaRPr lang="hu-HU"/>
-          </a:p>
-        </p:txBody>
-      </p:sp>
-      <p:sp>
-        <p:nvSpPr>
-          <p:cNvPr id="6" name="Dia számának helye 5">
-            <a:extLst>
-              <a:ext uri="{FF2B5EF4-FFF2-40B4-BE49-F238E27FC236}">
-                <a16:creationId xmlns:a16="http://schemas.microsoft.com/office/drawing/2014/main" id="{DCA45729-07D0-4EBD-9EF4-8182CC3BA097}"/>
-              </a:ext>
-            </a:extLst>
-          </p:cNvPr>
-          <p:cNvSpPr>
-            <a:spLocks noGrp="1"/>
-          </p:cNvSpPr>
-          <p:nvPr>
-            <p:ph type="sldNum" sz="quarter" idx="12"/>
-          </p:nvPr>
-        </p:nvSpPr>
-        <p:spPr/>
-        <p:txBody>
-          <a:bodyPr/>
-          <a:lstStyle/>
+          <a:lstStyle>
+            <a:lvl1pPr>
+              <a:defRPr>
+                <a:solidFill>
+                  <a:schemeClr val="accent1">
+                    <a:lumMod val="75000"/>
+                    <a:lumOff val="25000"/>
+                  </a:schemeClr>
+                </a:solidFill>
+              </a:defRPr>
+            </a:lvl1pPr>
+          </a:lstStyle>
           <a:p>
             <a:fld id="{F2853FF7-E172-473D-BC6B-A5A5E2F51E1D}" type="slidenum">
               <a:rPr lang="hu-HU" smtClean="0"/>
@@ -737,7 +934,7 @@
     </p:spTree>
     <p:extLst>
       <p:ext uri="{BB962C8B-B14F-4D97-AF65-F5344CB8AC3E}">
-        <p14:creationId xmlns:p14="http://schemas.microsoft.com/office/powerpoint/2010/main" val="2835004836"/>
+        <p14:creationId xmlns:p14="http://schemas.microsoft.com/office/powerpoint/2010/main" val="3189241538"/>
       </p:ext>
     </p:extLst>
   </p:cSld>
@@ -766,13 +963,46 @@
       </p:grpSpPr>
       <p:sp>
         <p:nvSpPr>
-          <p:cNvPr id="2" name="Cím 1">
-            <a:extLst>
-              <a:ext uri="{FF2B5EF4-FFF2-40B4-BE49-F238E27FC236}">
-                <a16:creationId xmlns:a16="http://schemas.microsoft.com/office/drawing/2014/main" id="{5EA5A0AA-3BE2-4606-A121-D99912D277E4}"/>
-              </a:ext>
-            </a:extLst>
-          </p:cNvPr>
+          <p:cNvPr id="7" name="Rectangle 6"/>
+          <p:cNvSpPr>
+            <a:spLocks noChangeAspect="1"/>
+          </p:cNvSpPr>
+          <p:nvPr/>
+        </p:nvSpPr>
+        <p:spPr>
+          <a:xfrm>
+            <a:off x="440286" y="614407"/>
+            <a:ext cx="11309338" cy="1189298"/>
+          </a:xfrm>
+          <a:prstGeom prst="rect">
+            <a:avLst/>
+          </a:prstGeom>
+          <a:solidFill>
+            <a:schemeClr val="accent1"/>
+          </a:solidFill>
+          <a:ln>
+            <a:noFill/>
+          </a:ln>
+          <a:effectLst/>
+        </p:spPr>
+        <p:style>
+          <a:lnRef idx="1">
+            <a:schemeClr val="accent1"/>
+          </a:lnRef>
+          <a:fillRef idx="3">
+            <a:schemeClr val="accent1"/>
+          </a:fillRef>
+          <a:effectRef idx="2">
+            <a:schemeClr val="accent1"/>
+          </a:effectRef>
+          <a:fontRef idx="minor">
+            <a:schemeClr val="lt1"/>
+          </a:fontRef>
+        </p:style>
+      </p:sp>
+      <p:sp>
+        <p:nvSpPr>
+          <p:cNvPr id="2" name="Title 1"/>
           <p:cNvSpPr>
             <a:spLocks noGrp="1"/>
           </p:cNvSpPr>
@@ -780,7 +1010,12 @@
             <p:ph type="title"/>
           </p:nvPr>
         </p:nvSpPr>
-        <p:spPr/>
+        <p:spPr>
+          <a:xfrm>
+            <a:off x="581192" y="702156"/>
+            <a:ext cx="11029616" cy="1013800"/>
+          </a:xfrm>
+        </p:spPr>
         <p:txBody>
           <a:bodyPr/>
           <a:lstStyle/>
@@ -789,18 +1024,13 @@
               <a:rPr lang="hu-HU"/>
               <a:t>Mintacím szerkesztése</a:t>
             </a:r>
-          </a:p>
-        </p:txBody>
-      </p:sp>
-      <p:sp>
-        <p:nvSpPr>
-          <p:cNvPr id="3" name="Tartalom helye 2">
-            <a:extLst>
-              <a:ext uri="{FF2B5EF4-FFF2-40B4-BE49-F238E27FC236}">
-                <a16:creationId xmlns:a16="http://schemas.microsoft.com/office/drawing/2014/main" id="{ED8F71FE-78BA-4E41-82E4-F5655D10564B}"/>
-              </a:ext>
-            </a:extLst>
-          </p:cNvPr>
+            <a:endParaRPr lang="en-US" dirty="0"/>
+          </a:p>
+        </p:txBody>
+      </p:sp>
+      <p:sp>
+        <p:nvSpPr>
+          <p:cNvPr id="3" name="Content Placeholder 2"/>
           <p:cNvSpPr>
             <a:spLocks noGrp="1"/>
           </p:cNvSpPr>
@@ -808,7 +1038,12 @@
             <p:ph idx="1"/>
           </p:nvPr>
         </p:nvSpPr>
-        <p:spPr/>
+        <p:spPr>
+          <a:xfrm>
+            <a:off x="581192" y="2180496"/>
+            <a:ext cx="11029615" cy="3678303"/>
+          </a:xfrm>
+        </p:spPr>
         <p:txBody>
           <a:bodyPr/>
           <a:lstStyle/>
@@ -846,18 +1081,13 @@
               <a:rPr lang="hu-HU"/>
               <a:t>Ötödik szint</a:t>
             </a:r>
-          </a:p>
-        </p:txBody>
-      </p:sp>
-      <p:sp>
-        <p:nvSpPr>
-          <p:cNvPr id="4" name="Dátum helye 3">
-            <a:extLst>
-              <a:ext uri="{FF2B5EF4-FFF2-40B4-BE49-F238E27FC236}">
-                <a16:creationId xmlns:a16="http://schemas.microsoft.com/office/drawing/2014/main" id="{30C1E7C1-9371-48CA-958C-8F1BB8EDC91D}"/>
-              </a:ext>
-            </a:extLst>
-          </p:cNvPr>
+            <a:endParaRPr lang="en-US" dirty="0"/>
+          </a:p>
+        </p:txBody>
+      </p:sp>
+      <p:sp>
+        <p:nvSpPr>
+          <p:cNvPr id="4" name="Date Placeholder 3"/>
           <p:cNvSpPr>
             <a:spLocks noGrp="1"/>
           </p:cNvSpPr>
@@ -872,7 +1102,7 @@
           <a:p>
             <a:fld id="{EA61FFDA-4D01-43A1-8E0F-F3CCB963EDE5}" type="datetimeFigureOut">
               <a:rPr lang="hu-HU" smtClean="0"/>
-              <a:t>2025. 04. 02.</a:t>
+              <a:t>2025. 04. 03.</a:t>
             </a:fld>
             <a:endParaRPr lang="hu-HU"/>
           </a:p>
@@ -880,13 +1110,7 @@
       </p:sp>
       <p:sp>
         <p:nvSpPr>
-          <p:cNvPr id="5" name="Élőláb helye 4">
-            <a:extLst>
-              <a:ext uri="{FF2B5EF4-FFF2-40B4-BE49-F238E27FC236}">
-                <a16:creationId xmlns:a16="http://schemas.microsoft.com/office/drawing/2014/main" id="{4E7E1770-AE0B-4190-BD43-FAA8529845E6}"/>
-              </a:ext>
-            </a:extLst>
-          </p:cNvPr>
+          <p:cNvPr id="5" name="Footer Placeholder 4"/>
           <p:cNvSpPr>
             <a:spLocks noGrp="1"/>
           </p:cNvSpPr>
@@ -905,13 +1129,7 @@
       </p:sp>
       <p:sp>
         <p:nvSpPr>
-          <p:cNvPr id="6" name="Dia számának helye 5">
-            <a:extLst>
-              <a:ext uri="{FF2B5EF4-FFF2-40B4-BE49-F238E27FC236}">
-                <a16:creationId xmlns:a16="http://schemas.microsoft.com/office/drawing/2014/main" id="{EB567281-86E9-45D8-BD56-0445777EE0BF}"/>
-              </a:ext>
-            </a:extLst>
-          </p:cNvPr>
+          <p:cNvPr id="6" name="Slide Number Placeholder 5"/>
           <p:cNvSpPr>
             <a:spLocks noGrp="1"/>
           </p:cNvSpPr>
@@ -919,7 +1137,12 @@
             <p:ph type="sldNum" sz="quarter" idx="12"/>
           </p:nvPr>
         </p:nvSpPr>
-        <p:spPr/>
+        <p:spPr>
+          <a:xfrm>
+            <a:off x="10558300" y="5956137"/>
+            <a:ext cx="1052508" cy="365125"/>
+          </a:xfrm>
+        </p:spPr>
         <p:txBody>
           <a:bodyPr/>
           <a:lstStyle/>
@@ -935,7 +1158,7 @@
     </p:spTree>
     <p:extLst>
       <p:ext uri="{BB962C8B-B14F-4D97-AF65-F5344CB8AC3E}">
-        <p14:creationId xmlns:p14="http://schemas.microsoft.com/office/powerpoint/2010/main" val="1201674702"/>
+        <p14:creationId xmlns:p14="http://schemas.microsoft.com/office/powerpoint/2010/main" val="3863912247"/>
       </p:ext>
     </p:extLst>
   </p:cSld>
@@ -964,13 +1187,46 @@
       </p:grpSpPr>
       <p:sp>
         <p:nvSpPr>
-          <p:cNvPr id="2" name="Cím 1">
-            <a:extLst>
-              <a:ext uri="{FF2B5EF4-FFF2-40B4-BE49-F238E27FC236}">
-                <a16:creationId xmlns:a16="http://schemas.microsoft.com/office/drawing/2014/main" id="{9F70A5B8-06E7-4F83-B623-B07214D5E467}"/>
-              </a:ext>
-            </a:extLst>
-          </p:cNvPr>
+          <p:cNvPr id="8" name="Rectangle 7"/>
+          <p:cNvSpPr>
+            <a:spLocks noChangeAspect="1"/>
+          </p:cNvSpPr>
+          <p:nvPr/>
+        </p:nvSpPr>
+        <p:spPr>
+          <a:xfrm>
+            <a:off x="447817" y="5141974"/>
+            <a:ext cx="11290860" cy="1258827"/>
+          </a:xfrm>
+          <a:prstGeom prst="rect">
+            <a:avLst/>
+          </a:prstGeom>
+          <a:solidFill>
+            <a:schemeClr val="accent1"/>
+          </a:solidFill>
+          <a:ln>
+            <a:noFill/>
+          </a:ln>
+          <a:effectLst/>
+        </p:spPr>
+        <p:style>
+          <a:lnRef idx="1">
+            <a:schemeClr val="accent1"/>
+          </a:lnRef>
+          <a:fillRef idx="3">
+            <a:schemeClr val="accent1"/>
+          </a:fillRef>
+          <a:effectRef idx="2">
+            <a:schemeClr val="accent1"/>
+          </a:effectRef>
+          <a:fontRef idx="minor">
+            <a:schemeClr val="lt1"/>
+          </a:fontRef>
+        </p:style>
+      </p:sp>
+      <p:sp>
+        <p:nvSpPr>
+          <p:cNvPr id="2" name="Title 1"/>
           <p:cNvSpPr>
             <a:spLocks noGrp="1"/>
           </p:cNvSpPr>
@@ -980,15 +1236,21 @@
         </p:nvSpPr>
         <p:spPr>
           <a:xfrm>
-            <a:off x="831850" y="1709738"/>
-            <a:ext cx="10515600" cy="2852737"/>
-          </a:xfrm>
-        </p:spPr>
-        <p:txBody>
-          <a:bodyPr anchor="b"/>
+            <a:off x="581193" y="3043910"/>
+            <a:ext cx="11029615" cy="1497507"/>
+          </a:xfrm>
+        </p:spPr>
+        <p:txBody>
+          <a:bodyPr anchor="b">
+            <a:normAutofit/>
+          </a:bodyPr>
           <a:lstStyle>
-            <a:lvl1pPr>
-              <a:defRPr sz="6000"/>
+            <a:lvl1pPr algn="l">
+              <a:defRPr sz="3600" b="0" cap="all">
+                <a:solidFill>
+                  <a:schemeClr val="accent1"/>
+                </a:solidFill>
+              </a:defRPr>
             </a:lvl1pPr>
           </a:lstStyle>
           <a:p>
@@ -996,18 +1258,13 @@
               <a:rPr lang="hu-HU"/>
               <a:t>Mintacím szerkesztése</a:t>
             </a:r>
-          </a:p>
-        </p:txBody>
-      </p:sp>
-      <p:sp>
-        <p:nvSpPr>
-          <p:cNvPr id="3" name="Szöveg helye 2">
-            <a:extLst>
-              <a:ext uri="{FF2B5EF4-FFF2-40B4-BE49-F238E27FC236}">
-                <a16:creationId xmlns:a16="http://schemas.microsoft.com/office/drawing/2014/main" id="{092DCF75-D5FB-46BB-8FBF-8ECD86EF63DA}"/>
-              </a:ext>
-            </a:extLst>
-          </p:cNvPr>
+            <a:endParaRPr lang="en-US" dirty="0"/>
+          </a:p>
+        </p:txBody>
+      </p:sp>
+      <p:sp>
+        <p:nvSpPr>
+          <p:cNvPr id="3" name="Text Placeholder 2"/>
           <p:cNvSpPr>
             <a:spLocks noGrp="1"/>
           </p:cNvSpPr>
@@ -1017,102 +1274,102 @@
         </p:nvSpPr>
         <p:spPr>
           <a:xfrm>
-            <a:off x="831850" y="4589463"/>
-            <a:ext cx="10515600" cy="1500187"/>
-          </a:xfrm>
-        </p:spPr>
-        <p:txBody>
-          <a:bodyPr/>
+            <a:off x="581192" y="4541417"/>
+            <a:ext cx="11029615" cy="600556"/>
+          </a:xfrm>
+        </p:spPr>
+        <p:txBody>
+          <a:bodyPr anchor="t">
+            <a:normAutofit/>
+          </a:bodyPr>
           <a:lstStyle>
-            <a:lvl1pPr marL="0" indent="0">
-              <a:buNone/>
-              <a:defRPr sz="2400">
+            <a:lvl1pPr marL="0" indent="0" algn="l">
+              <a:buNone/>
+              <a:defRPr sz="1800" cap="all">
+                <a:solidFill>
+                  <a:schemeClr val="accent2"/>
+                </a:solidFill>
+              </a:defRPr>
+            </a:lvl1pPr>
+            <a:lvl2pPr marL="457200" indent="0">
+              <a:buNone/>
+              <a:defRPr sz="1800">
                 <a:solidFill>
                   <a:schemeClr val="tx1">
                     <a:tint val="75000"/>
                   </a:schemeClr>
                 </a:solidFill>
               </a:defRPr>
-            </a:lvl1pPr>
-            <a:lvl2pPr marL="457200" indent="0">
-              <a:buNone/>
-              <a:defRPr sz="2000">
+            </a:lvl2pPr>
+            <a:lvl3pPr marL="914400" indent="0">
+              <a:buNone/>
+              <a:defRPr sz="1600">
                 <a:solidFill>
                   <a:schemeClr val="tx1">
                     <a:tint val="75000"/>
                   </a:schemeClr>
                 </a:solidFill>
               </a:defRPr>
-            </a:lvl2pPr>
-            <a:lvl3pPr marL="914400" indent="0">
-              <a:buNone/>
-              <a:defRPr sz="1800">
+            </a:lvl3pPr>
+            <a:lvl4pPr marL="1371600" indent="0">
+              <a:buNone/>
+              <a:defRPr sz="1400">
                 <a:solidFill>
                   <a:schemeClr val="tx1">
                     <a:tint val="75000"/>
                   </a:schemeClr>
                 </a:solidFill>
               </a:defRPr>
-            </a:lvl3pPr>
-            <a:lvl4pPr marL="1371600" indent="0">
-              <a:buNone/>
-              <a:defRPr sz="1600">
+            </a:lvl4pPr>
+            <a:lvl5pPr marL="1828800" indent="0">
+              <a:buNone/>
+              <a:defRPr sz="1400">
                 <a:solidFill>
                   <a:schemeClr val="tx1">
                     <a:tint val="75000"/>
                   </a:schemeClr>
                 </a:solidFill>
               </a:defRPr>
-            </a:lvl4pPr>
-            <a:lvl5pPr marL="1828800" indent="0">
-              <a:buNone/>
-              <a:defRPr sz="1600">
+            </a:lvl5pPr>
+            <a:lvl6pPr marL="2286000" indent="0">
+              <a:buNone/>
+              <a:defRPr sz="1400">
                 <a:solidFill>
                   <a:schemeClr val="tx1">
                     <a:tint val="75000"/>
                   </a:schemeClr>
                 </a:solidFill>
               </a:defRPr>
-            </a:lvl5pPr>
-            <a:lvl6pPr marL="2286000" indent="0">
-              <a:buNone/>
-              <a:defRPr sz="1600">
+            </a:lvl6pPr>
+            <a:lvl7pPr marL="2743200" indent="0">
+              <a:buNone/>
+              <a:defRPr sz="1400">
                 <a:solidFill>
                   <a:schemeClr val="tx1">
                     <a:tint val="75000"/>
                   </a:schemeClr>
                 </a:solidFill>
               </a:defRPr>
-            </a:lvl6pPr>
-            <a:lvl7pPr marL="2743200" indent="0">
-              <a:buNone/>
-              <a:defRPr sz="1600">
+            </a:lvl7pPr>
+            <a:lvl8pPr marL="3200400" indent="0">
+              <a:buNone/>
+              <a:defRPr sz="1400">
                 <a:solidFill>
                   <a:schemeClr val="tx1">
                     <a:tint val="75000"/>
                   </a:schemeClr>
                 </a:solidFill>
               </a:defRPr>
-            </a:lvl7pPr>
-            <a:lvl8pPr marL="3200400" indent="0">
-              <a:buNone/>
-              <a:defRPr sz="1600">
+            </a:lvl8pPr>
+            <a:lvl9pPr marL="3657600" indent="0">
+              <a:buNone/>
+              <a:defRPr sz="1400">
                 <a:solidFill>
                   <a:schemeClr val="tx1">
                     <a:tint val="75000"/>
                   </a:schemeClr>
                 </a:solidFill>
               </a:defRPr>
-            </a:lvl8pPr>
-            <a:lvl9pPr marL="3657600" indent="0">
-              <a:buNone/>
-              <a:defRPr sz="1600">
-                <a:solidFill>
-                  <a:schemeClr val="tx1">
-                    <a:tint val="75000"/>
-                  </a:schemeClr>
-                </a:solidFill>
-              </a:defRPr>
             </a:lvl9pPr>
           </a:lstStyle>
           <a:p>
@@ -1126,13 +1383,7 @@
       </p:sp>
       <p:sp>
         <p:nvSpPr>
-          <p:cNvPr id="4" name="Dátum helye 3">
-            <a:extLst>
-              <a:ext uri="{FF2B5EF4-FFF2-40B4-BE49-F238E27FC236}">
-                <a16:creationId xmlns:a16="http://schemas.microsoft.com/office/drawing/2014/main" id="{9975755B-A06D-483E-9BFA-916F36D9BBBE}"/>
-              </a:ext>
-            </a:extLst>
-          </p:cNvPr>
+          <p:cNvPr id="4" name="Date Placeholder 3"/>
           <p:cNvSpPr>
             <a:spLocks noGrp="1"/>
           </p:cNvSpPr>
@@ -1143,11 +1394,22 @@
         <p:spPr/>
         <p:txBody>
           <a:bodyPr/>
-          <a:lstStyle/>
+          <a:lstStyle>
+            <a:lvl1pPr>
+              <a:defRPr>
+                <a:solidFill>
+                  <a:schemeClr val="accent1">
+                    <a:lumMod val="75000"/>
+                    <a:lumOff val="25000"/>
+                  </a:schemeClr>
+                </a:solidFill>
+              </a:defRPr>
+            </a:lvl1pPr>
+          </a:lstStyle>
           <a:p>
             <a:fld id="{EA61FFDA-4D01-43A1-8E0F-F3CCB963EDE5}" type="datetimeFigureOut">
               <a:rPr lang="hu-HU" smtClean="0"/>
-              <a:t>2025. 04. 02.</a:t>
+              <a:t>2025. 04. 03.</a:t>
             </a:fld>
             <a:endParaRPr lang="hu-HU"/>
           </a:p>
@@ -1155,13 +1417,7 @@
       </p:sp>
       <p:sp>
         <p:nvSpPr>
-          <p:cNvPr id="5" name="Élőláb helye 4">
-            <a:extLst>
-              <a:ext uri="{FF2B5EF4-FFF2-40B4-BE49-F238E27FC236}">
-                <a16:creationId xmlns:a16="http://schemas.microsoft.com/office/drawing/2014/main" id="{B58E7ADD-0337-4778-8A53-2AF3D0426507}"/>
-              </a:ext>
-            </a:extLst>
-          </p:cNvPr>
+          <p:cNvPr id="5" name="Footer Placeholder 4"/>
           <p:cNvSpPr>
             <a:spLocks noGrp="1"/>
           </p:cNvSpPr>
@@ -1172,7 +1428,18 @@
         <p:spPr/>
         <p:txBody>
           <a:bodyPr/>
-          <a:lstStyle/>
+          <a:lstStyle>
+            <a:lvl1pPr>
+              <a:defRPr>
+                <a:solidFill>
+                  <a:schemeClr val="accent1">
+                    <a:lumMod val="75000"/>
+                    <a:lumOff val="25000"/>
+                  </a:schemeClr>
+                </a:solidFill>
+              </a:defRPr>
+            </a:lvl1pPr>
+          </a:lstStyle>
           <a:p>
             <a:endParaRPr lang="hu-HU"/>
           </a:p>
@@ -1180,13 +1447,7 @@
       </p:sp>
       <p:sp>
         <p:nvSpPr>
-          <p:cNvPr id="6" name="Dia számának helye 5">
-            <a:extLst>
-              <a:ext uri="{FF2B5EF4-FFF2-40B4-BE49-F238E27FC236}">
-                <a16:creationId xmlns:a16="http://schemas.microsoft.com/office/drawing/2014/main" id="{B2D6F062-D4DB-48E7-ADD0-ACA6D55423DF}"/>
-              </a:ext>
-            </a:extLst>
-          </p:cNvPr>
+          <p:cNvPr id="6" name="Slide Number Placeholder 5"/>
           <p:cNvSpPr>
             <a:spLocks noGrp="1"/>
           </p:cNvSpPr>
@@ -1197,7 +1458,18 @@
         <p:spPr/>
         <p:txBody>
           <a:bodyPr/>
-          <a:lstStyle/>
+          <a:lstStyle>
+            <a:lvl1pPr>
+              <a:defRPr>
+                <a:solidFill>
+                  <a:schemeClr val="accent1">
+                    <a:lumMod val="75000"/>
+                    <a:lumOff val="25000"/>
+                  </a:schemeClr>
+                </a:solidFill>
+              </a:defRPr>
+            </a:lvl1pPr>
+          </a:lstStyle>
           <a:p>
             <a:fld id="{F2853FF7-E172-473D-BC6B-A5A5E2F51E1D}" type="slidenum">
               <a:rPr lang="hu-HU" smtClean="0"/>
@@ -1210,7 +1482,7 @@
     </p:spTree>
     <p:extLst>
       <p:ext uri="{BB962C8B-B14F-4D97-AF65-F5344CB8AC3E}">
-        <p14:creationId xmlns:p14="http://schemas.microsoft.com/office/powerpoint/2010/main" val="2649931622"/>
+        <p14:creationId xmlns:p14="http://schemas.microsoft.com/office/powerpoint/2010/main" val="2235118499"/>
       </p:ext>
     </p:extLst>
   </p:cSld>
@@ -1239,13 +1511,46 @@
       </p:grpSpPr>
       <p:sp>
         <p:nvSpPr>
-          <p:cNvPr id="2" name="Cím 1">
-            <a:extLst>
-              <a:ext uri="{FF2B5EF4-FFF2-40B4-BE49-F238E27FC236}">
-                <a16:creationId xmlns:a16="http://schemas.microsoft.com/office/drawing/2014/main" id="{19A379C5-8D2C-4066-9EF7-8CB7BC45B5B4}"/>
-              </a:ext>
-            </a:extLst>
-          </p:cNvPr>
+          <p:cNvPr id="8" name="Rectangle 7"/>
+          <p:cNvSpPr>
+            <a:spLocks noChangeAspect="1"/>
+          </p:cNvSpPr>
+          <p:nvPr/>
+        </p:nvSpPr>
+        <p:spPr>
+          <a:xfrm>
+            <a:off x="445982" y="606554"/>
+            <a:ext cx="11300036" cy="1258827"/>
+          </a:xfrm>
+          <a:prstGeom prst="rect">
+            <a:avLst/>
+          </a:prstGeom>
+          <a:solidFill>
+            <a:schemeClr val="accent1"/>
+          </a:solidFill>
+          <a:ln>
+            <a:noFill/>
+          </a:ln>
+          <a:effectLst/>
+        </p:spPr>
+        <p:style>
+          <a:lnRef idx="1">
+            <a:schemeClr val="accent1"/>
+          </a:lnRef>
+          <a:fillRef idx="3">
+            <a:schemeClr val="accent1"/>
+          </a:fillRef>
+          <a:effectRef idx="2">
+            <a:schemeClr val="accent1"/>
+          </a:effectRef>
+          <a:fontRef idx="minor">
+            <a:schemeClr val="lt1"/>
+          </a:fontRef>
+        </p:style>
+      </p:sp>
+      <p:sp>
+        <p:nvSpPr>
+          <p:cNvPr id="2" name="Title 1"/>
           <p:cNvSpPr>
             <a:spLocks noGrp="1"/>
           </p:cNvSpPr>
@@ -1253,7 +1558,12 @@
             <p:ph type="title"/>
           </p:nvPr>
         </p:nvSpPr>
-        <p:spPr/>
+        <p:spPr>
+          <a:xfrm>
+            <a:off x="581193" y="729658"/>
+            <a:ext cx="11029616" cy="988332"/>
+          </a:xfrm>
+        </p:spPr>
         <p:txBody>
           <a:bodyPr/>
           <a:lstStyle/>
@@ -1262,18 +1572,13 @@
               <a:rPr lang="hu-HU"/>
               <a:t>Mintacím szerkesztése</a:t>
             </a:r>
-          </a:p>
-        </p:txBody>
-      </p:sp>
-      <p:sp>
-        <p:nvSpPr>
-          <p:cNvPr id="3" name="Tartalom helye 2">
-            <a:extLst>
-              <a:ext uri="{FF2B5EF4-FFF2-40B4-BE49-F238E27FC236}">
-                <a16:creationId xmlns:a16="http://schemas.microsoft.com/office/drawing/2014/main" id="{01EEA9BD-6BAA-4A43-8241-BBC0FE6093ED}"/>
-              </a:ext>
-            </a:extLst>
-          </p:cNvPr>
+            <a:endParaRPr lang="en-US" dirty="0"/>
+          </a:p>
+        </p:txBody>
+      </p:sp>
+      <p:sp>
+        <p:nvSpPr>
+          <p:cNvPr id="3" name="Content Placeholder 2"/>
           <p:cNvSpPr>
             <a:spLocks noGrp="1"/>
           </p:cNvSpPr>
@@ -1283,175 +1588,157 @@
         </p:nvSpPr>
         <p:spPr>
           <a:xfrm>
-            <a:off x="838200" y="1825625"/>
-            <a:ext cx="5181600" cy="4351338"/>
-          </a:xfrm>
-        </p:spPr>
+            <a:off x="581193" y="2228003"/>
+            <a:ext cx="5422390" cy="3633047"/>
+          </a:xfrm>
+        </p:spPr>
+        <p:txBody>
+          <a:bodyPr>
+            <a:normAutofit/>
+          </a:bodyPr>
+          <a:lstStyle/>
+          <a:p>
+            <a:pPr lvl="0"/>
+            <a:r>
+              <a:rPr lang="hu-HU"/>
+              <a:t>Mintaszöveg szerkesztése</a:t>
+            </a:r>
+          </a:p>
+          <a:p>
+            <a:pPr lvl="1"/>
+            <a:r>
+              <a:rPr lang="hu-HU"/>
+              <a:t>Második szint</a:t>
+            </a:r>
+          </a:p>
+          <a:p>
+            <a:pPr lvl="2"/>
+            <a:r>
+              <a:rPr lang="hu-HU"/>
+              <a:t>Harmadik szint</a:t>
+            </a:r>
+          </a:p>
+          <a:p>
+            <a:pPr lvl="3"/>
+            <a:r>
+              <a:rPr lang="hu-HU"/>
+              <a:t>Negyedik szint</a:t>
+            </a:r>
+          </a:p>
+          <a:p>
+            <a:pPr lvl="4"/>
+            <a:r>
+              <a:rPr lang="hu-HU"/>
+              <a:t>Ötödik szint</a:t>
+            </a:r>
+            <a:endParaRPr lang="en-US" dirty="0"/>
+          </a:p>
+        </p:txBody>
+      </p:sp>
+      <p:sp>
+        <p:nvSpPr>
+          <p:cNvPr id="4" name="Content Placeholder 3"/>
+          <p:cNvSpPr>
+            <a:spLocks noGrp="1"/>
+          </p:cNvSpPr>
+          <p:nvPr>
+            <p:ph sz="half" idx="2"/>
+          </p:nvPr>
+        </p:nvSpPr>
+        <p:spPr>
+          <a:xfrm>
+            <a:off x="6188417" y="2228003"/>
+            <a:ext cx="5422392" cy="3633047"/>
+          </a:xfrm>
+        </p:spPr>
+        <p:txBody>
+          <a:bodyPr>
+            <a:normAutofit/>
+          </a:bodyPr>
+          <a:lstStyle/>
+          <a:p>
+            <a:pPr lvl="0"/>
+            <a:r>
+              <a:rPr lang="hu-HU"/>
+              <a:t>Mintaszöveg szerkesztése</a:t>
+            </a:r>
+          </a:p>
+          <a:p>
+            <a:pPr lvl="1"/>
+            <a:r>
+              <a:rPr lang="hu-HU"/>
+              <a:t>Második szint</a:t>
+            </a:r>
+          </a:p>
+          <a:p>
+            <a:pPr lvl="2"/>
+            <a:r>
+              <a:rPr lang="hu-HU"/>
+              <a:t>Harmadik szint</a:t>
+            </a:r>
+          </a:p>
+          <a:p>
+            <a:pPr lvl="3"/>
+            <a:r>
+              <a:rPr lang="hu-HU"/>
+              <a:t>Negyedik szint</a:t>
+            </a:r>
+          </a:p>
+          <a:p>
+            <a:pPr lvl="4"/>
+            <a:r>
+              <a:rPr lang="hu-HU"/>
+              <a:t>Ötödik szint</a:t>
+            </a:r>
+            <a:endParaRPr lang="en-US" dirty="0"/>
+          </a:p>
+        </p:txBody>
+      </p:sp>
+      <p:sp>
+        <p:nvSpPr>
+          <p:cNvPr id="5" name="Date Placeholder 4"/>
+          <p:cNvSpPr>
+            <a:spLocks noGrp="1"/>
+          </p:cNvSpPr>
+          <p:nvPr>
+            <p:ph type="dt" sz="half" idx="10"/>
+          </p:nvPr>
+        </p:nvSpPr>
+        <p:spPr/>
         <p:txBody>
           <a:bodyPr/>
           <a:lstStyle/>
           <a:p>
-            <a:pPr lvl="0"/>
-            <a:r>
-              <a:rPr lang="hu-HU"/>
-              <a:t>Mintaszöveg szerkesztése</a:t>
-            </a:r>
-          </a:p>
-          <a:p>
-            <a:pPr lvl="1"/>
-            <a:r>
-              <a:rPr lang="hu-HU"/>
-              <a:t>Második szint</a:t>
-            </a:r>
-          </a:p>
-          <a:p>
-            <a:pPr lvl="2"/>
-            <a:r>
-              <a:rPr lang="hu-HU"/>
-              <a:t>Harmadik szint</a:t>
-            </a:r>
-          </a:p>
-          <a:p>
-            <a:pPr lvl="3"/>
-            <a:r>
-              <a:rPr lang="hu-HU"/>
-              <a:t>Negyedik szint</a:t>
-            </a:r>
-          </a:p>
-          <a:p>
-            <a:pPr lvl="4"/>
-            <a:r>
-              <a:rPr lang="hu-HU"/>
-              <a:t>Ötödik szint</a:t>
-            </a:r>
-          </a:p>
-        </p:txBody>
-      </p:sp>
-      <p:sp>
-        <p:nvSpPr>
-          <p:cNvPr id="4" name="Tartalom helye 3">
-            <a:extLst>
-              <a:ext uri="{FF2B5EF4-FFF2-40B4-BE49-F238E27FC236}">
-                <a16:creationId xmlns:a16="http://schemas.microsoft.com/office/drawing/2014/main" id="{D83BC89B-4D0D-42C9-ABF7-EF2E4A587AA3}"/>
-              </a:ext>
-            </a:extLst>
-          </p:cNvPr>
-          <p:cNvSpPr>
-            <a:spLocks noGrp="1"/>
-          </p:cNvSpPr>
-          <p:nvPr>
-            <p:ph sz="half" idx="2"/>
-          </p:nvPr>
-        </p:nvSpPr>
-        <p:spPr>
-          <a:xfrm>
-            <a:off x="6172200" y="1825625"/>
-            <a:ext cx="5181600" cy="4351338"/>
-          </a:xfrm>
-        </p:spPr>
+            <a:fld id="{EA61FFDA-4D01-43A1-8E0F-F3CCB963EDE5}" type="datetimeFigureOut">
+              <a:rPr lang="hu-HU" smtClean="0"/>
+              <a:t>2025. 04. 03.</a:t>
+            </a:fld>
+            <a:endParaRPr lang="hu-HU"/>
+          </a:p>
+        </p:txBody>
+      </p:sp>
+      <p:sp>
+        <p:nvSpPr>
+          <p:cNvPr id="6" name="Footer Placeholder 5"/>
+          <p:cNvSpPr>
+            <a:spLocks noGrp="1"/>
+          </p:cNvSpPr>
+          <p:nvPr>
+            <p:ph type="ftr" sz="quarter" idx="11"/>
+          </p:nvPr>
+        </p:nvSpPr>
+        <p:spPr/>
         <p:txBody>
           <a:bodyPr/>
           <a:lstStyle/>
           <a:p>
-            <a:pPr lvl="0"/>
-            <a:r>
-              <a:rPr lang="hu-HU"/>
-              <a:t>Mintaszöveg szerkesztése</a:t>
-            </a:r>
-          </a:p>
-          <a:p>
-            <a:pPr lvl="1"/>
-            <a:r>
-              <a:rPr lang="hu-HU"/>
-              <a:t>Második szint</a:t>
-            </a:r>
-          </a:p>
-          <a:p>
-            <a:pPr lvl="2"/>
-            <a:r>
-              <a:rPr lang="hu-HU"/>
-              <a:t>Harmadik szint</a:t>
-            </a:r>
-          </a:p>
-          <a:p>
-            <a:pPr lvl="3"/>
-            <a:r>
-              <a:rPr lang="hu-HU"/>
-              <a:t>Negyedik szint</a:t>
-            </a:r>
-          </a:p>
-          <a:p>
-            <a:pPr lvl="4"/>
-            <a:r>
-              <a:rPr lang="hu-HU"/>
-              <a:t>Ötödik szint</a:t>
-            </a:r>
-          </a:p>
-        </p:txBody>
-      </p:sp>
-      <p:sp>
-        <p:nvSpPr>
-          <p:cNvPr id="5" name="Dátum helye 4">
-            <a:extLst>
-              <a:ext uri="{FF2B5EF4-FFF2-40B4-BE49-F238E27FC236}">
-                <a16:creationId xmlns:a16="http://schemas.microsoft.com/office/drawing/2014/main" id="{464C4EAF-1727-4606-B278-82DAA84E448A}"/>
-              </a:ext>
-            </a:extLst>
-          </p:cNvPr>
-          <p:cNvSpPr>
-            <a:spLocks noGrp="1"/>
-          </p:cNvSpPr>
-          <p:nvPr>
-            <p:ph type="dt" sz="half" idx="10"/>
-          </p:nvPr>
-        </p:nvSpPr>
-        <p:spPr/>
-        <p:txBody>
-          <a:bodyPr/>
-          <a:lstStyle/>
-          <a:p>
-            <a:fld id="{EA61FFDA-4D01-43A1-8E0F-F3CCB963EDE5}" type="datetimeFigureOut">
-              <a:rPr lang="hu-HU" smtClean="0"/>
-              <a:t>2025. 04. 02.</a:t>
-            </a:fld>
             <a:endParaRPr lang="hu-HU"/>
           </a:p>
         </p:txBody>
       </p:sp>
       <p:sp>
         <p:nvSpPr>
-          <p:cNvPr id="6" name="Élőláb helye 5">
-            <a:extLst>
-              <a:ext uri="{FF2B5EF4-FFF2-40B4-BE49-F238E27FC236}">
-                <a16:creationId xmlns:a16="http://schemas.microsoft.com/office/drawing/2014/main" id="{9F274330-28EB-4D47-B3EF-5FD5BDC96384}"/>
-              </a:ext>
-            </a:extLst>
-          </p:cNvPr>
-          <p:cNvSpPr>
-            <a:spLocks noGrp="1"/>
-          </p:cNvSpPr>
-          <p:nvPr>
-            <p:ph type="ftr" sz="quarter" idx="11"/>
-          </p:nvPr>
-        </p:nvSpPr>
-        <p:spPr/>
-        <p:txBody>
-          <a:bodyPr/>
-          <a:lstStyle/>
-          <a:p>
-            <a:endParaRPr lang="hu-HU"/>
-          </a:p>
-        </p:txBody>
-      </p:sp>
-      <p:sp>
-        <p:nvSpPr>
-          <p:cNvPr id="7" name="Dia számának helye 6">
-            <a:extLst>
-              <a:ext uri="{FF2B5EF4-FFF2-40B4-BE49-F238E27FC236}">
-                <a16:creationId xmlns:a16="http://schemas.microsoft.com/office/drawing/2014/main" id="{BA10249C-AE16-4A30-B861-446AFF7CE5D1}"/>
-              </a:ext>
-            </a:extLst>
-          </p:cNvPr>
+          <p:cNvPr id="7" name="Slide Number Placeholder 6"/>
           <p:cNvSpPr>
             <a:spLocks noGrp="1"/>
           </p:cNvSpPr>
@@ -1475,7 +1762,7 @@
     </p:spTree>
     <p:extLst>
       <p:ext uri="{BB962C8B-B14F-4D97-AF65-F5344CB8AC3E}">
-        <p14:creationId xmlns:p14="http://schemas.microsoft.com/office/powerpoint/2010/main" val="3009498310"/>
+        <p14:creationId xmlns:p14="http://schemas.microsoft.com/office/powerpoint/2010/main" val="1406348974"/>
       </p:ext>
     </p:extLst>
   </p:cSld>
@@ -1504,13 +1791,46 @@
       </p:grpSpPr>
       <p:sp>
         <p:nvSpPr>
-          <p:cNvPr id="2" name="Cím 1">
-            <a:extLst>
-              <a:ext uri="{FF2B5EF4-FFF2-40B4-BE49-F238E27FC236}">
-                <a16:creationId xmlns:a16="http://schemas.microsoft.com/office/drawing/2014/main" id="{DC088FDB-99BB-4CCD-95EB-89AAE60D06C4}"/>
-              </a:ext>
-            </a:extLst>
-          </p:cNvPr>
+          <p:cNvPr id="11" name="Rectangle 10"/>
+          <p:cNvSpPr>
+            <a:spLocks noChangeAspect="1"/>
+          </p:cNvSpPr>
+          <p:nvPr/>
+        </p:nvSpPr>
+        <p:spPr>
+          <a:xfrm>
+            <a:off x="445982" y="606554"/>
+            <a:ext cx="11300036" cy="1258827"/>
+          </a:xfrm>
+          <a:prstGeom prst="rect">
+            <a:avLst/>
+          </a:prstGeom>
+          <a:solidFill>
+            <a:schemeClr val="accent1"/>
+          </a:solidFill>
+          <a:ln>
+            <a:noFill/>
+          </a:ln>
+          <a:effectLst/>
+        </p:spPr>
+        <p:style>
+          <a:lnRef idx="1">
+            <a:schemeClr val="accent1"/>
+          </a:lnRef>
+          <a:fillRef idx="3">
+            <a:schemeClr val="accent1"/>
+          </a:fillRef>
+          <a:effectRef idx="2">
+            <a:schemeClr val="accent1"/>
+          </a:effectRef>
+          <a:fontRef idx="minor">
+            <a:schemeClr val="lt1"/>
+          </a:fontRef>
+        </p:style>
+      </p:sp>
+      <p:sp>
+        <p:nvSpPr>
+          <p:cNvPr id="12" name="Title 1"/>
           <p:cNvSpPr>
             <a:spLocks noGrp="1"/>
           </p:cNvSpPr>
@@ -1520,8 +1840,8 @@
         </p:nvSpPr>
         <p:spPr>
           <a:xfrm>
-            <a:off x="839788" y="365125"/>
-            <a:ext cx="10515600" cy="1325563"/>
+            <a:off x="581193" y="729658"/>
+            <a:ext cx="11029616" cy="988332"/>
           </a:xfrm>
         </p:spPr>
         <p:txBody>
@@ -1532,18 +1852,13 @@
               <a:rPr lang="hu-HU"/>
               <a:t>Mintacím szerkesztése</a:t>
             </a:r>
-          </a:p>
-        </p:txBody>
-      </p:sp>
-      <p:sp>
-        <p:nvSpPr>
-          <p:cNvPr id="3" name="Szöveg helye 2">
-            <a:extLst>
-              <a:ext uri="{FF2B5EF4-FFF2-40B4-BE49-F238E27FC236}">
-                <a16:creationId xmlns:a16="http://schemas.microsoft.com/office/drawing/2014/main" id="{34D6DC84-8459-4262-9045-24A62F11F24D}"/>
-              </a:ext>
-            </a:extLst>
-          </p:cNvPr>
+            <a:endParaRPr lang="en-US" dirty="0"/>
+          </a:p>
+        </p:txBody>
+      </p:sp>
+      <p:sp>
+        <p:nvSpPr>
+          <p:cNvPr id="3" name="Text Placeholder 2"/>
           <p:cNvSpPr>
             <a:spLocks noGrp="1"/>
           </p:cNvSpPr>
@@ -1553,16 +1868,22 @@
         </p:nvSpPr>
         <p:spPr>
           <a:xfrm>
-            <a:off x="839788" y="1681163"/>
-            <a:ext cx="5157787" cy="823912"/>
-          </a:xfrm>
-        </p:spPr>
-        <p:txBody>
-          <a:bodyPr anchor="b"/>
+            <a:off x="887219" y="2250892"/>
+            <a:ext cx="5087075" cy="536005"/>
+          </a:xfrm>
+        </p:spPr>
+        <p:txBody>
+          <a:bodyPr anchor="b">
+            <a:noAutofit/>
+          </a:bodyPr>
           <a:lstStyle>
             <a:lvl1pPr marL="0" indent="0">
               <a:buNone/>
-              <a:defRPr sz="2400" b="1"/>
+              <a:defRPr sz="2200" b="0">
+                <a:solidFill>
+                  <a:schemeClr val="accent2"/>
+                </a:solidFill>
+              </a:defRPr>
             </a:lvl1pPr>
             <a:lvl2pPr marL="457200" indent="0">
               <a:buNone/>
@@ -1608,13 +1929,7 @@
       </p:sp>
       <p:sp>
         <p:nvSpPr>
-          <p:cNvPr id="4" name="Tartalom helye 3">
-            <a:extLst>
-              <a:ext uri="{FF2B5EF4-FFF2-40B4-BE49-F238E27FC236}">
-                <a16:creationId xmlns:a16="http://schemas.microsoft.com/office/drawing/2014/main" id="{17908A0C-2ABE-4185-ABFB-391E0E5BAB3F}"/>
-              </a:ext>
-            </a:extLst>
-          </p:cNvPr>
+          <p:cNvPr id="4" name="Content Placeholder 3"/>
           <p:cNvSpPr>
             <a:spLocks noGrp="1"/>
           </p:cNvSpPr>
@@ -1624,12 +1939,14 @@
         </p:nvSpPr>
         <p:spPr>
           <a:xfrm>
-            <a:off x="839788" y="2505075"/>
-            <a:ext cx="5157787" cy="3684588"/>
-          </a:xfrm>
-        </p:spPr>
-        <p:txBody>
-          <a:bodyPr/>
+            <a:off x="581194" y="2926052"/>
+            <a:ext cx="5393100" cy="2934999"/>
+          </a:xfrm>
+        </p:spPr>
+        <p:txBody>
+          <a:bodyPr anchor="t">
+            <a:normAutofit/>
+          </a:bodyPr>
           <a:lstStyle/>
           <a:p>
             <a:pPr lvl="0"/>
@@ -1665,18 +1982,13 @@
               <a:rPr lang="hu-HU"/>
               <a:t>Ötödik szint</a:t>
             </a:r>
-          </a:p>
-        </p:txBody>
-      </p:sp>
-      <p:sp>
-        <p:nvSpPr>
-          <p:cNvPr id="5" name="Szöveg helye 4">
-            <a:extLst>
-              <a:ext uri="{FF2B5EF4-FFF2-40B4-BE49-F238E27FC236}">
-                <a16:creationId xmlns:a16="http://schemas.microsoft.com/office/drawing/2014/main" id="{76C33E05-A32A-4533-B41F-CC21D0311026}"/>
-              </a:ext>
-            </a:extLst>
-          </p:cNvPr>
+            <a:endParaRPr lang="en-US" dirty="0"/>
+          </a:p>
+        </p:txBody>
+      </p:sp>
+      <p:sp>
+        <p:nvSpPr>
+          <p:cNvPr id="5" name="Text Placeholder 4"/>
           <p:cNvSpPr>
             <a:spLocks noGrp="1"/>
           </p:cNvSpPr>
@@ -1686,16 +1998,22 @@
         </p:nvSpPr>
         <p:spPr>
           <a:xfrm>
-            <a:off x="6172200" y="1681163"/>
-            <a:ext cx="5183188" cy="823912"/>
-          </a:xfrm>
-        </p:spPr>
-        <p:txBody>
-          <a:bodyPr anchor="b"/>
+            <a:off x="6523735" y="2250892"/>
+            <a:ext cx="5087073" cy="553373"/>
+          </a:xfrm>
+        </p:spPr>
+        <p:txBody>
+          <a:bodyPr anchor="b">
+            <a:noAutofit/>
+          </a:bodyPr>
           <a:lstStyle>
             <a:lvl1pPr marL="0" indent="0">
               <a:buNone/>
-              <a:defRPr sz="2400" b="1"/>
+              <a:defRPr sz="2200" b="0">
+                <a:solidFill>
+                  <a:schemeClr val="accent2"/>
+                </a:solidFill>
+              </a:defRPr>
             </a:lvl1pPr>
             <a:lvl2pPr marL="457200" indent="0">
               <a:buNone/>
@@ -1741,13 +2059,7 @@
       </p:sp>
       <p:sp>
         <p:nvSpPr>
-          <p:cNvPr id="6" name="Tartalom helye 5">
-            <a:extLst>
-              <a:ext uri="{FF2B5EF4-FFF2-40B4-BE49-F238E27FC236}">
-                <a16:creationId xmlns:a16="http://schemas.microsoft.com/office/drawing/2014/main" id="{2F1DC126-81A6-4BC1-8D74-67BB8BA9B209}"/>
-              </a:ext>
-            </a:extLst>
-          </p:cNvPr>
+          <p:cNvPr id="6" name="Content Placeholder 5"/>
           <p:cNvSpPr>
             <a:spLocks noGrp="1"/>
           </p:cNvSpPr>
@@ -1757,64 +2069,84 @@
         </p:nvSpPr>
         <p:spPr>
           <a:xfrm>
-            <a:off x="6172200" y="2505075"/>
-            <a:ext cx="5183188" cy="3684588"/>
-          </a:xfrm>
-        </p:spPr>
+            <a:off x="6217709" y="2926052"/>
+            <a:ext cx="5393100" cy="2934999"/>
+          </a:xfrm>
+        </p:spPr>
+        <p:txBody>
+          <a:bodyPr anchor="t">
+            <a:normAutofit/>
+          </a:bodyPr>
+          <a:lstStyle/>
+          <a:p>
+            <a:pPr lvl="0"/>
+            <a:r>
+              <a:rPr lang="hu-HU"/>
+              <a:t>Mintaszöveg szerkesztése</a:t>
+            </a:r>
+          </a:p>
+          <a:p>
+            <a:pPr lvl="1"/>
+            <a:r>
+              <a:rPr lang="hu-HU"/>
+              <a:t>Második szint</a:t>
+            </a:r>
+          </a:p>
+          <a:p>
+            <a:pPr lvl="2"/>
+            <a:r>
+              <a:rPr lang="hu-HU"/>
+              <a:t>Harmadik szint</a:t>
+            </a:r>
+          </a:p>
+          <a:p>
+            <a:pPr lvl="3"/>
+            <a:r>
+              <a:rPr lang="hu-HU"/>
+              <a:t>Negyedik szint</a:t>
+            </a:r>
+          </a:p>
+          <a:p>
+            <a:pPr lvl="4"/>
+            <a:r>
+              <a:rPr lang="hu-HU"/>
+              <a:t>Ötödik szint</a:t>
+            </a:r>
+            <a:endParaRPr lang="en-US" dirty="0"/>
+          </a:p>
+        </p:txBody>
+      </p:sp>
+      <p:sp>
+        <p:nvSpPr>
+          <p:cNvPr id="7" name="Date Placeholder 6"/>
+          <p:cNvSpPr>
+            <a:spLocks noGrp="1"/>
+          </p:cNvSpPr>
+          <p:nvPr>
+            <p:ph type="dt" sz="half" idx="10"/>
+          </p:nvPr>
+        </p:nvSpPr>
+        <p:spPr/>
         <p:txBody>
           <a:bodyPr/>
           <a:lstStyle/>
           <a:p>
-            <a:pPr lvl="0"/>
-            <a:r>
-              <a:rPr lang="hu-HU"/>
-              <a:t>Mintaszöveg szerkesztése</a:t>
-            </a:r>
-          </a:p>
-          <a:p>
-            <a:pPr lvl="1"/>
-            <a:r>
-              <a:rPr lang="hu-HU"/>
-              <a:t>Második szint</a:t>
-            </a:r>
-          </a:p>
-          <a:p>
-            <a:pPr lvl="2"/>
-            <a:r>
-              <a:rPr lang="hu-HU"/>
-              <a:t>Harmadik szint</a:t>
-            </a:r>
-          </a:p>
-          <a:p>
-            <a:pPr lvl="3"/>
-            <a:r>
-              <a:rPr lang="hu-HU"/>
-              <a:t>Negyedik szint</a:t>
-            </a:r>
-          </a:p>
-          <a:p>
-            <a:pPr lvl="4"/>
-            <a:r>
-              <a:rPr lang="hu-HU"/>
-              <a:t>Ötödik szint</a:t>
-            </a:r>
-          </a:p>
-        </p:txBody>
-      </p:sp>
-      <p:sp>
-        <p:nvSpPr>
-          <p:cNvPr id="7" name="Dátum helye 6">
-            <a:extLst>
-              <a:ext uri="{FF2B5EF4-FFF2-40B4-BE49-F238E27FC236}">
-                <a16:creationId xmlns:a16="http://schemas.microsoft.com/office/drawing/2014/main" id="{4675B905-EC82-4C97-B64C-9BD70C9E35D8}"/>
-              </a:ext>
-            </a:extLst>
-          </p:cNvPr>
-          <p:cNvSpPr>
-            <a:spLocks noGrp="1"/>
-          </p:cNvSpPr>
-          <p:nvPr>
-            <p:ph type="dt" sz="half" idx="10"/>
+            <a:fld id="{EA61FFDA-4D01-43A1-8E0F-F3CCB963EDE5}" type="datetimeFigureOut">
+              <a:rPr lang="hu-HU" smtClean="0"/>
+              <a:t>2025. 04. 03.</a:t>
+            </a:fld>
+            <a:endParaRPr lang="hu-HU"/>
+          </a:p>
+        </p:txBody>
+      </p:sp>
+      <p:sp>
+        <p:nvSpPr>
+          <p:cNvPr id="8" name="Footer Placeholder 7"/>
+          <p:cNvSpPr>
+            <a:spLocks noGrp="1"/>
+          </p:cNvSpPr>
+          <p:nvPr>
+            <p:ph type="ftr" sz="quarter" idx="11"/>
           </p:nvPr>
         </p:nvSpPr>
         <p:spPr/>
@@ -1822,48 +2154,13 @@
           <a:bodyPr/>
           <a:lstStyle/>
           <a:p>
-            <a:fld id="{EA61FFDA-4D01-43A1-8E0F-F3CCB963EDE5}" type="datetimeFigureOut">
-              <a:rPr lang="hu-HU" smtClean="0"/>
-              <a:t>2025. 04. 02.</a:t>
-            </a:fld>
             <a:endParaRPr lang="hu-HU"/>
           </a:p>
         </p:txBody>
       </p:sp>
       <p:sp>
         <p:nvSpPr>
-          <p:cNvPr id="8" name="Élőláb helye 7">
-            <a:extLst>
-              <a:ext uri="{FF2B5EF4-FFF2-40B4-BE49-F238E27FC236}">
-                <a16:creationId xmlns:a16="http://schemas.microsoft.com/office/drawing/2014/main" id="{3C043816-8B69-470B-9FE4-FAC238983A46}"/>
-              </a:ext>
-            </a:extLst>
-          </p:cNvPr>
-          <p:cNvSpPr>
-            <a:spLocks noGrp="1"/>
-          </p:cNvSpPr>
-          <p:nvPr>
-            <p:ph type="ftr" sz="quarter" idx="11"/>
-          </p:nvPr>
-        </p:nvSpPr>
-        <p:spPr/>
-        <p:txBody>
-          <a:bodyPr/>
-          <a:lstStyle/>
-          <a:p>
-            <a:endParaRPr lang="hu-HU"/>
-          </a:p>
-        </p:txBody>
-      </p:sp>
-      <p:sp>
-        <p:nvSpPr>
-          <p:cNvPr id="9" name="Dia számának helye 8">
-            <a:extLst>
-              <a:ext uri="{FF2B5EF4-FFF2-40B4-BE49-F238E27FC236}">
-                <a16:creationId xmlns:a16="http://schemas.microsoft.com/office/drawing/2014/main" id="{18F07913-7C08-45ED-8A3F-DB3D5BBB82F4}"/>
-              </a:ext>
-            </a:extLst>
-          </p:cNvPr>
+          <p:cNvPr id="9" name="Slide Number Placeholder 8"/>
           <p:cNvSpPr>
             <a:spLocks noGrp="1"/>
           </p:cNvSpPr>
@@ -1887,7 +2184,7 @@
     </p:spTree>
     <p:extLst>
       <p:ext uri="{BB962C8B-B14F-4D97-AF65-F5344CB8AC3E}">
-        <p14:creationId xmlns:p14="http://schemas.microsoft.com/office/powerpoint/2010/main" val="2624446321"/>
+        <p14:creationId xmlns:p14="http://schemas.microsoft.com/office/powerpoint/2010/main" val="2949702874"/>
       </p:ext>
     </p:extLst>
   </p:cSld>
@@ -1916,18 +2213,12 @@
       </p:grpSpPr>
       <p:sp>
         <p:nvSpPr>
-          <p:cNvPr id="2" name="Cím 1">
-            <a:extLst>
-              <a:ext uri="{FF2B5EF4-FFF2-40B4-BE49-F238E27FC236}">
-                <a16:creationId xmlns:a16="http://schemas.microsoft.com/office/drawing/2014/main" id="{52CD338E-B2E1-44D9-8F07-8B034A900132}"/>
-              </a:ext>
-            </a:extLst>
-          </p:cNvPr>
-          <p:cNvSpPr>
-            <a:spLocks noGrp="1"/>
-          </p:cNvSpPr>
-          <p:nvPr>
-            <p:ph type="title"/>
+          <p:cNvPr id="3" name="Date Placeholder 2"/>
+          <p:cNvSpPr>
+            <a:spLocks noGrp="1"/>
+          </p:cNvSpPr>
+          <p:nvPr>
+            <p:ph type="dt" sz="half" idx="10"/>
           </p:nvPr>
         </p:nvSpPr>
         <p:spPr/>
@@ -1935,27 +2226,22 @@
           <a:bodyPr/>
           <a:lstStyle/>
           <a:p>
-            <a:r>
-              <a:rPr lang="hu-HU"/>
-              <a:t>Mintacím szerkesztése</a:t>
-            </a:r>
-          </a:p>
-        </p:txBody>
-      </p:sp>
-      <p:sp>
-        <p:nvSpPr>
-          <p:cNvPr id="3" name="Dátum helye 2">
-            <a:extLst>
-              <a:ext uri="{FF2B5EF4-FFF2-40B4-BE49-F238E27FC236}">
-                <a16:creationId xmlns:a16="http://schemas.microsoft.com/office/drawing/2014/main" id="{2C6D4E40-C7F7-4865-BFBF-CEC8B44A47A1}"/>
-              </a:ext>
-            </a:extLst>
-          </p:cNvPr>
-          <p:cNvSpPr>
-            <a:spLocks noGrp="1"/>
-          </p:cNvSpPr>
-          <p:nvPr>
-            <p:ph type="dt" sz="half" idx="10"/>
+            <a:fld id="{EA61FFDA-4D01-43A1-8E0F-F3CCB963EDE5}" type="datetimeFigureOut">
+              <a:rPr lang="hu-HU" smtClean="0"/>
+              <a:t>2025. 04. 03.</a:t>
+            </a:fld>
+            <a:endParaRPr lang="hu-HU"/>
+          </a:p>
+        </p:txBody>
+      </p:sp>
+      <p:sp>
+        <p:nvSpPr>
+          <p:cNvPr id="4" name="Footer Placeholder 3"/>
+          <p:cNvSpPr>
+            <a:spLocks noGrp="1"/>
+          </p:cNvSpPr>
+          <p:nvPr>
+            <p:ph type="ftr" sz="quarter" idx="11"/>
           </p:nvPr>
         </p:nvSpPr>
         <p:spPr/>
@@ -1963,48 +2249,13 @@
           <a:bodyPr/>
           <a:lstStyle/>
           <a:p>
-            <a:fld id="{EA61FFDA-4D01-43A1-8E0F-F3CCB963EDE5}" type="datetimeFigureOut">
-              <a:rPr lang="hu-HU" smtClean="0"/>
-              <a:t>2025. 04. 02.</a:t>
-            </a:fld>
             <a:endParaRPr lang="hu-HU"/>
           </a:p>
         </p:txBody>
       </p:sp>
       <p:sp>
         <p:nvSpPr>
-          <p:cNvPr id="4" name="Élőláb helye 3">
-            <a:extLst>
-              <a:ext uri="{FF2B5EF4-FFF2-40B4-BE49-F238E27FC236}">
-                <a16:creationId xmlns:a16="http://schemas.microsoft.com/office/drawing/2014/main" id="{D3531971-A180-4E0E-A3C5-985FC5FE2AB1}"/>
-              </a:ext>
-            </a:extLst>
-          </p:cNvPr>
-          <p:cNvSpPr>
-            <a:spLocks noGrp="1"/>
-          </p:cNvSpPr>
-          <p:nvPr>
-            <p:ph type="ftr" sz="quarter" idx="11"/>
-          </p:nvPr>
-        </p:nvSpPr>
-        <p:spPr/>
-        <p:txBody>
-          <a:bodyPr/>
-          <a:lstStyle/>
-          <a:p>
-            <a:endParaRPr lang="hu-HU"/>
-          </a:p>
-        </p:txBody>
-      </p:sp>
-      <p:sp>
-        <p:nvSpPr>
-          <p:cNvPr id="5" name="Dia számának helye 4">
-            <a:extLst>
-              <a:ext uri="{FF2B5EF4-FFF2-40B4-BE49-F238E27FC236}">
-                <a16:creationId xmlns:a16="http://schemas.microsoft.com/office/drawing/2014/main" id="{4A7A1369-196E-4A96-8739-286FC2294954}"/>
-              </a:ext>
-            </a:extLst>
-          </p:cNvPr>
+          <p:cNvPr id="5" name="Slide Number Placeholder 4"/>
           <p:cNvSpPr>
             <a:spLocks noGrp="1"/>
           </p:cNvSpPr>
@@ -2025,10 +2276,77 @@
           </a:p>
         </p:txBody>
       </p:sp>
+      <p:sp>
+        <p:nvSpPr>
+          <p:cNvPr id="7" name="Rectangle 6"/>
+          <p:cNvSpPr>
+            <a:spLocks noChangeAspect="1"/>
+          </p:cNvSpPr>
+          <p:nvPr/>
+        </p:nvSpPr>
+        <p:spPr>
+          <a:xfrm>
+            <a:off x="440683" y="606554"/>
+            <a:ext cx="11300036" cy="1258827"/>
+          </a:xfrm>
+          <a:prstGeom prst="rect">
+            <a:avLst/>
+          </a:prstGeom>
+          <a:solidFill>
+            <a:schemeClr val="accent1"/>
+          </a:solidFill>
+          <a:ln>
+            <a:noFill/>
+          </a:ln>
+          <a:effectLst/>
+        </p:spPr>
+        <p:style>
+          <a:lnRef idx="1">
+            <a:schemeClr val="accent1"/>
+          </a:lnRef>
+          <a:fillRef idx="3">
+            <a:schemeClr val="accent1"/>
+          </a:fillRef>
+          <a:effectRef idx="2">
+            <a:schemeClr val="accent1"/>
+          </a:effectRef>
+          <a:fontRef idx="minor">
+            <a:schemeClr val="lt1"/>
+          </a:fontRef>
+        </p:style>
+      </p:sp>
+      <p:sp>
+        <p:nvSpPr>
+          <p:cNvPr id="8" name="Title 1"/>
+          <p:cNvSpPr>
+            <a:spLocks noGrp="1"/>
+          </p:cNvSpPr>
+          <p:nvPr>
+            <p:ph type="title"/>
+          </p:nvPr>
+        </p:nvSpPr>
+        <p:spPr>
+          <a:xfrm>
+            <a:off x="575894" y="729658"/>
+            <a:ext cx="11029616" cy="988332"/>
+          </a:xfrm>
+        </p:spPr>
+        <p:txBody>
+          <a:bodyPr/>
+          <a:lstStyle/>
+          <a:p>
+            <a:r>
+              <a:rPr lang="hu-HU"/>
+              <a:t>Mintacím szerkesztése</a:t>
+            </a:r>
+            <a:endParaRPr lang="en-US" dirty="0"/>
+          </a:p>
+        </p:txBody>
+      </p:sp>
     </p:spTree>
     <p:extLst>
       <p:ext uri="{BB962C8B-B14F-4D97-AF65-F5344CB8AC3E}">
-        <p14:creationId xmlns:p14="http://schemas.microsoft.com/office/powerpoint/2010/main" val="3952125737"/>
+        <p14:creationId xmlns:p14="http://schemas.microsoft.com/office/powerpoint/2010/main" val="2811310577"/>
       </p:ext>
     </p:extLst>
   </p:cSld>
@@ -2057,13 +2375,7 @@
       </p:grpSpPr>
       <p:sp>
         <p:nvSpPr>
-          <p:cNvPr id="2" name="Dátum helye 1">
-            <a:extLst>
-              <a:ext uri="{FF2B5EF4-FFF2-40B4-BE49-F238E27FC236}">
-                <a16:creationId xmlns:a16="http://schemas.microsoft.com/office/drawing/2014/main" id="{A19A3ACF-E74B-4052-9057-3E5418ADC0C8}"/>
-              </a:ext>
-            </a:extLst>
-          </p:cNvPr>
+          <p:cNvPr id="2" name="Date Placeholder 1"/>
           <p:cNvSpPr>
             <a:spLocks noGrp="1"/>
           </p:cNvSpPr>
@@ -2078,7 +2390,7 @@
           <a:p>
             <a:fld id="{EA61FFDA-4D01-43A1-8E0F-F3CCB963EDE5}" type="datetimeFigureOut">
               <a:rPr lang="hu-HU" smtClean="0"/>
-              <a:t>2025. 04. 02.</a:t>
+              <a:t>2025. 04. 03.</a:t>
             </a:fld>
             <a:endParaRPr lang="hu-HU"/>
           </a:p>
@@ -2086,13 +2398,7 @@
       </p:sp>
       <p:sp>
         <p:nvSpPr>
-          <p:cNvPr id="3" name="Élőláb helye 2">
-            <a:extLst>
-              <a:ext uri="{FF2B5EF4-FFF2-40B4-BE49-F238E27FC236}">
-                <a16:creationId xmlns:a16="http://schemas.microsoft.com/office/drawing/2014/main" id="{7CAD3DE6-945D-40C5-A420-1D84F1A83E5C}"/>
-              </a:ext>
-            </a:extLst>
-          </p:cNvPr>
+          <p:cNvPr id="3" name="Footer Placeholder 2"/>
           <p:cNvSpPr>
             <a:spLocks noGrp="1"/>
           </p:cNvSpPr>
@@ -2111,13 +2417,7 @@
       </p:sp>
       <p:sp>
         <p:nvSpPr>
-          <p:cNvPr id="4" name="Dia számának helye 3">
-            <a:extLst>
-              <a:ext uri="{FF2B5EF4-FFF2-40B4-BE49-F238E27FC236}">
-                <a16:creationId xmlns:a16="http://schemas.microsoft.com/office/drawing/2014/main" id="{13667F34-1ED6-40AF-A488-165CAC0824FB}"/>
-              </a:ext>
-            </a:extLst>
-          </p:cNvPr>
+          <p:cNvPr id="4" name="Slide Number Placeholder 3"/>
           <p:cNvSpPr>
             <a:spLocks noGrp="1"/>
           </p:cNvSpPr>
@@ -2141,7 +2441,7 @@
     </p:spTree>
     <p:extLst>
       <p:ext uri="{BB962C8B-B14F-4D97-AF65-F5344CB8AC3E}">
-        <p14:creationId xmlns:p14="http://schemas.microsoft.com/office/powerpoint/2010/main" val="1797651898"/>
+        <p14:creationId xmlns:p14="http://schemas.microsoft.com/office/powerpoint/2010/main" val="3114545954"/>
       </p:ext>
     </p:extLst>
   </p:cSld>
@@ -2170,13 +2470,46 @@
       </p:grpSpPr>
       <p:sp>
         <p:nvSpPr>
-          <p:cNvPr id="2" name="Cím 1">
-            <a:extLst>
-              <a:ext uri="{FF2B5EF4-FFF2-40B4-BE49-F238E27FC236}">
-                <a16:creationId xmlns:a16="http://schemas.microsoft.com/office/drawing/2014/main" id="{2327E47B-AB93-4E67-B56D-15243B18B9C6}"/>
-              </a:ext>
-            </a:extLst>
-          </p:cNvPr>
+          <p:cNvPr id="9" name="Rectangle 8"/>
+          <p:cNvSpPr>
+            <a:spLocks noChangeAspect="1"/>
+          </p:cNvSpPr>
+          <p:nvPr/>
+        </p:nvSpPr>
+        <p:spPr>
+          <a:xfrm>
+            <a:off x="447817" y="5141973"/>
+            <a:ext cx="11298200" cy="1274702"/>
+          </a:xfrm>
+          <a:prstGeom prst="rect">
+            <a:avLst/>
+          </a:prstGeom>
+          <a:solidFill>
+            <a:schemeClr val="accent1"/>
+          </a:solidFill>
+          <a:ln>
+            <a:noFill/>
+          </a:ln>
+          <a:effectLst/>
+        </p:spPr>
+        <p:style>
+          <a:lnRef idx="1">
+            <a:schemeClr val="accent1"/>
+          </a:lnRef>
+          <a:fillRef idx="3">
+            <a:schemeClr val="accent1"/>
+          </a:fillRef>
+          <a:effectRef idx="2">
+            <a:schemeClr val="accent1"/>
+          </a:effectRef>
+          <a:fontRef idx="minor">
+            <a:schemeClr val="lt1"/>
+          </a:fontRef>
+        </p:style>
+      </p:sp>
+      <p:sp>
+        <p:nvSpPr>
+          <p:cNvPr id="2" name="Title 1"/>
           <p:cNvSpPr>
             <a:spLocks noGrp="1"/>
           </p:cNvSpPr>
@@ -2186,260 +2519,316 @@
         </p:nvSpPr>
         <p:spPr>
           <a:xfrm>
-            <a:off x="839788" y="457200"/>
-            <a:ext cx="3932237" cy="1600200"/>
-          </a:xfrm>
-        </p:spPr>
-        <p:txBody>
-          <a:bodyPr anchor="b"/>
+            <a:off x="581192" y="5262296"/>
+            <a:ext cx="4909445" cy="689514"/>
+          </a:xfrm>
+        </p:spPr>
+        <p:txBody>
+          <a:bodyPr anchor="ctr"/>
+          <a:lstStyle>
+            <a:lvl1pPr algn="l">
+              <a:defRPr sz="2000" b="0">
+                <a:solidFill>
+                  <a:schemeClr val="accent1">
+                    <a:lumMod val="75000"/>
+                    <a:lumOff val="25000"/>
+                  </a:schemeClr>
+                </a:solidFill>
+              </a:defRPr>
+            </a:lvl1pPr>
+          </a:lstStyle>
+          <a:p>
+            <a:r>
+              <a:rPr lang="hu-HU"/>
+              <a:t>Mintacím szerkesztése</a:t>
+            </a:r>
+            <a:endParaRPr lang="en-US" dirty="0"/>
+          </a:p>
+        </p:txBody>
+      </p:sp>
+      <p:sp>
+        <p:nvSpPr>
+          <p:cNvPr id="3" name="Content Placeholder 2"/>
+          <p:cNvSpPr>
+            <a:spLocks noGrp="1"/>
+          </p:cNvSpPr>
+          <p:nvPr>
+            <p:ph idx="1"/>
+          </p:nvPr>
+        </p:nvSpPr>
+        <p:spPr>
+          <a:xfrm>
+            <a:off x="447816" y="601200"/>
+            <a:ext cx="11292840" cy="4204800"/>
+          </a:xfrm>
+        </p:spPr>
+        <p:txBody>
+          <a:bodyPr anchor="ctr">
+            <a:normAutofit/>
+          </a:bodyPr>
           <a:lstStyle>
             <a:lvl1pPr>
-              <a:defRPr sz="3200"/>
+              <a:defRPr sz="2000">
+                <a:solidFill>
+                  <a:schemeClr val="tx2"/>
+                </a:solidFill>
+              </a:defRPr>
             </a:lvl1pPr>
+            <a:lvl2pPr>
+              <a:defRPr sz="1800">
+                <a:solidFill>
+                  <a:schemeClr val="tx2"/>
+                </a:solidFill>
+              </a:defRPr>
+            </a:lvl2pPr>
+            <a:lvl3pPr>
+              <a:defRPr sz="1600">
+                <a:solidFill>
+                  <a:schemeClr val="tx2"/>
+                </a:solidFill>
+              </a:defRPr>
+            </a:lvl3pPr>
+            <a:lvl4pPr>
+              <a:defRPr sz="1400">
+                <a:solidFill>
+                  <a:schemeClr val="tx2"/>
+                </a:solidFill>
+              </a:defRPr>
+            </a:lvl4pPr>
+            <a:lvl5pPr>
+              <a:defRPr sz="1400">
+                <a:solidFill>
+                  <a:schemeClr val="tx2"/>
+                </a:solidFill>
+              </a:defRPr>
+            </a:lvl5pPr>
+            <a:lvl6pPr>
+              <a:defRPr sz="1400">
+                <a:solidFill>
+                  <a:schemeClr val="tx2"/>
+                </a:solidFill>
+              </a:defRPr>
+            </a:lvl6pPr>
+            <a:lvl7pPr>
+              <a:defRPr sz="1400">
+                <a:solidFill>
+                  <a:schemeClr val="tx2"/>
+                </a:solidFill>
+              </a:defRPr>
+            </a:lvl7pPr>
+            <a:lvl8pPr>
+              <a:defRPr sz="1400">
+                <a:solidFill>
+                  <a:schemeClr val="tx2"/>
+                </a:solidFill>
+              </a:defRPr>
+            </a:lvl8pPr>
+            <a:lvl9pPr>
+              <a:defRPr sz="1400">
+                <a:solidFill>
+                  <a:schemeClr val="tx2"/>
+                </a:solidFill>
+              </a:defRPr>
+            </a:lvl9pPr>
           </a:lstStyle>
           <a:p>
-            <a:r>
-              <a:rPr lang="hu-HU"/>
-              <a:t>Mintacím szerkesztése</a:t>
-            </a:r>
-          </a:p>
-        </p:txBody>
-      </p:sp>
-      <p:sp>
-        <p:nvSpPr>
-          <p:cNvPr id="3" name="Tartalom helye 2">
-            <a:extLst>
-              <a:ext uri="{FF2B5EF4-FFF2-40B4-BE49-F238E27FC236}">
-                <a16:creationId xmlns:a16="http://schemas.microsoft.com/office/drawing/2014/main" id="{116CF00C-24B6-46AF-A632-57CF665E8344}"/>
-              </a:ext>
-            </a:extLst>
-          </p:cNvPr>
-          <p:cNvSpPr>
-            <a:spLocks noGrp="1"/>
-          </p:cNvSpPr>
-          <p:nvPr>
-            <p:ph idx="1"/>
-          </p:nvPr>
-        </p:nvSpPr>
-        <p:spPr>
-          <a:xfrm>
-            <a:off x="5183188" y="987425"/>
-            <a:ext cx="6172200" cy="4873625"/>
-          </a:xfrm>
-        </p:spPr>
+            <a:pPr lvl="0"/>
+            <a:r>
+              <a:rPr lang="hu-HU"/>
+              <a:t>Mintaszöveg szerkesztése</a:t>
+            </a:r>
+          </a:p>
+          <a:p>
+            <a:pPr lvl="1"/>
+            <a:r>
+              <a:rPr lang="hu-HU"/>
+              <a:t>Második szint</a:t>
+            </a:r>
+          </a:p>
+          <a:p>
+            <a:pPr lvl="2"/>
+            <a:r>
+              <a:rPr lang="hu-HU"/>
+              <a:t>Harmadik szint</a:t>
+            </a:r>
+          </a:p>
+          <a:p>
+            <a:pPr lvl="3"/>
+            <a:r>
+              <a:rPr lang="hu-HU"/>
+              <a:t>Negyedik szint</a:t>
+            </a:r>
+          </a:p>
+          <a:p>
+            <a:pPr lvl="4"/>
+            <a:r>
+              <a:rPr lang="hu-HU"/>
+              <a:t>Ötödik szint</a:t>
+            </a:r>
+            <a:endParaRPr lang="en-US" dirty="0"/>
+          </a:p>
+        </p:txBody>
+      </p:sp>
+      <p:sp>
+        <p:nvSpPr>
+          <p:cNvPr id="4" name="Text Placeholder 3"/>
+          <p:cNvSpPr>
+            <a:spLocks noGrp="1"/>
+          </p:cNvSpPr>
+          <p:nvPr>
+            <p:ph type="body" sz="half" idx="2"/>
+          </p:nvPr>
+        </p:nvSpPr>
+        <p:spPr>
+          <a:xfrm>
+            <a:off x="5740823" y="5262296"/>
+            <a:ext cx="5869987" cy="689515"/>
+          </a:xfrm>
+        </p:spPr>
+        <p:txBody>
+          <a:bodyPr anchor="ctr">
+            <a:normAutofit/>
+          </a:bodyPr>
+          <a:lstStyle>
+            <a:lvl1pPr marL="0" indent="0" algn="r">
+              <a:buNone/>
+              <a:defRPr sz="1100">
+                <a:solidFill>
+                  <a:schemeClr val="bg1"/>
+                </a:solidFill>
+              </a:defRPr>
+            </a:lvl1pPr>
+            <a:lvl2pPr marL="457200" indent="0">
+              <a:buNone/>
+              <a:defRPr sz="1100"/>
+            </a:lvl2pPr>
+            <a:lvl3pPr marL="914400" indent="0">
+              <a:buNone/>
+              <a:defRPr sz="1000"/>
+            </a:lvl3pPr>
+            <a:lvl4pPr marL="1371600" indent="0">
+              <a:buNone/>
+              <a:defRPr sz="900"/>
+            </a:lvl4pPr>
+            <a:lvl5pPr marL="1828800" indent="0">
+              <a:buNone/>
+              <a:defRPr sz="900"/>
+            </a:lvl5pPr>
+            <a:lvl6pPr marL="2286000" indent="0">
+              <a:buNone/>
+              <a:defRPr sz="900"/>
+            </a:lvl6pPr>
+            <a:lvl7pPr marL="2743200" indent="0">
+              <a:buNone/>
+              <a:defRPr sz="900"/>
+            </a:lvl7pPr>
+            <a:lvl8pPr marL="3200400" indent="0">
+              <a:buNone/>
+              <a:defRPr sz="900"/>
+            </a:lvl8pPr>
+            <a:lvl9pPr marL="3657600" indent="0">
+              <a:buNone/>
+              <a:defRPr sz="900"/>
+            </a:lvl9pPr>
+          </a:lstStyle>
+          <a:p>
+            <a:pPr lvl="0"/>
+            <a:r>
+              <a:rPr lang="hu-HU"/>
+              <a:t>Mintaszöveg szerkesztése</a:t>
+            </a:r>
+          </a:p>
+        </p:txBody>
+      </p:sp>
+      <p:sp>
+        <p:nvSpPr>
+          <p:cNvPr id="5" name="Date Placeholder 4"/>
+          <p:cNvSpPr>
+            <a:spLocks noGrp="1"/>
+          </p:cNvSpPr>
+          <p:nvPr>
+            <p:ph type="dt" sz="half" idx="10"/>
+          </p:nvPr>
+        </p:nvSpPr>
+        <p:spPr/>
         <p:txBody>
           <a:bodyPr/>
           <a:lstStyle>
             <a:lvl1pPr>
-              <a:defRPr sz="3200"/>
+              <a:defRPr>
+                <a:solidFill>
+                  <a:schemeClr val="accent1">
+                    <a:lumMod val="75000"/>
+                    <a:lumOff val="25000"/>
+                  </a:schemeClr>
+                </a:solidFill>
+              </a:defRPr>
             </a:lvl1pPr>
-            <a:lvl2pPr>
-              <a:defRPr sz="2800"/>
-            </a:lvl2pPr>
-            <a:lvl3pPr>
-              <a:defRPr sz="2400"/>
-            </a:lvl3pPr>
-            <a:lvl4pPr>
-              <a:defRPr sz="2000"/>
-            </a:lvl4pPr>
-            <a:lvl5pPr>
-              <a:defRPr sz="2000"/>
-            </a:lvl5pPr>
-            <a:lvl6pPr>
-              <a:defRPr sz="2000"/>
-            </a:lvl6pPr>
-            <a:lvl7pPr>
-              <a:defRPr sz="2000"/>
-            </a:lvl7pPr>
-            <a:lvl8pPr>
-              <a:defRPr sz="2000"/>
-            </a:lvl8pPr>
-            <a:lvl9pPr>
-              <a:defRPr sz="2000"/>
-            </a:lvl9pPr>
           </a:lstStyle>
           <a:p>
-            <a:pPr lvl="0"/>
-            <a:r>
-              <a:rPr lang="hu-HU"/>
-              <a:t>Mintaszöveg szerkesztése</a:t>
-            </a:r>
-          </a:p>
-          <a:p>
-            <a:pPr lvl="1"/>
-            <a:r>
-              <a:rPr lang="hu-HU"/>
-              <a:t>Második szint</a:t>
-            </a:r>
-          </a:p>
-          <a:p>
-            <a:pPr lvl="2"/>
-            <a:r>
-              <a:rPr lang="hu-HU"/>
-              <a:t>Harmadik szint</a:t>
-            </a:r>
-          </a:p>
-          <a:p>
-            <a:pPr lvl="3"/>
-            <a:r>
-              <a:rPr lang="hu-HU"/>
-              <a:t>Negyedik szint</a:t>
-            </a:r>
-          </a:p>
-          <a:p>
-            <a:pPr lvl="4"/>
-            <a:r>
-              <a:rPr lang="hu-HU"/>
-              <a:t>Ötödik szint</a:t>
-            </a:r>
-          </a:p>
-        </p:txBody>
-      </p:sp>
-      <p:sp>
-        <p:nvSpPr>
-          <p:cNvPr id="4" name="Szöveg helye 3">
-            <a:extLst>
-              <a:ext uri="{FF2B5EF4-FFF2-40B4-BE49-F238E27FC236}">
-                <a16:creationId xmlns:a16="http://schemas.microsoft.com/office/drawing/2014/main" id="{267EE265-1D4A-447A-82E1-93FA852F6826}"/>
-              </a:ext>
-            </a:extLst>
-          </p:cNvPr>
-          <p:cNvSpPr>
-            <a:spLocks noGrp="1"/>
-          </p:cNvSpPr>
-          <p:nvPr>
-            <p:ph type="body" sz="half" idx="2"/>
-          </p:nvPr>
-        </p:nvSpPr>
-        <p:spPr>
-          <a:xfrm>
-            <a:off x="839788" y="2057400"/>
-            <a:ext cx="3932237" cy="3811588"/>
-          </a:xfrm>
-        </p:spPr>
+            <a:fld id="{EA61FFDA-4D01-43A1-8E0F-F3CCB963EDE5}" type="datetimeFigureOut">
+              <a:rPr lang="hu-HU" smtClean="0"/>
+              <a:t>2025. 04. 03.</a:t>
+            </a:fld>
+            <a:endParaRPr lang="hu-HU"/>
+          </a:p>
+        </p:txBody>
+      </p:sp>
+      <p:sp>
+        <p:nvSpPr>
+          <p:cNvPr id="6" name="Footer Placeholder 5"/>
+          <p:cNvSpPr>
+            <a:spLocks noGrp="1"/>
+          </p:cNvSpPr>
+          <p:nvPr>
+            <p:ph type="ftr" sz="quarter" idx="11"/>
+          </p:nvPr>
+        </p:nvSpPr>
+        <p:spPr/>
         <p:txBody>
           <a:bodyPr/>
           <a:lstStyle>
-            <a:lvl1pPr marL="0" indent="0">
-              <a:buNone/>
-              <a:defRPr sz="1600"/>
+            <a:lvl1pPr>
+              <a:defRPr>
+                <a:solidFill>
+                  <a:schemeClr val="accent1">
+                    <a:lumMod val="75000"/>
+                    <a:lumOff val="25000"/>
+                  </a:schemeClr>
+                </a:solidFill>
+              </a:defRPr>
             </a:lvl1pPr>
-            <a:lvl2pPr marL="457200" indent="0">
-              <a:buNone/>
-              <a:defRPr sz="1400"/>
-            </a:lvl2pPr>
-            <a:lvl3pPr marL="914400" indent="0">
-              <a:buNone/>
-              <a:defRPr sz="1200"/>
-            </a:lvl3pPr>
-            <a:lvl4pPr marL="1371600" indent="0">
-              <a:buNone/>
-              <a:defRPr sz="1000"/>
-            </a:lvl4pPr>
-            <a:lvl5pPr marL="1828800" indent="0">
-              <a:buNone/>
-              <a:defRPr sz="1000"/>
-            </a:lvl5pPr>
-            <a:lvl6pPr marL="2286000" indent="0">
-              <a:buNone/>
-              <a:defRPr sz="1000"/>
-            </a:lvl6pPr>
-            <a:lvl7pPr marL="2743200" indent="0">
-              <a:buNone/>
-              <a:defRPr sz="1000"/>
-            </a:lvl7pPr>
-            <a:lvl8pPr marL="3200400" indent="0">
-              <a:buNone/>
-              <a:defRPr sz="1000"/>
-            </a:lvl8pPr>
-            <a:lvl9pPr marL="3657600" indent="0">
-              <a:buNone/>
-              <a:defRPr sz="1000"/>
-            </a:lvl9pPr>
           </a:lstStyle>
           <a:p>
-            <a:pPr lvl="0"/>
-            <a:r>
-              <a:rPr lang="hu-HU"/>
-              <a:t>Mintaszöveg szerkesztése</a:t>
-            </a:r>
-          </a:p>
-        </p:txBody>
-      </p:sp>
-      <p:sp>
-        <p:nvSpPr>
-          <p:cNvPr id="5" name="Dátum helye 4">
-            <a:extLst>
-              <a:ext uri="{FF2B5EF4-FFF2-40B4-BE49-F238E27FC236}">
-                <a16:creationId xmlns:a16="http://schemas.microsoft.com/office/drawing/2014/main" id="{C9E506CC-0383-4825-812F-AA2DBD7DBB66}"/>
-              </a:ext>
-            </a:extLst>
-          </p:cNvPr>
-          <p:cNvSpPr>
-            <a:spLocks noGrp="1"/>
-          </p:cNvSpPr>
-          <p:nvPr>
-            <p:ph type="dt" sz="half" idx="10"/>
+            <a:endParaRPr lang="hu-HU"/>
+          </a:p>
+        </p:txBody>
+      </p:sp>
+      <p:sp>
+        <p:nvSpPr>
+          <p:cNvPr id="7" name="Slide Number Placeholder 6"/>
+          <p:cNvSpPr>
+            <a:spLocks noGrp="1"/>
+          </p:cNvSpPr>
+          <p:nvPr>
+            <p:ph type="sldNum" sz="quarter" idx="12"/>
           </p:nvPr>
         </p:nvSpPr>
         <p:spPr/>
         <p:txBody>
           <a:bodyPr/>
-          <a:lstStyle/>
-          <a:p>
-            <a:fld id="{EA61FFDA-4D01-43A1-8E0F-F3CCB963EDE5}" type="datetimeFigureOut">
-              <a:rPr lang="hu-HU" smtClean="0"/>
-              <a:t>2025. 04. 02.</a:t>
-            </a:fld>
-            <a:endParaRPr lang="hu-HU"/>
-          </a:p>
-        </p:txBody>
-      </p:sp>
-      <p:sp>
-        <p:nvSpPr>
-          <p:cNvPr id="6" name="Élőláb helye 5">
-            <a:extLst>
-              <a:ext uri="{FF2B5EF4-FFF2-40B4-BE49-F238E27FC236}">
-                <a16:creationId xmlns:a16="http://schemas.microsoft.com/office/drawing/2014/main" id="{88BD0CAB-DA9A-4823-A423-C8736F3405A7}"/>
-              </a:ext>
-            </a:extLst>
-          </p:cNvPr>
-          <p:cNvSpPr>
-            <a:spLocks noGrp="1"/>
-          </p:cNvSpPr>
-          <p:nvPr>
-            <p:ph type="ftr" sz="quarter" idx="11"/>
-          </p:nvPr>
-        </p:nvSpPr>
-        <p:spPr/>
-        <p:txBody>
-          <a:bodyPr/>
-          <a:lstStyle/>
-          <a:p>
-            <a:endParaRPr lang="hu-HU"/>
-          </a:p>
-        </p:txBody>
-      </p:sp>
-      <p:sp>
-        <p:nvSpPr>
-          <p:cNvPr id="7" name="Dia számának helye 6">
-            <a:extLst>
-              <a:ext uri="{FF2B5EF4-FFF2-40B4-BE49-F238E27FC236}">
-                <a16:creationId xmlns:a16="http://schemas.microsoft.com/office/drawing/2014/main" id="{1EDFDC0D-BAAF-4F8C-AD25-32EB76137F30}"/>
-              </a:ext>
-            </a:extLst>
-          </p:cNvPr>
-          <p:cNvSpPr>
-            <a:spLocks noGrp="1"/>
-          </p:cNvSpPr>
-          <p:nvPr>
-            <p:ph type="sldNum" sz="quarter" idx="12"/>
-          </p:nvPr>
-        </p:nvSpPr>
-        <p:spPr/>
-        <p:txBody>
-          <a:bodyPr/>
-          <a:lstStyle/>
+          <a:lstStyle>
+            <a:lvl1pPr>
+              <a:defRPr>
+                <a:solidFill>
+                  <a:schemeClr val="accent1">
+                    <a:lumMod val="75000"/>
+                    <a:lumOff val="25000"/>
+                  </a:schemeClr>
+                </a:solidFill>
+              </a:defRPr>
+            </a:lvl1pPr>
+          </a:lstStyle>
           <a:p>
             <a:fld id="{F2853FF7-E172-473D-BC6B-A5A5E2F51E1D}" type="slidenum">
               <a:rPr lang="hu-HU" smtClean="0"/>
@@ -2452,7 +2841,7 @@
     </p:spTree>
     <p:extLst>
       <p:ext uri="{BB962C8B-B14F-4D97-AF65-F5344CB8AC3E}">
-        <p14:creationId xmlns:p14="http://schemas.microsoft.com/office/powerpoint/2010/main" val="1224152737"/>
+        <p14:creationId xmlns:p14="http://schemas.microsoft.com/office/powerpoint/2010/main" val="2321551354"/>
       </p:ext>
     </p:extLst>
   </p:cSld>
@@ -2481,13 +2870,7 @@
       </p:grpSpPr>
       <p:sp>
         <p:nvSpPr>
-          <p:cNvPr id="2" name="Cím 1">
-            <a:extLst>
-              <a:ext uri="{FF2B5EF4-FFF2-40B4-BE49-F238E27FC236}">
-                <a16:creationId xmlns:a16="http://schemas.microsoft.com/office/drawing/2014/main" id="{14357E9C-3A13-4D28-9C7F-BAA357015921}"/>
-              </a:ext>
-            </a:extLst>
-          </p:cNvPr>
+          <p:cNvPr id="2" name="Title 1"/>
           <p:cNvSpPr>
             <a:spLocks noGrp="1"/>
           </p:cNvSpPr>
@@ -2497,15 +2880,21 @@
         </p:nvSpPr>
         <p:spPr>
           <a:xfrm>
-            <a:off x="839788" y="457200"/>
-            <a:ext cx="3932237" cy="1600200"/>
-          </a:xfrm>
-        </p:spPr>
-        <p:txBody>
-          <a:bodyPr anchor="b"/>
+            <a:off x="581193" y="4693389"/>
+            <a:ext cx="11029616" cy="566738"/>
+          </a:xfrm>
+        </p:spPr>
+        <p:txBody>
+          <a:bodyPr anchor="b">
+            <a:normAutofit/>
+          </a:bodyPr>
           <a:lstStyle>
-            <a:lvl1pPr>
-              <a:defRPr sz="3200"/>
+            <a:lvl1pPr algn="l">
+              <a:defRPr sz="2400" b="0">
+                <a:solidFill>
+                  <a:schemeClr val="accent1"/>
+                </a:solidFill>
+              </a:defRPr>
             </a:lvl1pPr>
           </a:lstStyle>
           <a:p>
@@ -2513,20 +2902,15 @@
               <a:rPr lang="hu-HU"/>
               <a:t>Mintacím szerkesztése</a:t>
             </a:r>
-          </a:p>
-        </p:txBody>
-      </p:sp>
-      <p:sp>
-        <p:nvSpPr>
-          <p:cNvPr id="3" name="Kép helye 2">
-            <a:extLst>
-              <a:ext uri="{FF2B5EF4-FFF2-40B4-BE49-F238E27FC236}">
-                <a16:creationId xmlns:a16="http://schemas.microsoft.com/office/drawing/2014/main" id="{B3446DAD-F47D-4100-A9EA-5BF6FEE61E33}"/>
-              </a:ext>
-            </a:extLst>
-          </p:cNvPr>
-          <p:cNvSpPr>
-            <a:spLocks noGrp="1"/>
+            <a:endParaRPr lang="en-US" dirty="0"/>
+          </a:p>
+        </p:txBody>
+      </p:sp>
+      <p:sp>
+        <p:nvSpPr>
+          <p:cNvPr id="3" name="Picture Placeholder 2"/>
+          <p:cNvSpPr>
+            <a:spLocks noGrp="1" noChangeAspect="1"/>
           </p:cNvSpPr>
           <p:nvPr>
             <p:ph type="pic" idx="1"/>
@@ -2534,118 +2918,120 @@
         </p:nvSpPr>
         <p:spPr>
           <a:xfrm>
-            <a:off x="5183188" y="987425"/>
-            <a:ext cx="6172200" cy="4873625"/>
-          </a:xfrm>
-        </p:spPr>
-        <p:txBody>
-          <a:bodyPr/>
+            <a:off x="447817" y="599725"/>
+            <a:ext cx="11290859" cy="3557252"/>
+          </a:xfrm>
+        </p:spPr>
+        <p:txBody>
+          <a:bodyPr anchor="t">
+            <a:normAutofit/>
+          </a:bodyPr>
           <a:lstStyle>
-            <a:lvl1pPr marL="0" indent="0">
-              <a:buNone/>
-              <a:defRPr sz="3200"/>
-            </a:lvl1pPr>
-            <a:lvl2pPr marL="457200" indent="0">
-              <a:buNone/>
-              <a:defRPr sz="2800"/>
-            </a:lvl2pPr>
-            <a:lvl3pPr marL="914400" indent="0">
-              <a:buNone/>
-              <a:defRPr sz="2400"/>
-            </a:lvl3pPr>
-            <a:lvl4pPr marL="1371600" indent="0">
-              <a:buNone/>
-              <a:defRPr sz="2000"/>
-            </a:lvl4pPr>
-            <a:lvl5pPr marL="1828800" indent="0">
-              <a:buNone/>
-              <a:defRPr sz="2000"/>
-            </a:lvl5pPr>
-            <a:lvl6pPr marL="2286000" indent="0">
-              <a:buNone/>
-              <a:defRPr sz="2000"/>
-            </a:lvl6pPr>
-            <a:lvl7pPr marL="2743200" indent="0">
-              <a:buNone/>
-              <a:defRPr sz="2000"/>
-            </a:lvl7pPr>
-            <a:lvl8pPr marL="3200400" indent="0">
-              <a:buNone/>
-              <a:defRPr sz="2000"/>
-            </a:lvl8pPr>
-            <a:lvl9pPr marL="3657600" indent="0">
-              <a:buNone/>
-              <a:defRPr sz="2000"/>
-            </a:lvl9pPr>
-          </a:lstStyle>
-          <a:p>
-            <a:endParaRPr lang="hu-HU"/>
-          </a:p>
-        </p:txBody>
-      </p:sp>
-      <p:sp>
-        <p:nvSpPr>
-          <p:cNvPr id="4" name="Szöveg helye 3">
-            <a:extLst>
-              <a:ext uri="{FF2B5EF4-FFF2-40B4-BE49-F238E27FC236}">
-                <a16:creationId xmlns:a16="http://schemas.microsoft.com/office/drawing/2014/main" id="{37E29F7B-8AE4-4A83-A6E5-A30E08C5BB1A}"/>
-              </a:ext>
-            </a:extLst>
-          </p:cNvPr>
-          <p:cNvSpPr>
-            <a:spLocks noGrp="1"/>
-          </p:cNvSpPr>
-          <p:nvPr>
-            <p:ph type="body" sz="half" idx="2"/>
-          </p:nvPr>
-        </p:nvSpPr>
-        <p:spPr>
-          <a:xfrm>
-            <a:off x="839788" y="2057400"/>
-            <a:ext cx="3932237" cy="3811588"/>
-          </a:xfrm>
-        </p:spPr>
-        <p:txBody>
-          <a:bodyPr/>
-          <a:lstStyle>
-            <a:lvl1pPr marL="0" indent="0">
+            <a:lvl1pPr marL="0" indent="0" algn="ctr">
               <a:buNone/>
               <a:defRPr sz="1600"/>
             </a:lvl1pPr>
             <a:lvl2pPr marL="457200" indent="0">
               <a:buNone/>
-              <a:defRPr sz="1400"/>
+              <a:defRPr sz="1600"/>
             </a:lvl2pPr>
             <a:lvl3pPr marL="914400" indent="0">
               <a:buNone/>
-              <a:defRPr sz="1200"/>
+              <a:defRPr sz="1600"/>
             </a:lvl3pPr>
             <a:lvl4pPr marL="1371600" indent="0">
               <a:buNone/>
-              <a:defRPr sz="1000"/>
+              <a:defRPr sz="1600"/>
             </a:lvl4pPr>
             <a:lvl5pPr marL="1828800" indent="0">
               <a:buNone/>
-              <a:defRPr sz="1000"/>
+              <a:defRPr sz="1600"/>
             </a:lvl5pPr>
             <a:lvl6pPr marL="2286000" indent="0">
               <a:buNone/>
-              <a:defRPr sz="1000"/>
+              <a:defRPr sz="1600"/>
             </a:lvl6pPr>
             <a:lvl7pPr marL="2743200" indent="0">
               <a:buNone/>
-              <a:defRPr sz="1000"/>
+              <a:defRPr sz="1600"/>
             </a:lvl7pPr>
             <a:lvl8pPr marL="3200400" indent="0">
               <a:buNone/>
-              <a:defRPr sz="1000"/>
+              <a:defRPr sz="1600"/>
             </a:lvl8pPr>
             <a:lvl9pPr marL="3657600" indent="0">
               <a:buNone/>
-              <a:defRPr sz="1000"/>
+              <a:defRPr sz="1600"/>
             </a:lvl9pPr>
           </a:lstStyle>
           <a:p>
+            <a:r>
+              <a:rPr lang="hu-HU"/>
+              <a:t>Kép beszúrásához kattintson az ikonra</a:t>
+            </a:r>
+            <a:endParaRPr lang="en-US" dirty="0"/>
+          </a:p>
+        </p:txBody>
+      </p:sp>
+      <p:sp>
+        <p:nvSpPr>
+          <p:cNvPr id="4" name="Text Placeholder 3"/>
+          <p:cNvSpPr>
+            <a:spLocks noGrp="1"/>
+          </p:cNvSpPr>
+          <p:nvPr>
+            <p:ph type="body" sz="half" idx="2"/>
+          </p:nvPr>
+        </p:nvSpPr>
+        <p:spPr>
+          <a:xfrm>
+            <a:off x="581192" y="5260127"/>
+            <a:ext cx="11029617" cy="598671"/>
+          </a:xfrm>
+        </p:spPr>
+        <p:txBody>
+          <a:bodyPr>
+            <a:normAutofit/>
+          </a:bodyPr>
+          <a:lstStyle>
+            <a:lvl1pPr marL="0" indent="0">
+              <a:buNone/>
+              <a:defRPr sz="1200"/>
+            </a:lvl1pPr>
+            <a:lvl2pPr marL="457200" indent="0">
+              <a:buNone/>
+              <a:defRPr sz="1200"/>
+            </a:lvl2pPr>
+            <a:lvl3pPr marL="914400" indent="0">
+              <a:buNone/>
+              <a:defRPr sz="1000"/>
+            </a:lvl3pPr>
+            <a:lvl4pPr marL="1371600" indent="0">
+              <a:buNone/>
+              <a:defRPr sz="900"/>
+            </a:lvl4pPr>
+            <a:lvl5pPr marL="1828800" indent="0">
+              <a:buNone/>
+              <a:defRPr sz="900"/>
+            </a:lvl5pPr>
+            <a:lvl6pPr marL="2286000" indent="0">
+              <a:buNone/>
+              <a:defRPr sz="900"/>
+            </a:lvl6pPr>
+            <a:lvl7pPr marL="2743200" indent="0">
+              <a:buNone/>
+              <a:defRPr sz="900"/>
+            </a:lvl7pPr>
+            <a:lvl8pPr marL="3200400" indent="0">
+              <a:buNone/>
+              <a:defRPr sz="900"/>
+            </a:lvl8pPr>
+            <a:lvl9pPr marL="3657600" indent="0">
+              <a:buNone/>
+              <a:defRPr sz="900"/>
+            </a:lvl9pPr>
+          </a:lstStyle>
+          <a:p>
             <a:pPr lvl="0"/>
             <a:r>
               <a:rPr lang="hu-HU"/>
@@ -2656,13 +3042,7 @@
       </p:sp>
       <p:sp>
         <p:nvSpPr>
-          <p:cNvPr id="5" name="Dátum helye 4">
-            <a:extLst>
-              <a:ext uri="{FF2B5EF4-FFF2-40B4-BE49-F238E27FC236}">
-                <a16:creationId xmlns:a16="http://schemas.microsoft.com/office/drawing/2014/main" id="{8B22FFEC-A810-471A-AC45-2C9AE0EF3E5F}"/>
-              </a:ext>
-            </a:extLst>
-          </p:cNvPr>
+          <p:cNvPr id="5" name="Date Placeholder 4"/>
           <p:cNvSpPr>
             <a:spLocks noGrp="1"/>
           </p:cNvSpPr>
@@ -2677,7 +3057,7 @@
           <a:p>
             <a:fld id="{EA61FFDA-4D01-43A1-8E0F-F3CCB963EDE5}" type="datetimeFigureOut">
               <a:rPr lang="hu-HU" smtClean="0"/>
-              <a:t>2025. 04. 02.</a:t>
+              <a:t>2025. 04. 03.</a:t>
             </a:fld>
             <a:endParaRPr lang="hu-HU"/>
           </a:p>
@@ -2685,13 +3065,7 @@
       </p:sp>
       <p:sp>
         <p:nvSpPr>
-          <p:cNvPr id="6" name="Élőláb helye 5">
-            <a:extLst>
-              <a:ext uri="{FF2B5EF4-FFF2-40B4-BE49-F238E27FC236}">
-                <a16:creationId xmlns:a16="http://schemas.microsoft.com/office/drawing/2014/main" id="{CA09587A-6E8C-4EF4-9CF5-252775BBC36F}"/>
-              </a:ext>
-            </a:extLst>
-          </p:cNvPr>
+          <p:cNvPr id="6" name="Footer Placeholder 5"/>
           <p:cNvSpPr>
             <a:spLocks noGrp="1"/>
           </p:cNvSpPr>
@@ -2710,13 +3084,7 @@
       </p:sp>
       <p:sp>
         <p:nvSpPr>
-          <p:cNvPr id="7" name="Dia számának helye 6">
-            <a:extLst>
-              <a:ext uri="{FF2B5EF4-FFF2-40B4-BE49-F238E27FC236}">
-                <a16:creationId xmlns:a16="http://schemas.microsoft.com/office/drawing/2014/main" id="{A9861149-C857-4A1A-854D-78A23EF12DB3}"/>
-              </a:ext>
-            </a:extLst>
-          </p:cNvPr>
+          <p:cNvPr id="7" name="Slide Number Placeholder 6"/>
           <p:cNvSpPr>
             <a:spLocks noGrp="1"/>
           </p:cNvSpPr>
@@ -2740,7 +3108,7 @@
     </p:spTree>
     <p:extLst>
       <p:ext uri="{BB962C8B-B14F-4D97-AF65-F5344CB8AC3E}">
-        <p14:creationId xmlns:p14="http://schemas.microsoft.com/office/powerpoint/2010/main" val="4187054296"/>
+        <p14:creationId xmlns:p14="http://schemas.microsoft.com/office/powerpoint/2010/main" val="1664367790"/>
       </p:ext>
     </p:extLst>
   </p:cSld>
@@ -2774,13 +3142,7 @@
       </p:grpSpPr>
       <p:sp>
         <p:nvSpPr>
-          <p:cNvPr id="2" name="Cím helye 1">
-            <a:extLst>
-              <a:ext uri="{FF2B5EF4-FFF2-40B4-BE49-F238E27FC236}">
-                <a16:creationId xmlns:a16="http://schemas.microsoft.com/office/drawing/2014/main" id="{309FB230-C4DB-41AC-A986-57B56094AAD2}"/>
-              </a:ext>
-            </a:extLst>
-          </p:cNvPr>
+          <p:cNvPr id="2" name="Title Placeholder 1"/>
           <p:cNvSpPr>
             <a:spLocks noGrp="1"/>
           </p:cNvSpPr>
@@ -2790,8 +3152,41 @@
         </p:nvSpPr>
         <p:spPr>
           <a:xfrm>
-            <a:off x="838200" y="365125"/>
-            <a:ext cx="10515600" cy="1325563"/>
+            <a:off x="581192" y="705124"/>
+            <a:ext cx="11029616" cy="1189554"/>
+          </a:xfrm>
+          <a:prstGeom prst="rect">
+            <a:avLst/>
+          </a:prstGeom>
+        </p:spPr>
+        <p:txBody>
+          <a:bodyPr vert="horz" lIns="91440" tIns="45720" rIns="91440" bIns="45720" rtlCol="0" anchor="b">
+            <a:normAutofit/>
+          </a:bodyPr>
+          <a:lstStyle/>
+          <a:p>
+            <a:r>
+              <a:rPr lang="hu-HU"/>
+              <a:t>Mintacím szerkesztése</a:t>
+            </a:r>
+            <a:endParaRPr lang="en-US" dirty="0"/>
+          </a:p>
+        </p:txBody>
+      </p:sp>
+      <p:sp>
+        <p:nvSpPr>
+          <p:cNvPr id="3" name="Text Placeholder 2"/>
+          <p:cNvSpPr>
+            <a:spLocks noGrp="1"/>
+          </p:cNvSpPr>
+          <p:nvPr>
+            <p:ph type="body" idx="1"/>
+          </p:nvPr>
+        </p:nvSpPr>
+        <p:spPr>
+          <a:xfrm>
+            <a:off x="581192" y="2336003"/>
+            <a:ext cx="11029616" cy="3522794"/>
           </a:xfrm>
           <a:prstGeom prst="rect">
             <a:avLst/>
@@ -2803,100 +3198,96 @@
           </a:bodyPr>
           <a:lstStyle/>
           <a:p>
-            <a:r>
-              <a:rPr lang="hu-HU"/>
-              <a:t>Mintacím szerkesztése</a:t>
-            </a:r>
-          </a:p>
-        </p:txBody>
-      </p:sp>
-      <p:sp>
-        <p:nvSpPr>
-          <p:cNvPr id="3" name="Szöveg helye 2">
-            <a:extLst>
-              <a:ext uri="{FF2B5EF4-FFF2-40B4-BE49-F238E27FC236}">
-                <a16:creationId xmlns:a16="http://schemas.microsoft.com/office/drawing/2014/main" id="{5B05A41D-1E46-4F6A-9BE6-5FFB00C33326}"/>
-              </a:ext>
-            </a:extLst>
-          </p:cNvPr>
-          <p:cNvSpPr>
-            <a:spLocks noGrp="1"/>
-          </p:cNvSpPr>
-          <p:nvPr>
-            <p:ph type="body" idx="1"/>
-          </p:nvPr>
-        </p:nvSpPr>
-        <p:spPr>
-          <a:xfrm>
-            <a:off x="838200" y="1825625"/>
-            <a:ext cx="10515600" cy="4351338"/>
+            <a:pPr lvl="0"/>
+            <a:r>
+              <a:rPr lang="hu-HU"/>
+              <a:t>Mintaszöveg szerkesztése</a:t>
+            </a:r>
+          </a:p>
+          <a:p>
+            <a:pPr lvl="1"/>
+            <a:r>
+              <a:rPr lang="hu-HU"/>
+              <a:t>Második szint</a:t>
+            </a:r>
+          </a:p>
+          <a:p>
+            <a:pPr lvl="2"/>
+            <a:r>
+              <a:rPr lang="hu-HU"/>
+              <a:t>Harmadik szint</a:t>
+            </a:r>
+          </a:p>
+          <a:p>
+            <a:pPr lvl="3"/>
+            <a:r>
+              <a:rPr lang="hu-HU"/>
+              <a:t>Negyedik szint</a:t>
+            </a:r>
+          </a:p>
+          <a:p>
+            <a:pPr lvl="4"/>
+            <a:r>
+              <a:rPr lang="hu-HU"/>
+              <a:t>Ötödik szint</a:t>
+            </a:r>
+            <a:endParaRPr lang="en-US" dirty="0"/>
+          </a:p>
+        </p:txBody>
+      </p:sp>
+      <p:sp>
+        <p:nvSpPr>
+          <p:cNvPr id="4" name="Date Placeholder 3"/>
+          <p:cNvSpPr>
+            <a:spLocks noGrp="1"/>
+          </p:cNvSpPr>
+          <p:nvPr>
+            <p:ph type="dt" sz="half" idx="2"/>
+          </p:nvPr>
+        </p:nvSpPr>
+        <p:spPr>
+          <a:xfrm>
+            <a:off x="7605951" y="5956137"/>
+            <a:ext cx="2844799" cy="365125"/>
           </a:xfrm>
           <a:prstGeom prst="rect">
             <a:avLst/>
           </a:prstGeom>
         </p:spPr>
         <p:txBody>
-          <a:bodyPr vert="horz" lIns="91440" tIns="45720" rIns="91440" bIns="45720" rtlCol="0">
-            <a:normAutofit/>
-          </a:bodyPr>
-          <a:lstStyle/>
-          <a:p>
-            <a:pPr lvl="0"/>
-            <a:r>
-              <a:rPr lang="hu-HU"/>
-              <a:t>Mintaszöveg szerkesztése</a:t>
-            </a:r>
-          </a:p>
-          <a:p>
-            <a:pPr lvl="1"/>
-            <a:r>
-              <a:rPr lang="hu-HU"/>
-              <a:t>Második szint</a:t>
-            </a:r>
-          </a:p>
-          <a:p>
-            <a:pPr lvl="2"/>
-            <a:r>
-              <a:rPr lang="hu-HU"/>
-              <a:t>Harmadik szint</a:t>
-            </a:r>
-          </a:p>
-          <a:p>
-            <a:pPr lvl="3"/>
-            <a:r>
-              <a:rPr lang="hu-HU"/>
-              <a:t>Negyedik szint</a:t>
-            </a:r>
-          </a:p>
-          <a:p>
-            <a:pPr lvl="4"/>
-            <a:r>
-              <a:rPr lang="hu-HU"/>
-              <a:t>Ötödik szint</a:t>
-            </a:r>
-          </a:p>
-        </p:txBody>
-      </p:sp>
-      <p:sp>
-        <p:nvSpPr>
-          <p:cNvPr id="4" name="Dátum helye 3">
-            <a:extLst>
-              <a:ext uri="{FF2B5EF4-FFF2-40B4-BE49-F238E27FC236}">
-                <a16:creationId xmlns:a16="http://schemas.microsoft.com/office/drawing/2014/main" id="{4E615B78-45DE-4BCC-8E00-79AD09C72241}"/>
-              </a:ext>
-            </a:extLst>
-          </p:cNvPr>
-          <p:cNvSpPr>
-            <a:spLocks noGrp="1"/>
-          </p:cNvSpPr>
-          <p:nvPr>
-            <p:ph type="dt" sz="half" idx="2"/>
-          </p:nvPr>
-        </p:nvSpPr>
-        <p:spPr>
-          <a:xfrm>
-            <a:off x="838200" y="6356350"/>
-            <a:ext cx="2743200" cy="365125"/>
+          <a:bodyPr vert="horz" lIns="91440" tIns="45720" rIns="91440" bIns="45720" rtlCol="0" anchor="ctr"/>
+          <a:lstStyle>
+            <a:lvl1pPr algn="r">
+              <a:defRPr sz="900">
+                <a:solidFill>
+                  <a:schemeClr val="accent2"/>
+                </a:solidFill>
+              </a:defRPr>
+            </a:lvl1pPr>
+          </a:lstStyle>
+          <a:p>
+            <a:fld id="{EA61FFDA-4D01-43A1-8E0F-F3CCB963EDE5}" type="datetimeFigureOut">
+              <a:rPr lang="hu-HU" smtClean="0"/>
+              <a:t>2025. 04. 03.</a:t>
+            </a:fld>
+            <a:endParaRPr lang="hu-HU"/>
+          </a:p>
+        </p:txBody>
+      </p:sp>
+      <p:sp>
+        <p:nvSpPr>
+          <p:cNvPr id="5" name="Footer Placeholder 4"/>
+          <p:cNvSpPr>
+            <a:spLocks noGrp="1"/>
+          </p:cNvSpPr>
+          <p:nvPr>
+            <p:ph type="ftr" sz="quarter" idx="3"/>
+          </p:nvPr>
+        </p:nvSpPr>
+        <p:spPr>
+          <a:xfrm>
+            <a:off x="581192" y="5951811"/>
+            <a:ext cx="6917210" cy="365125"/>
           </a:xfrm>
           <a:prstGeom prst="rect">
             <a:avLst/>
@@ -2906,44 +3297,32 @@
           <a:bodyPr vert="horz" lIns="91440" tIns="45720" rIns="91440" bIns="45720" rtlCol="0" anchor="ctr"/>
           <a:lstStyle>
             <a:lvl1pPr algn="l">
-              <a:defRPr sz="1200">
-                <a:solidFill>
-                  <a:schemeClr val="tx1">
-                    <a:tint val="75000"/>
-                  </a:schemeClr>
+              <a:defRPr sz="900" cap="all">
+                <a:solidFill>
+                  <a:schemeClr val="accent2"/>
                 </a:solidFill>
               </a:defRPr>
             </a:lvl1pPr>
           </a:lstStyle>
           <a:p>
-            <a:fld id="{EA61FFDA-4D01-43A1-8E0F-F3CCB963EDE5}" type="datetimeFigureOut">
-              <a:rPr lang="hu-HU" smtClean="0"/>
-              <a:t>2025. 04. 02.</a:t>
-            </a:fld>
             <a:endParaRPr lang="hu-HU"/>
           </a:p>
         </p:txBody>
       </p:sp>
       <p:sp>
         <p:nvSpPr>
-          <p:cNvPr id="5" name="Élőláb helye 4">
-            <a:extLst>
-              <a:ext uri="{FF2B5EF4-FFF2-40B4-BE49-F238E27FC236}">
-                <a16:creationId xmlns:a16="http://schemas.microsoft.com/office/drawing/2014/main" id="{31881088-4281-4EBA-B5F1-2E7840ADAE6C}"/>
-              </a:ext>
-            </a:extLst>
-          </p:cNvPr>
-          <p:cNvSpPr>
-            <a:spLocks noGrp="1"/>
-          </p:cNvSpPr>
-          <p:nvPr>
-            <p:ph type="ftr" sz="quarter" idx="3"/>
-          </p:nvPr>
-        </p:nvSpPr>
-        <p:spPr>
-          <a:xfrm>
-            <a:off x="4038600" y="6356350"/>
-            <a:ext cx="4114800" cy="365125"/>
+          <p:cNvPr id="6" name="Slide Number Placeholder 5"/>
+          <p:cNvSpPr>
+            <a:spLocks noGrp="1"/>
+          </p:cNvSpPr>
+          <p:nvPr>
+            <p:ph type="sldNum" sz="quarter" idx="4"/>
+          </p:nvPr>
+        </p:nvSpPr>
+        <p:spPr>
+          <a:xfrm>
+            <a:off x="10558300" y="5956137"/>
+            <a:ext cx="1052510" cy="365125"/>
           </a:xfrm>
           <a:prstGeom prst="rect">
             <a:avLst/>
@@ -2952,55 +3331,10 @@
         <p:txBody>
           <a:bodyPr vert="horz" lIns="91440" tIns="45720" rIns="91440" bIns="45720" rtlCol="0" anchor="ctr"/>
           <a:lstStyle>
-            <a:lvl1pPr algn="ctr">
-              <a:defRPr sz="1200">
-                <a:solidFill>
-                  <a:schemeClr val="tx1">
-                    <a:tint val="75000"/>
-                  </a:schemeClr>
-                </a:solidFill>
-              </a:defRPr>
-            </a:lvl1pPr>
-          </a:lstStyle>
-          <a:p>
-            <a:endParaRPr lang="hu-HU"/>
-          </a:p>
-        </p:txBody>
-      </p:sp>
-      <p:sp>
-        <p:nvSpPr>
-          <p:cNvPr id="6" name="Dia számának helye 5">
-            <a:extLst>
-              <a:ext uri="{FF2B5EF4-FFF2-40B4-BE49-F238E27FC236}">
-                <a16:creationId xmlns:a16="http://schemas.microsoft.com/office/drawing/2014/main" id="{C8A5E8BE-AC02-4AA7-B0F6-F59D391C6955}"/>
-              </a:ext>
-            </a:extLst>
-          </p:cNvPr>
-          <p:cNvSpPr>
-            <a:spLocks noGrp="1"/>
-          </p:cNvSpPr>
-          <p:nvPr>
-            <p:ph type="sldNum" sz="quarter" idx="4"/>
-          </p:nvPr>
-        </p:nvSpPr>
-        <p:spPr>
-          <a:xfrm>
-            <a:off x="8610600" y="6356350"/>
-            <a:ext cx="2743200" cy="365125"/>
-          </a:xfrm>
-          <a:prstGeom prst="rect">
-            <a:avLst/>
-          </a:prstGeom>
-        </p:spPr>
-        <p:txBody>
-          <a:bodyPr vert="horz" lIns="91440" tIns="45720" rIns="91440" bIns="45720" rtlCol="0" anchor="ctr"/>
-          <a:lstStyle>
             <a:lvl1pPr algn="r">
-              <a:defRPr sz="1200">
-                <a:solidFill>
-                  <a:schemeClr val="tx1">
-                    <a:tint val="75000"/>
-                  </a:schemeClr>
+              <a:defRPr sz="900">
+                <a:solidFill>
+                  <a:schemeClr val="accent2"/>
                 </a:solidFill>
               </a:defRPr>
             </a:lvl1pPr>
@@ -3014,58 +3348,417 @@
           </a:p>
         </p:txBody>
       </p:sp>
+      <p:sp>
+        <p:nvSpPr>
+          <p:cNvPr id="9" name="Rectangle 8"/>
+          <p:cNvSpPr/>
+          <p:nvPr/>
+        </p:nvSpPr>
+        <p:spPr>
+          <a:xfrm>
+            <a:off x="446534" y="457200"/>
+            <a:ext cx="3703320" cy="94997"/>
+          </a:xfrm>
+          <a:prstGeom prst="rect">
+            <a:avLst/>
+          </a:prstGeom>
+          <a:solidFill>
+            <a:schemeClr val="accent1"/>
+          </a:solidFill>
+          <a:ln>
+            <a:noFill/>
+          </a:ln>
+          <a:effectLst/>
+        </p:spPr>
+        <p:style>
+          <a:lnRef idx="1">
+            <a:schemeClr val="accent1"/>
+          </a:lnRef>
+          <a:fillRef idx="3">
+            <a:schemeClr val="accent1"/>
+          </a:fillRef>
+          <a:effectRef idx="2">
+            <a:schemeClr val="accent1"/>
+          </a:effectRef>
+          <a:fontRef idx="minor">
+            <a:schemeClr val="lt1"/>
+          </a:fontRef>
+        </p:style>
+      </p:sp>
+      <p:sp>
+        <p:nvSpPr>
+          <p:cNvPr id="10" name="Rectangle 9"/>
+          <p:cNvSpPr/>
+          <p:nvPr/>
+        </p:nvSpPr>
+        <p:spPr>
+          <a:xfrm>
+            <a:off x="8042147" y="453643"/>
+            <a:ext cx="3703320" cy="98554"/>
+          </a:xfrm>
+          <a:prstGeom prst="rect">
+            <a:avLst/>
+          </a:prstGeom>
+          <a:solidFill>
+            <a:schemeClr val="accent4"/>
+          </a:solidFill>
+          <a:ln>
+            <a:noFill/>
+          </a:ln>
+          <a:effectLst/>
+        </p:spPr>
+        <p:style>
+          <a:lnRef idx="1">
+            <a:schemeClr val="accent1"/>
+          </a:lnRef>
+          <a:fillRef idx="3">
+            <a:schemeClr val="accent1"/>
+          </a:fillRef>
+          <a:effectRef idx="2">
+            <a:schemeClr val="accent1"/>
+          </a:effectRef>
+          <a:fontRef idx="minor">
+            <a:schemeClr val="lt1"/>
+          </a:fontRef>
+        </p:style>
+      </p:sp>
+      <p:sp>
+        <p:nvSpPr>
+          <p:cNvPr id="11" name="Rectangle 10"/>
+          <p:cNvSpPr/>
+          <p:nvPr/>
+        </p:nvSpPr>
+        <p:spPr>
+          <a:xfrm>
+            <a:off x="4241830" y="457200"/>
+            <a:ext cx="3703320" cy="91440"/>
+          </a:xfrm>
+          <a:prstGeom prst="rect">
+            <a:avLst/>
+          </a:prstGeom>
+          <a:solidFill>
+            <a:schemeClr val="accent2"/>
+          </a:solidFill>
+          <a:ln>
+            <a:noFill/>
+          </a:ln>
+          <a:effectLst/>
+        </p:spPr>
+        <p:style>
+          <a:lnRef idx="1">
+            <a:schemeClr val="accent1"/>
+          </a:lnRef>
+          <a:fillRef idx="3">
+            <a:schemeClr val="accent1"/>
+          </a:fillRef>
+          <a:effectRef idx="2">
+            <a:schemeClr val="accent1"/>
+          </a:effectRef>
+          <a:fontRef idx="minor">
+            <a:schemeClr val="lt1"/>
+          </a:fontRef>
+        </p:style>
+      </p:sp>
     </p:spTree>
     <p:extLst>
       <p:ext uri="{BB962C8B-B14F-4D97-AF65-F5344CB8AC3E}">
-        <p14:creationId xmlns:p14="http://schemas.microsoft.com/office/powerpoint/2010/main" val="2620930221"/>
+        <p14:creationId xmlns:p14="http://schemas.microsoft.com/office/powerpoint/2010/main" val="497191338"/>
       </p:ext>
     </p:extLst>
   </p:cSld>
   <p:clrMap bg1="lt1" tx1="dk1" bg2="lt2" tx2="dk2" accent1="accent1" accent2="accent2" accent3="accent3" accent4="accent4" accent5="accent5" accent6="accent6" hlink="hlink" folHlink="folHlink"/>
   <p:sldLayoutIdLst>
-    <p:sldLayoutId id="2147483649" r:id="rId1"/>
-    <p:sldLayoutId id="2147483650" r:id="rId2"/>
-    <p:sldLayoutId id="2147483651" r:id="rId3"/>
-    <p:sldLayoutId id="2147483652" r:id="rId4"/>
-    <p:sldLayoutId id="2147483653" r:id="rId5"/>
-    <p:sldLayoutId id="2147483654" r:id="rId6"/>
-    <p:sldLayoutId id="2147483655" r:id="rId7"/>
-    <p:sldLayoutId id="2147483656" r:id="rId8"/>
-    <p:sldLayoutId id="2147483657" r:id="rId9"/>
-    <p:sldLayoutId id="2147483658" r:id="rId10"/>
-    <p:sldLayoutId id="2147483659" r:id="rId11"/>
+    <p:sldLayoutId id="2147483673" r:id="rId1"/>
+    <p:sldLayoutId id="2147483674" r:id="rId2"/>
+    <p:sldLayoutId id="2147483675" r:id="rId3"/>
+    <p:sldLayoutId id="2147483676" r:id="rId4"/>
+    <p:sldLayoutId id="2147483677" r:id="rId5"/>
+    <p:sldLayoutId id="2147483678" r:id="rId6"/>
+    <p:sldLayoutId id="2147483679" r:id="rId7"/>
+    <p:sldLayoutId id="2147483680" r:id="rId8"/>
+    <p:sldLayoutId id="2147483681" r:id="rId9"/>
+    <p:sldLayoutId id="2147483682" r:id="rId10"/>
+    <p:sldLayoutId id="2147483683" r:id="rId11"/>
   </p:sldLayoutIdLst>
   <p:txStyles>
     <p:titleStyle>
-      <a:lvl1pPr algn="l" defTabSz="914400" rtl="0" eaLnBrk="1" latinLnBrk="0" hangingPunct="1">
-        <a:lnSpc>
-          <a:spcPct val="90000"/>
-        </a:lnSpc>
+      <a:lvl1pPr algn="l" defTabSz="457200" rtl="0" eaLnBrk="1" latinLnBrk="0" hangingPunct="1">
         <a:spcBef>
           <a:spcPct val="0"/>
         </a:spcBef>
         <a:buNone/>
-        <a:defRPr sz="4400" kern="1200">
+        <a:defRPr sz="2800" b="0" kern="1200" cap="all">
           <a:solidFill>
-            <a:schemeClr val="tx1"/>
+            <a:schemeClr val="bg1"/>
           </a:solidFill>
           <a:latin typeface="+mj-lt"/>
           <a:ea typeface="+mj-ea"/>
           <a:cs typeface="+mj-cs"/>
         </a:defRPr>
       </a:lvl1pPr>
+      <a:lvl2pPr eaLnBrk="1" hangingPunct="1">
+        <a:defRPr>
+          <a:solidFill>
+            <a:schemeClr val="tx2"/>
+          </a:solidFill>
+        </a:defRPr>
+      </a:lvl2pPr>
+      <a:lvl3pPr eaLnBrk="1" hangingPunct="1">
+        <a:defRPr>
+          <a:solidFill>
+            <a:schemeClr val="tx2"/>
+          </a:solidFill>
+        </a:defRPr>
+      </a:lvl3pPr>
+      <a:lvl4pPr eaLnBrk="1" hangingPunct="1">
+        <a:defRPr>
+          <a:solidFill>
+            <a:schemeClr val="tx2"/>
+          </a:solidFill>
+        </a:defRPr>
+      </a:lvl4pPr>
+      <a:lvl5pPr eaLnBrk="1" hangingPunct="1">
+        <a:defRPr>
+          <a:solidFill>
+            <a:schemeClr val="tx2"/>
+          </a:solidFill>
+        </a:defRPr>
+      </a:lvl5pPr>
+      <a:lvl6pPr eaLnBrk="1" hangingPunct="1">
+        <a:defRPr>
+          <a:solidFill>
+            <a:schemeClr val="tx2"/>
+          </a:solidFill>
+        </a:defRPr>
+      </a:lvl6pPr>
+      <a:lvl7pPr eaLnBrk="1" hangingPunct="1">
+        <a:defRPr>
+          <a:solidFill>
+            <a:schemeClr val="tx2"/>
+          </a:solidFill>
+        </a:defRPr>
+      </a:lvl7pPr>
+      <a:lvl8pPr eaLnBrk="1" hangingPunct="1">
+        <a:defRPr>
+          <a:solidFill>
+            <a:schemeClr val="tx2"/>
+          </a:solidFill>
+        </a:defRPr>
+      </a:lvl8pPr>
+      <a:lvl9pPr eaLnBrk="1" hangingPunct="1">
+        <a:defRPr>
+          <a:solidFill>
+            <a:schemeClr val="tx2"/>
+          </a:solidFill>
+        </a:defRPr>
+      </a:lvl9pPr>
     </p:titleStyle>
     <p:bodyStyle>
-      <a:lvl1pPr marL="228600" indent="-228600" algn="l" defTabSz="914400" rtl="0" eaLnBrk="1" latinLnBrk="0" hangingPunct="1">
-        <a:lnSpc>
-          <a:spcPct val="90000"/>
-        </a:lnSpc>
+      <a:lvl1pPr marL="306000" indent="-306000" algn="l" defTabSz="457200" rtl="0" eaLnBrk="1" latinLnBrk="0" hangingPunct="1">
         <a:spcBef>
-          <a:spcPts val="1000"/>
+          <a:spcPct val="20000"/>
         </a:spcBef>
-        <a:buFont typeface="Arial" panose="020B0604020202020204" pitchFamily="34" charset="0"/>
-        <a:buChar char="•"/>
-        <a:defRPr sz="2800" kern="1200">
+        <a:spcAft>
+          <a:spcPts val="600"/>
+        </a:spcAft>
+        <a:buClr>
+          <a:schemeClr val="accent2"/>
+        </a:buClr>
+        <a:buSzPct val="92000"/>
+        <a:buFont typeface="Wingdings 2" panose="05020102010507070707" pitchFamily="18" charset="2"/>
+        <a:buChar char=""/>
+        <a:defRPr sz="1800" kern="1200">
+          <a:solidFill>
+            <a:schemeClr val="tx2"/>
+          </a:solidFill>
+          <a:latin typeface="+mn-lt"/>
+          <a:ea typeface="+mn-ea"/>
+          <a:cs typeface="+mn-cs"/>
+        </a:defRPr>
+      </a:lvl1pPr>
+      <a:lvl2pPr marL="630000" indent="-306000" algn="l" defTabSz="457200" rtl="0" eaLnBrk="1" latinLnBrk="0" hangingPunct="1">
+        <a:spcBef>
+          <a:spcPct val="20000"/>
+        </a:spcBef>
+        <a:spcAft>
+          <a:spcPts val="600"/>
+        </a:spcAft>
+        <a:buClr>
+          <a:schemeClr val="accent2"/>
+        </a:buClr>
+        <a:buSzPct val="92000"/>
+        <a:buFont typeface="Wingdings 2" panose="05020102010507070707" pitchFamily="18" charset="2"/>
+        <a:buChar char=""/>
+        <a:defRPr sz="1600" kern="1200">
+          <a:solidFill>
+            <a:schemeClr val="tx2"/>
+          </a:solidFill>
+          <a:latin typeface="+mn-lt"/>
+          <a:ea typeface="+mn-ea"/>
+          <a:cs typeface="+mn-cs"/>
+        </a:defRPr>
+      </a:lvl2pPr>
+      <a:lvl3pPr marL="900000" indent="-270000" algn="l" defTabSz="457200" rtl="0" eaLnBrk="1" latinLnBrk="0" hangingPunct="1">
+        <a:spcBef>
+          <a:spcPct val="20000"/>
+        </a:spcBef>
+        <a:spcAft>
+          <a:spcPts val="600"/>
+        </a:spcAft>
+        <a:buClr>
+          <a:schemeClr val="accent2"/>
+        </a:buClr>
+        <a:buSzPct val="92000"/>
+        <a:buFont typeface="Wingdings 2" panose="05020102010507070707" pitchFamily="18" charset="2"/>
+        <a:buChar char=""/>
+        <a:defRPr sz="1400" kern="1200">
+          <a:solidFill>
+            <a:schemeClr val="tx2"/>
+          </a:solidFill>
+          <a:latin typeface="+mn-lt"/>
+          <a:ea typeface="+mn-ea"/>
+          <a:cs typeface="+mn-cs"/>
+        </a:defRPr>
+      </a:lvl3pPr>
+      <a:lvl4pPr marL="1242000" indent="-234000" algn="l" defTabSz="457200" rtl="0" eaLnBrk="1" latinLnBrk="0" hangingPunct="1">
+        <a:spcBef>
+          <a:spcPct val="20000"/>
+        </a:spcBef>
+        <a:spcAft>
+          <a:spcPts val="600"/>
+        </a:spcAft>
+        <a:buClr>
+          <a:schemeClr val="accent2"/>
+        </a:buClr>
+        <a:buSzPct val="92000"/>
+        <a:buFont typeface="Wingdings 2" panose="05020102010507070707" pitchFamily="18" charset="2"/>
+        <a:buChar char=""/>
+        <a:defRPr sz="1200" kern="1200">
+          <a:solidFill>
+            <a:schemeClr val="tx2"/>
+          </a:solidFill>
+          <a:latin typeface="+mn-lt"/>
+          <a:ea typeface="+mn-ea"/>
+          <a:cs typeface="+mn-cs"/>
+        </a:defRPr>
+      </a:lvl4pPr>
+      <a:lvl5pPr marL="1602000" indent="-234000" algn="l" defTabSz="457200" rtl="0" eaLnBrk="1" latinLnBrk="0" hangingPunct="1">
+        <a:spcBef>
+          <a:spcPct val="20000"/>
+        </a:spcBef>
+        <a:spcAft>
+          <a:spcPts val="600"/>
+        </a:spcAft>
+        <a:buClr>
+          <a:schemeClr val="accent2"/>
+        </a:buClr>
+        <a:buSzPct val="92000"/>
+        <a:buFont typeface="Wingdings 2" panose="05020102010507070707" pitchFamily="18" charset="2"/>
+        <a:buChar char=""/>
+        <a:defRPr sz="1200" kern="1200">
+          <a:solidFill>
+            <a:schemeClr val="tx2"/>
+          </a:solidFill>
+          <a:latin typeface="+mn-lt"/>
+          <a:ea typeface="+mn-ea"/>
+          <a:cs typeface="+mn-cs"/>
+        </a:defRPr>
+      </a:lvl5pPr>
+      <a:lvl6pPr marL="1900000" indent="-228600" algn="l" defTabSz="457200" rtl="0" eaLnBrk="1" latinLnBrk="0" hangingPunct="1">
+        <a:spcBef>
+          <a:spcPct val="20000"/>
+        </a:spcBef>
+        <a:spcAft>
+          <a:spcPts val="600"/>
+        </a:spcAft>
+        <a:buClr>
+          <a:schemeClr val="accent2"/>
+        </a:buClr>
+        <a:buSzPct val="92000"/>
+        <a:buFont typeface="Wingdings 2" panose="05020102010507070707" pitchFamily="18" charset="2"/>
+        <a:buChar char=""/>
+        <a:defRPr sz="1200" kern="1200">
+          <a:solidFill>
+            <a:schemeClr val="tx2"/>
+          </a:solidFill>
+          <a:latin typeface="+mn-lt"/>
+          <a:ea typeface="+mn-ea"/>
+          <a:cs typeface="+mn-cs"/>
+        </a:defRPr>
+      </a:lvl6pPr>
+      <a:lvl7pPr marL="2200000" indent="-228600" algn="l" defTabSz="457200" rtl="0" eaLnBrk="1" latinLnBrk="0" hangingPunct="1">
+        <a:spcBef>
+          <a:spcPct val="20000"/>
+        </a:spcBef>
+        <a:spcAft>
+          <a:spcPts val="600"/>
+        </a:spcAft>
+        <a:buClr>
+          <a:schemeClr val="accent2"/>
+        </a:buClr>
+        <a:buSzPct val="92000"/>
+        <a:buFont typeface="Wingdings 2" panose="05020102010507070707" pitchFamily="18" charset="2"/>
+        <a:buChar char=""/>
+        <a:defRPr sz="1200" kern="1200">
+          <a:solidFill>
+            <a:schemeClr val="tx2"/>
+          </a:solidFill>
+          <a:latin typeface="+mn-lt"/>
+          <a:ea typeface="+mn-ea"/>
+          <a:cs typeface="+mn-cs"/>
+        </a:defRPr>
+      </a:lvl7pPr>
+      <a:lvl8pPr marL="2500000" indent="-228600" algn="l" defTabSz="457200" rtl="0" eaLnBrk="1" latinLnBrk="0" hangingPunct="1">
+        <a:spcBef>
+          <a:spcPct val="20000"/>
+        </a:spcBef>
+        <a:spcAft>
+          <a:spcPts val="600"/>
+        </a:spcAft>
+        <a:buClr>
+          <a:schemeClr val="accent2"/>
+        </a:buClr>
+        <a:buSzPct val="92000"/>
+        <a:buFont typeface="Wingdings 2" panose="05020102010507070707" pitchFamily="18" charset="2"/>
+        <a:buChar char=""/>
+        <a:defRPr sz="1200" kern="1200">
+          <a:solidFill>
+            <a:schemeClr val="tx2"/>
+          </a:solidFill>
+          <a:latin typeface="+mn-lt"/>
+          <a:ea typeface="+mn-ea"/>
+          <a:cs typeface="+mn-cs"/>
+        </a:defRPr>
+      </a:lvl8pPr>
+      <a:lvl9pPr marL="2800000" indent="-228600" algn="l" defTabSz="457200" rtl="0" eaLnBrk="1" latinLnBrk="0" hangingPunct="1">
+        <a:spcBef>
+          <a:spcPct val="20000"/>
+        </a:spcBef>
+        <a:spcAft>
+          <a:spcPts val="600"/>
+        </a:spcAft>
+        <a:buClr>
+          <a:schemeClr val="accent2"/>
+        </a:buClr>
+        <a:buSzPct val="92000"/>
+        <a:buFont typeface="Wingdings 2" panose="05020102010507070707" pitchFamily="18" charset="2"/>
+        <a:buChar char=""/>
+        <a:defRPr sz="1200" kern="1200">
+          <a:solidFill>
+            <a:schemeClr val="tx2"/>
+          </a:solidFill>
+          <a:latin typeface="+mn-lt"/>
+          <a:ea typeface="+mn-ea"/>
+          <a:cs typeface="+mn-cs"/>
+        </a:defRPr>
+      </a:lvl9pPr>
+    </p:bodyStyle>
+    <p:otherStyle>
+      <a:defPPr>
+        <a:defRPr lang="en-US"/>
+      </a:defPPr>
+      <a:lvl1pPr marL="0" algn="l" defTabSz="457200" rtl="0" eaLnBrk="1" latinLnBrk="0" hangingPunct="1">
+        <a:defRPr sz="1800" kern="1200">
           <a:solidFill>
             <a:schemeClr val="tx1"/>
           </a:solidFill>
@@ -3074,16 +3767,8 @@
           <a:cs typeface="+mn-cs"/>
         </a:defRPr>
       </a:lvl1pPr>
-      <a:lvl2pPr marL="685800" indent="-228600" algn="l" defTabSz="914400" rtl="0" eaLnBrk="1" latinLnBrk="0" hangingPunct="1">
-        <a:lnSpc>
-          <a:spcPct val="90000"/>
-        </a:lnSpc>
-        <a:spcBef>
-          <a:spcPts val="500"/>
-        </a:spcBef>
-        <a:buFont typeface="Arial" panose="020B0604020202020204" pitchFamily="34" charset="0"/>
-        <a:buChar char="•"/>
-        <a:defRPr sz="2400" kern="1200">
+      <a:lvl2pPr marL="457200" algn="l" defTabSz="457200" rtl="0" eaLnBrk="1" latinLnBrk="0" hangingPunct="1">
+        <a:defRPr sz="1800" kern="1200">
           <a:solidFill>
             <a:schemeClr val="tx1"/>
           </a:solidFill>
@@ -3092,16 +3777,8 @@
           <a:cs typeface="+mn-cs"/>
         </a:defRPr>
       </a:lvl2pPr>
-      <a:lvl3pPr marL="1143000" indent="-228600" algn="l" defTabSz="914400" rtl="0" eaLnBrk="1" latinLnBrk="0" hangingPunct="1">
-        <a:lnSpc>
-          <a:spcPct val="90000"/>
-        </a:lnSpc>
-        <a:spcBef>
-          <a:spcPts val="500"/>
-        </a:spcBef>
-        <a:buFont typeface="Arial" panose="020B0604020202020204" pitchFamily="34" charset="0"/>
-        <a:buChar char="•"/>
-        <a:defRPr sz="2000" kern="1200">
+      <a:lvl3pPr marL="914400" algn="l" defTabSz="457200" rtl="0" eaLnBrk="1" latinLnBrk="0" hangingPunct="1">
+        <a:defRPr sz="1800" kern="1200">
           <a:solidFill>
             <a:schemeClr val="tx1"/>
           </a:solidFill>
@@ -3110,15 +3787,7 @@
           <a:cs typeface="+mn-cs"/>
         </a:defRPr>
       </a:lvl3pPr>
-      <a:lvl4pPr marL="1600200" indent="-228600" algn="l" defTabSz="914400" rtl="0" eaLnBrk="1" latinLnBrk="0" hangingPunct="1">
-        <a:lnSpc>
-          <a:spcPct val="90000"/>
-        </a:lnSpc>
-        <a:spcBef>
-          <a:spcPts val="500"/>
-        </a:spcBef>
-        <a:buFont typeface="Arial" panose="020B0604020202020204" pitchFamily="34" charset="0"/>
-        <a:buChar char="•"/>
+      <a:lvl4pPr marL="1371600" algn="l" defTabSz="457200" rtl="0" eaLnBrk="1" latinLnBrk="0" hangingPunct="1">
         <a:defRPr sz="1800" kern="1200">
           <a:solidFill>
             <a:schemeClr val="tx1"/>
@@ -3128,15 +3797,7 @@
           <a:cs typeface="+mn-cs"/>
         </a:defRPr>
       </a:lvl4pPr>
-      <a:lvl5pPr marL="2057400" indent="-228600" algn="l" defTabSz="914400" rtl="0" eaLnBrk="1" latinLnBrk="0" hangingPunct="1">
-        <a:lnSpc>
-          <a:spcPct val="90000"/>
-        </a:lnSpc>
-        <a:spcBef>
-          <a:spcPts val="500"/>
-        </a:spcBef>
-        <a:buFont typeface="Arial" panose="020B0604020202020204" pitchFamily="34" charset="0"/>
-        <a:buChar char="•"/>
+      <a:lvl5pPr marL="1828800" algn="l" defTabSz="457200" rtl="0" eaLnBrk="1" latinLnBrk="0" hangingPunct="1">
         <a:defRPr sz="1800" kern="1200">
           <a:solidFill>
             <a:schemeClr val="tx1"/>
@@ -3146,15 +3807,7 @@
           <a:cs typeface="+mn-cs"/>
         </a:defRPr>
       </a:lvl5pPr>
-      <a:lvl6pPr marL="2514600" indent="-228600" algn="l" defTabSz="914400" rtl="0" eaLnBrk="1" latinLnBrk="0" hangingPunct="1">
-        <a:lnSpc>
-          <a:spcPct val="90000"/>
-        </a:lnSpc>
-        <a:spcBef>
-          <a:spcPts val="500"/>
-        </a:spcBef>
-        <a:buFont typeface="Arial" panose="020B0604020202020204" pitchFamily="34" charset="0"/>
-        <a:buChar char="•"/>
+      <a:lvl6pPr marL="2286000" algn="l" defTabSz="457200" rtl="0" eaLnBrk="1" latinLnBrk="0" hangingPunct="1">
         <a:defRPr sz="1800" kern="1200">
           <a:solidFill>
             <a:schemeClr val="tx1"/>
@@ -3164,15 +3817,7 @@
           <a:cs typeface="+mn-cs"/>
         </a:defRPr>
       </a:lvl6pPr>
-      <a:lvl7pPr marL="2971800" indent="-228600" algn="l" defTabSz="914400" rtl="0" eaLnBrk="1" latinLnBrk="0" hangingPunct="1">
-        <a:lnSpc>
-          <a:spcPct val="90000"/>
-        </a:lnSpc>
-        <a:spcBef>
-          <a:spcPts val="500"/>
-        </a:spcBef>
-        <a:buFont typeface="Arial" panose="020B0604020202020204" pitchFamily="34" charset="0"/>
-        <a:buChar char="•"/>
+      <a:lvl7pPr marL="2743200" algn="l" defTabSz="457200" rtl="0" eaLnBrk="1" latinLnBrk="0" hangingPunct="1">
         <a:defRPr sz="1800" kern="1200">
           <a:solidFill>
             <a:schemeClr val="tx1"/>
@@ -3182,15 +3827,7 @@
           <a:cs typeface="+mn-cs"/>
         </a:defRPr>
       </a:lvl7pPr>
-      <a:lvl8pPr marL="3429000" indent="-228600" algn="l" defTabSz="914400" rtl="0" eaLnBrk="1" latinLnBrk="0" hangingPunct="1">
-        <a:lnSpc>
-          <a:spcPct val="90000"/>
-        </a:lnSpc>
-        <a:spcBef>
-          <a:spcPts val="500"/>
-        </a:spcBef>
-        <a:buFont typeface="Arial" panose="020B0604020202020204" pitchFamily="34" charset="0"/>
-        <a:buChar char="•"/>
+      <a:lvl8pPr marL="3200400" algn="l" defTabSz="457200" rtl="0" eaLnBrk="1" latinLnBrk="0" hangingPunct="1">
         <a:defRPr sz="1800" kern="1200">
           <a:solidFill>
             <a:schemeClr val="tx1"/>
@@ -3200,110 +3837,7 @@
           <a:cs typeface="+mn-cs"/>
         </a:defRPr>
       </a:lvl8pPr>
-      <a:lvl9pPr marL="3886200" indent="-228600" algn="l" defTabSz="914400" rtl="0" eaLnBrk="1" latinLnBrk="0" hangingPunct="1">
-        <a:lnSpc>
-          <a:spcPct val="90000"/>
-        </a:lnSpc>
-        <a:spcBef>
-          <a:spcPts val="500"/>
-        </a:spcBef>
-        <a:buFont typeface="Arial" panose="020B0604020202020204" pitchFamily="34" charset="0"/>
-        <a:buChar char="•"/>
-        <a:defRPr sz="1800" kern="1200">
-          <a:solidFill>
-            <a:schemeClr val="tx1"/>
-          </a:solidFill>
-          <a:latin typeface="+mn-lt"/>
-          <a:ea typeface="+mn-ea"/>
-          <a:cs typeface="+mn-cs"/>
-        </a:defRPr>
-      </a:lvl9pPr>
-    </p:bodyStyle>
-    <p:otherStyle>
-      <a:defPPr>
-        <a:defRPr lang="hu-HU"/>
-      </a:defPPr>
-      <a:lvl1pPr marL="0" algn="l" defTabSz="914400" rtl="0" eaLnBrk="1" latinLnBrk="0" hangingPunct="1">
-        <a:defRPr sz="1800" kern="1200">
-          <a:solidFill>
-            <a:schemeClr val="tx1"/>
-          </a:solidFill>
-          <a:latin typeface="+mn-lt"/>
-          <a:ea typeface="+mn-ea"/>
-          <a:cs typeface="+mn-cs"/>
-        </a:defRPr>
-      </a:lvl1pPr>
-      <a:lvl2pPr marL="457200" algn="l" defTabSz="914400" rtl="0" eaLnBrk="1" latinLnBrk="0" hangingPunct="1">
-        <a:defRPr sz="1800" kern="1200">
-          <a:solidFill>
-            <a:schemeClr val="tx1"/>
-          </a:solidFill>
-          <a:latin typeface="+mn-lt"/>
-          <a:ea typeface="+mn-ea"/>
-          <a:cs typeface="+mn-cs"/>
-        </a:defRPr>
-      </a:lvl2pPr>
-      <a:lvl3pPr marL="914400" algn="l" defTabSz="914400" rtl="0" eaLnBrk="1" latinLnBrk="0" hangingPunct="1">
-        <a:defRPr sz="1800" kern="1200">
-          <a:solidFill>
-            <a:schemeClr val="tx1"/>
-          </a:solidFill>
-          <a:latin typeface="+mn-lt"/>
-          <a:ea typeface="+mn-ea"/>
-          <a:cs typeface="+mn-cs"/>
-        </a:defRPr>
-      </a:lvl3pPr>
-      <a:lvl4pPr marL="1371600" algn="l" defTabSz="914400" rtl="0" eaLnBrk="1" latinLnBrk="0" hangingPunct="1">
-        <a:defRPr sz="1800" kern="1200">
-          <a:solidFill>
-            <a:schemeClr val="tx1"/>
-          </a:solidFill>
-          <a:latin typeface="+mn-lt"/>
-          <a:ea typeface="+mn-ea"/>
-          <a:cs typeface="+mn-cs"/>
-        </a:defRPr>
-      </a:lvl4pPr>
-      <a:lvl5pPr marL="1828800" algn="l" defTabSz="914400" rtl="0" eaLnBrk="1" latinLnBrk="0" hangingPunct="1">
-        <a:defRPr sz="1800" kern="1200">
-          <a:solidFill>
-            <a:schemeClr val="tx1"/>
-          </a:solidFill>
-          <a:latin typeface="+mn-lt"/>
-          <a:ea typeface="+mn-ea"/>
-          <a:cs typeface="+mn-cs"/>
-        </a:defRPr>
-      </a:lvl5pPr>
-      <a:lvl6pPr marL="2286000" algn="l" defTabSz="914400" rtl="0" eaLnBrk="1" latinLnBrk="0" hangingPunct="1">
-        <a:defRPr sz="1800" kern="1200">
-          <a:solidFill>
-            <a:schemeClr val="tx1"/>
-          </a:solidFill>
-          <a:latin typeface="+mn-lt"/>
-          <a:ea typeface="+mn-ea"/>
-          <a:cs typeface="+mn-cs"/>
-        </a:defRPr>
-      </a:lvl6pPr>
-      <a:lvl7pPr marL="2743200" algn="l" defTabSz="914400" rtl="0" eaLnBrk="1" latinLnBrk="0" hangingPunct="1">
-        <a:defRPr sz="1800" kern="1200">
-          <a:solidFill>
-            <a:schemeClr val="tx1"/>
-          </a:solidFill>
-          <a:latin typeface="+mn-lt"/>
-          <a:ea typeface="+mn-ea"/>
-          <a:cs typeface="+mn-cs"/>
-        </a:defRPr>
-      </a:lvl7pPr>
-      <a:lvl8pPr marL="3200400" algn="l" defTabSz="914400" rtl="0" eaLnBrk="1" latinLnBrk="0" hangingPunct="1">
-        <a:defRPr sz="1800" kern="1200">
-          <a:solidFill>
-            <a:schemeClr val="tx1"/>
-          </a:solidFill>
-          <a:latin typeface="+mn-lt"/>
-          <a:ea typeface="+mn-ea"/>
-          <a:cs typeface="+mn-cs"/>
-        </a:defRPr>
-      </a:lvl8pPr>
-      <a:lvl9pPr marL="3657600" algn="l" defTabSz="914400" rtl="0" eaLnBrk="1" latinLnBrk="0" hangingPunct="1">
+      <a:lvl9pPr marL="3657600" algn="l" defTabSz="457200" rtl="0" eaLnBrk="1" latinLnBrk="0" hangingPunct="1">
         <a:defRPr sz="1800" kern="1200">
           <a:solidFill>
             <a:schemeClr val="tx1"/>
@@ -3351,15 +3885,27 @@
             <p:ph type="ctrTitle"/>
           </p:nvPr>
         </p:nvSpPr>
-        <p:spPr/>
+        <p:spPr>
+          <a:xfrm>
+            <a:off x="1409700" y="1719263"/>
+            <a:ext cx="9144000" cy="2387600"/>
+          </a:xfrm>
+        </p:spPr>
         <p:txBody>
           <a:bodyPr>
-            <a:normAutofit fontScale="90000"/>
+            <a:normAutofit/>
           </a:bodyPr>
           <a:lstStyle/>
           <a:p>
             <a:r>
-              <a:rPr lang="hu-HU" dirty="0"/>
+              <a:rPr lang="hu-HU" dirty="0">
+                <a:solidFill>
+                  <a:schemeClr val="accent1">
+                    <a:lumMod val="50000"/>
+                  </a:schemeClr>
+                </a:solidFill>
+                <a:latin typeface="Arial Black" panose="020B0A04020102020204" pitchFamily="34" charset="0"/>
+              </a:rPr>
               <a:t>Hálózati Infrastruktúra Tervezése és Kivitelezése</a:t>
             </a:r>
             <a:br>
@@ -3400,31 +3946,51 @@
         </p:spPr>
         <p:txBody>
           <a:bodyPr>
-            <a:normAutofit lnSpcReduction="10000"/>
+            <a:normAutofit/>
           </a:bodyPr>
           <a:lstStyle/>
           <a:p>
             <a:r>
-              <a:rPr lang="hu-HU" b="1" u="sng" dirty="0"/>
+              <a:rPr lang="hu-HU" b="1" u="sng" dirty="0">
+                <a:solidFill>
+                  <a:schemeClr val="bg1"/>
+                </a:solidFill>
+              </a:rPr>
               <a:t>Készítették:</a:t>
             </a:r>
-            <a:endParaRPr lang="hu-HU" dirty="0"/>
-          </a:p>
-          <a:p>
-            <a:r>
-              <a:rPr lang="hu-HU" dirty="0"/>
+            <a:endParaRPr lang="hu-HU" dirty="0">
+              <a:solidFill>
+                <a:schemeClr val="bg1"/>
+              </a:solidFill>
+            </a:endParaRPr>
+          </a:p>
+          <a:p>
+            <a:r>
+              <a:rPr lang="hu-HU" dirty="0">
+                <a:solidFill>
+                  <a:schemeClr val="bg1"/>
+                </a:solidFill>
+              </a:rPr>
               <a:t>Berki Dorina</a:t>
             </a:r>
           </a:p>
           <a:p>
             <a:r>
-              <a:rPr lang="hu-HU" dirty="0"/>
+              <a:rPr lang="hu-HU" dirty="0">
+                <a:solidFill>
+                  <a:schemeClr val="bg1"/>
+                </a:solidFill>
+              </a:rPr>
               <a:t>Csépányi Bárdos Letícia</a:t>
             </a:r>
           </a:p>
           <a:p>
             <a:r>
-              <a:rPr lang="hu-HU" dirty="0"/>
+              <a:rPr lang="hu-HU" dirty="0">
+                <a:solidFill>
+                  <a:schemeClr val="bg1"/>
+                </a:solidFill>
+              </a:rPr>
               <a:t>Budai József</a:t>
             </a:r>
           </a:p>
@@ -3437,108 +4003,6 @@
     <p:extLst>
       <p:ext uri="{BB962C8B-B14F-4D97-AF65-F5344CB8AC3E}">
         <p14:creationId xmlns:p14="http://schemas.microsoft.com/office/powerpoint/2010/main" val="2918800525"/>
-      </p:ext>
-    </p:extLst>
-  </p:cSld>
-  <p:clrMapOvr>
-    <a:masterClrMapping/>
-  </p:clrMapOvr>
-</p:sld>
-</file>
-
-<file path=ppt/slides/slide10.xml><?xml version="1.0" encoding="utf-8"?>
-<p:sld xmlns:a="http://schemas.openxmlformats.org/drawingml/2006/main" xmlns:r="http://schemas.openxmlformats.org/officeDocument/2006/relationships" xmlns:p="http://schemas.openxmlformats.org/presentationml/2006/main">
-  <p:cSld>
-    <p:spTree>
-      <p:nvGrpSpPr>
-        <p:cNvPr id="1" name=""/>
-        <p:cNvGrpSpPr/>
-        <p:nvPr/>
-      </p:nvGrpSpPr>
-      <p:grpSpPr>
-        <a:xfrm>
-          <a:off x="0" y="0"/>
-          <a:ext cx="0" cy="0"/>
-          <a:chOff x="0" y="0"/>
-          <a:chExt cx="0" cy="0"/>
-        </a:xfrm>
-      </p:grpSpPr>
-      <p:sp>
-        <p:nvSpPr>
-          <p:cNvPr id="2" name="Cím 1">
-            <a:extLst>
-              <a:ext uri="{FF2B5EF4-FFF2-40B4-BE49-F238E27FC236}">
-                <a16:creationId xmlns:a16="http://schemas.microsoft.com/office/drawing/2014/main" id="{9850F69A-C33D-4417-BD1D-4EA85A84AFA3}"/>
-              </a:ext>
-            </a:extLst>
-          </p:cNvPr>
-          <p:cNvSpPr>
-            <a:spLocks noGrp="1"/>
-          </p:cNvSpPr>
-          <p:nvPr>
-            <p:ph type="title"/>
-          </p:nvPr>
-        </p:nvSpPr>
-        <p:spPr/>
-        <p:txBody>
-          <a:bodyPr/>
-          <a:lstStyle/>
-          <a:p>
-            <a:r>
-              <a:rPr lang="hu-HU" b="1" dirty="0"/>
-              <a:t>Csoportmunka felosztás</a:t>
-            </a:r>
-            <a:br>
-              <a:rPr lang="hu-HU" b="1" dirty="0"/>
-            </a:br>
-            <a:endParaRPr lang="hu-HU" dirty="0"/>
-          </a:p>
-        </p:txBody>
-      </p:sp>
-      <p:sp>
-        <p:nvSpPr>
-          <p:cNvPr id="3" name="Tartalom helye 2">
-            <a:extLst>
-              <a:ext uri="{FF2B5EF4-FFF2-40B4-BE49-F238E27FC236}">
-                <a16:creationId xmlns:a16="http://schemas.microsoft.com/office/drawing/2014/main" id="{111F7944-3311-4C2E-AC25-C82C0EC8185D}"/>
-              </a:ext>
-            </a:extLst>
-          </p:cNvPr>
-          <p:cNvSpPr>
-            <a:spLocks noGrp="1"/>
-          </p:cNvSpPr>
-          <p:nvPr>
-            <p:ph idx="1"/>
-          </p:nvPr>
-        </p:nvSpPr>
-        <p:spPr/>
-        <p:txBody>
-          <a:bodyPr/>
-          <a:lstStyle/>
-          <a:p>
-            <a:r>
-              <a:rPr lang="hu-HU" dirty="0"/>
-              <a:t>Berki Dorina</a:t>
-            </a:r>
-          </a:p>
-          <a:p>
-            <a:r>
-              <a:rPr lang="hu-HU" dirty="0"/>
-              <a:t>Csépányi Bárdos Letícia</a:t>
-            </a:r>
-          </a:p>
-          <a:p>
-            <a:r>
-              <a:rPr lang="hu-HU" dirty="0"/>
-              <a:t>Budai József</a:t>
-            </a:r>
-          </a:p>
-        </p:txBody>
-      </p:sp>
-    </p:spTree>
-    <p:extLst>
-      <p:ext uri="{BB962C8B-B14F-4D97-AF65-F5344CB8AC3E}">
-        <p14:creationId xmlns:p14="http://schemas.microsoft.com/office/powerpoint/2010/main" val="2494027835"/>
       </p:ext>
     </p:extLst>
   </p:cSld>
@@ -3581,13 +4045,23 @@
             <p:ph type="title"/>
           </p:nvPr>
         </p:nvSpPr>
-        <p:spPr/>
+        <p:spPr>
+          <a:xfrm>
+            <a:off x="581192" y="702156"/>
+            <a:ext cx="11029616" cy="1013800"/>
+          </a:xfrm>
+        </p:spPr>
         <p:txBody>
           <a:bodyPr/>
           <a:lstStyle/>
           <a:p>
             <a:r>
-              <a:rPr lang="hu-HU" b="1" dirty="0"/>
+              <a:rPr lang="hu-HU" b="1" dirty="0">
+                <a:solidFill>
+                  <a:schemeClr val="bg2"/>
+                </a:solidFill>
+                <a:latin typeface="Arial Black" panose="020B0A04020102020204" pitchFamily="34" charset="0"/>
+              </a:rPr>
               <a:t>Bevezető</a:t>
             </a:r>
             <a:br>
@@ -3627,7 +4101,13 @@
               <a:buNone/>
             </a:pPr>
             <a:r>
-              <a:rPr lang="hu-HU" dirty="0"/>
+              <a:rPr lang="hu-HU" sz="2000" dirty="0">
+                <a:solidFill>
+                  <a:schemeClr val="tx1"/>
+                </a:solidFill>
+                <a:latin typeface="Times New Roman" panose="02020603050405020304" pitchFamily="18" charset="0"/>
+                <a:cs typeface="Times New Roman" panose="02020603050405020304" pitchFamily="18" charset="0"/>
+              </a:rPr>
               <a:t>A feladatunk egy közepes méretű vállalat három telephelyének hálózati infrastruktúráját  megtervezni, megvalósítani és tesztelni.  A feladat során számos fontos szempontot kell figyelembe venni annak érdekében, hogy a rendszer támogassa a vállalat összes üzleti és technikai igényét. A cél egy stabil, biztonságos és skálázható hálózat kiépítése, amely képes biztosítani az üzleti műveletek zavartalan működését és az alkalmazottak hatékony munkavégzését, akár a telephelyeken, akár távoli elérés során.</a:t>
             </a:r>
           </a:p>
@@ -3688,7 +4168,12 @@
           <a:lstStyle/>
           <a:p>
             <a:r>
-              <a:rPr lang="hu-HU" b="1" dirty="0"/>
+              <a:rPr lang="hu-HU" b="1" dirty="0">
+                <a:solidFill>
+                  <a:schemeClr val="bg2"/>
+                </a:solidFill>
+                <a:latin typeface="Arial Black" panose="020B0A04020102020204" pitchFamily="34" charset="0"/>
+              </a:rPr>
               <a:t>Eszközök</a:t>
             </a:r>
             <a:br>
@@ -3726,7 +4211,7 @@
         </p:blipFill>
         <p:spPr>
           <a:xfrm>
-            <a:off x="685799" y="1690688"/>
+            <a:off x="685798" y="1874523"/>
             <a:ext cx="3657601" cy="2590800"/>
           </a:xfrm>
           <a:prstGeom prst="rect">
@@ -3762,7 +4247,7 @@
         </p:blipFill>
         <p:spPr>
           <a:xfrm>
-            <a:off x="8128000" y="774700"/>
+            <a:off x="7953206" y="1880108"/>
             <a:ext cx="3657602" cy="3213100"/>
           </a:xfrm>
           <a:prstGeom prst="rect">
@@ -3820,7 +4305,7 @@
         </p:nvSpPr>
         <p:spPr>
           <a:xfrm>
-            <a:off x="1752211" y="4397662"/>
+            <a:off x="1752211" y="4623890"/>
             <a:ext cx="1524776" cy="405367"/>
           </a:xfrm>
           <a:prstGeom prst="rect">
@@ -3903,7 +4388,7 @@
         </p:nvSpPr>
         <p:spPr>
           <a:xfrm>
-            <a:off x="9059696" y="3618468"/>
+            <a:off x="9059696" y="4523746"/>
             <a:ext cx="1794209" cy="369332"/>
           </a:xfrm>
           <a:prstGeom prst="rect">
@@ -4071,8 +4556,20 @@
           <a:lstStyle/>
           <a:p>
             <a:r>
+              <a:rPr lang="hu-HU" b="1" dirty="0">
+                <a:latin typeface="Arial Black" panose="020B0A04020102020204" pitchFamily="34" charset="0"/>
+              </a:rPr>
+              <a:t>Fizikai</a:t>
+            </a:r>
+            <a:r>
               <a:rPr lang="hu-HU" b="1" dirty="0"/>
-              <a:t>Fizikai topológia</a:t>
+              <a:t> </a:t>
+            </a:r>
+            <a:r>
+              <a:rPr lang="hu-HU" b="1" dirty="0">
+                <a:latin typeface="Arial Black" panose="020B0A04020102020204" pitchFamily="34" charset="0"/>
+              </a:rPr>
+              <a:t>topológia</a:t>
             </a:r>
             <a:br>
               <a:rPr lang="hu-HU" b="1" dirty="0"/>
@@ -4081,31 +4578,41 @@
           </a:p>
         </p:txBody>
       </p:sp>
-      <p:sp>
-        <p:nvSpPr>
-          <p:cNvPr id="3" name="Tartalom helye 2">
+      <p:pic>
+        <p:nvPicPr>
+          <p:cNvPr id="5" name="Tartalom helye 4">
             <a:extLst>
               <a:ext uri="{FF2B5EF4-FFF2-40B4-BE49-F238E27FC236}">
-                <a16:creationId xmlns:a16="http://schemas.microsoft.com/office/drawing/2014/main" id="{2547454E-D9DC-4473-A5C6-5EB78DF393FD}"/>
+                <a16:creationId xmlns:a16="http://schemas.microsoft.com/office/drawing/2014/main" id="{EC637260-D506-4D1E-9129-13864C8CD4B5}"/>
               </a:ext>
             </a:extLst>
           </p:cNvPr>
-          <p:cNvSpPr>
-            <a:spLocks noGrp="1"/>
-          </p:cNvSpPr>
+          <p:cNvPicPr>
+            <a:picLocks noGrp="1" noChangeAspect="1"/>
+          </p:cNvPicPr>
           <p:nvPr>
             <p:ph idx="1"/>
           </p:nvPr>
-        </p:nvSpPr>
-        <p:spPr/>
-        <p:txBody>
-          <a:bodyPr/>
-          <a:lstStyle/>
-          <a:p>
-            <a:endParaRPr lang="hu-HU"/>
-          </a:p>
-        </p:txBody>
-      </p:sp>
+        </p:nvPicPr>
+        <p:blipFill>
+          <a:blip r:embed="rId2">
+            <a:extLst>
+              <a:ext uri="{28A0092B-C50C-407E-A947-70E740481C1C}">
+                <a14:useLocalDpi xmlns:a14="http://schemas.microsoft.com/office/drawing/2010/main" val="0"/>
+              </a:ext>
+            </a:extLst>
+          </a:blip>
+          <a:stretch>
+            <a:fillRect/>
+          </a:stretch>
+        </p:blipFill>
+        <p:spPr>
+          <a:xfrm>
+            <a:off x="1245577" y="2181225"/>
+            <a:ext cx="9700846" cy="3678238"/>
+          </a:xfrm>
+        </p:spPr>
+      </p:pic>
     </p:spTree>
     <p:extLst>
       <p:ext uri="{BB962C8B-B14F-4D97-AF65-F5344CB8AC3E}">
@@ -4158,7 +4665,9 @@
           <a:lstStyle/>
           <a:p>
             <a:r>
-              <a:rPr lang="hu-HU" b="1" dirty="0"/>
+              <a:rPr lang="hu-HU" b="1" dirty="0">
+                <a:latin typeface="Arial Black" panose="020B0A04020102020204" pitchFamily="34" charset="0"/>
+              </a:rPr>
               <a:t>Logikai topológia</a:t>
             </a:r>
             <a:br>
@@ -4192,7 +4701,7 @@
         </p:blipFill>
         <p:spPr>
           <a:xfrm>
-            <a:off x="2768600" y="1841500"/>
+            <a:off x="2736850" y="2071688"/>
             <a:ext cx="6718299" cy="2552700"/>
           </a:xfrm>
           <a:prstGeom prst="rect">
@@ -4214,7 +4723,7 @@
         </p:nvSpPr>
         <p:spPr>
           <a:xfrm>
-            <a:off x="4890457" y="4545012"/>
+            <a:off x="4865057" y="4786312"/>
             <a:ext cx="2195216" cy="646331"/>
           </a:xfrm>
           <a:prstGeom prst="rect">
@@ -4395,8 +4904,27 @@
           <a:lstStyle/>
           <a:p>
             <a:r>
-              <a:rPr lang="hu-HU" b="1" dirty="0"/>
-              <a:t>Eszközök konfigurálása</a:t>
+              <a:rPr lang="hu-HU" b="1" dirty="0">
+                <a:latin typeface="Arial Black" panose="020B0A04020102020204" pitchFamily="34" charset="0"/>
+              </a:rPr>
+              <a:t>Eszközök</a:t>
+            </a:r>
+            <a:r>
+              <a:rPr lang="hu-HU" b="1" dirty="0">
+                <a:solidFill>
+                  <a:schemeClr val="accent1">
+                    <a:lumMod val="50000"/>
+                  </a:schemeClr>
+                </a:solidFill>
+                <a:latin typeface="Arial Black" panose="020B0A04020102020204" pitchFamily="34" charset="0"/>
+              </a:rPr>
+              <a:t> </a:t>
+            </a:r>
+            <a:r>
+              <a:rPr lang="hu-HU" b="1" dirty="0">
+                <a:latin typeface="Arial Black" panose="020B0A04020102020204" pitchFamily="34" charset="0"/>
+              </a:rPr>
+              <a:t>konfigurálása</a:t>
             </a:r>
             <a:br>
               <a:rPr lang="hu-HU" b="1" dirty="0"/>
@@ -4421,12 +4949,104 @@
             <p:ph idx="1"/>
           </p:nvPr>
         </p:nvSpPr>
-        <p:spPr/>
+        <p:spPr>
+          <a:xfrm>
+            <a:off x="454192" y="1964596"/>
+            <a:ext cx="11029615" cy="3678303"/>
+          </a:xfrm>
+        </p:spPr>
         <p:txBody>
           <a:bodyPr/>
           <a:lstStyle/>
           <a:p>
-            <a:endParaRPr lang="hu-HU" dirty="0"/>
+            <a:pPr marL="0" indent="0">
+              <a:buNone/>
+            </a:pPr>
+            <a:r>
+              <a:rPr lang="hu-HU" sz="2000" b="1" dirty="0">
+                <a:solidFill>
+                  <a:schemeClr val="tx1"/>
+                </a:solidFill>
+                <a:latin typeface="Times New Roman" panose="02020603050405020304" pitchFamily="18" charset="0"/>
+                <a:cs typeface="Times New Roman" panose="02020603050405020304" pitchFamily="18" charset="0"/>
+              </a:rPr>
+              <a:t>Konfiguráláshoz</a:t>
+            </a:r>
+            <a:r>
+              <a:rPr lang="hu-HU" sz="2000" b="1" dirty="0">
+                <a:latin typeface="Times New Roman" panose="02020603050405020304" pitchFamily="18" charset="0"/>
+                <a:cs typeface="Times New Roman" panose="02020603050405020304" pitchFamily="18" charset="0"/>
+              </a:rPr>
+              <a:t> </a:t>
+            </a:r>
+            <a:r>
+              <a:rPr lang="hu-HU" sz="2000" b="1" dirty="0">
+                <a:solidFill>
+                  <a:schemeClr val="tx1"/>
+                </a:solidFill>
+                <a:latin typeface="Times New Roman" panose="02020603050405020304" pitchFamily="18" charset="0"/>
+                <a:cs typeface="Times New Roman" panose="02020603050405020304" pitchFamily="18" charset="0"/>
+              </a:rPr>
+              <a:t>használt technológiák</a:t>
+            </a:r>
+            <a:r>
+              <a:rPr lang="hu-HU" sz="2000" b="1" dirty="0">
+                <a:latin typeface="Times New Roman" panose="02020603050405020304" pitchFamily="18" charset="0"/>
+                <a:cs typeface="Times New Roman" panose="02020603050405020304" pitchFamily="18" charset="0"/>
+              </a:rPr>
+              <a:t>:</a:t>
+            </a:r>
+          </a:p>
+          <a:p>
+            <a:pPr marL="0" indent="0">
+              <a:buNone/>
+            </a:pPr>
+            <a:endParaRPr lang="hu-HU" dirty="0">
+              <a:latin typeface="Times New Roman" panose="02020603050405020304" pitchFamily="18" charset="0"/>
+              <a:cs typeface="Times New Roman" panose="02020603050405020304" pitchFamily="18" charset="0"/>
+            </a:endParaRPr>
+          </a:p>
+          <a:p>
+            <a:pPr>
+              <a:buFont typeface="Wingdings" panose="05000000000000000000" pitchFamily="2" charset="2"/>
+              <a:buChar char="§"/>
+            </a:pPr>
+            <a:r>
+              <a:rPr lang="hu-HU" dirty="0">
+                <a:solidFill>
+                  <a:schemeClr val="tx1"/>
+                </a:solidFill>
+                <a:latin typeface="Times New Roman" panose="02020603050405020304" pitchFamily="18" charset="0"/>
+                <a:cs typeface="Times New Roman" panose="02020603050405020304" pitchFamily="18" charset="0"/>
+              </a:rPr>
+              <a:t>VLAN-ok,</a:t>
+            </a:r>
+          </a:p>
+          <a:p>
+            <a:pPr>
+              <a:buFont typeface="Wingdings" panose="05000000000000000000" pitchFamily="2" charset="2"/>
+              <a:buChar char="§"/>
+            </a:pPr>
+            <a:r>
+              <a:rPr lang="hu-HU" dirty="0">
+                <a:solidFill>
+                  <a:schemeClr val="tx1"/>
+                </a:solidFill>
+                <a:latin typeface="Times New Roman" panose="02020603050405020304" pitchFamily="18" charset="0"/>
+                <a:cs typeface="Times New Roman" panose="02020603050405020304" pitchFamily="18" charset="0"/>
+              </a:rPr>
+              <a:t>HSRP,</a:t>
+            </a:r>
+          </a:p>
+          <a:p>
+            <a:pPr>
+              <a:buFont typeface="Wingdings" panose="05000000000000000000" pitchFamily="2" charset="2"/>
+              <a:buChar char="§"/>
+            </a:pPr>
+            <a:endParaRPr lang="hu-HU" dirty="0">
+              <a:latin typeface="Times New Roman" panose="02020603050405020304" pitchFamily="18" charset="0"/>
+              <a:cs typeface="Times New Roman" panose="02020603050405020304" pitchFamily="18" charset="0"/>
+            </a:endParaRPr>
           </a:p>
         </p:txBody>
       </p:sp>
@@ -4465,7 +5085,7 @@
           <p:cNvPr id="2" name="Cím 1">
             <a:extLst>
               <a:ext uri="{FF2B5EF4-FFF2-40B4-BE49-F238E27FC236}">
-                <a16:creationId xmlns:a16="http://schemas.microsoft.com/office/drawing/2014/main" id="{7CCEAC38-35B3-4F0B-9189-DE532903D0AF}"/>
+                <a16:creationId xmlns:a16="http://schemas.microsoft.com/office/drawing/2014/main" id="{4E12CF26-E3B6-4F1C-95A3-DB87274E10E2}"/>
               </a:ext>
             </a:extLst>
           </p:cNvPr>
@@ -4478,12 +5098,19 @@
         </p:nvSpPr>
         <p:spPr/>
         <p:txBody>
-          <a:bodyPr/>
+          <a:bodyPr>
+            <a:normAutofit fontScale="90000"/>
+          </a:bodyPr>
           <a:lstStyle/>
           <a:p>
             <a:r>
-              <a:rPr lang="hu-HU" b="1" dirty="0"/>
-              <a:t>Szerverek konfigurálása</a:t>
+              <a:rPr lang="hu-HU" b="1" dirty="0">
+                <a:solidFill>
+                  <a:schemeClr val="bg2"/>
+                </a:solidFill>
+                <a:latin typeface="Arial Black" panose="020B0A04020102020204" pitchFamily="34" charset="0"/>
+              </a:rPr>
+              <a:t>Active Directory szolgáltatások Cisco szerveren</a:t>
             </a:r>
             <a:br>
               <a:rPr lang="hu-HU" b="1" dirty="0"/>
@@ -4497,7 +5124,7 @@
           <p:cNvPr id="3" name="Tartalom helye 2">
             <a:extLst>
               <a:ext uri="{FF2B5EF4-FFF2-40B4-BE49-F238E27FC236}">
-                <a16:creationId xmlns:a16="http://schemas.microsoft.com/office/drawing/2014/main" id="{2901131A-45E8-460C-A1EB-7F0CB7CBD347}"/>
+                <a16:creationId xmlns:a16="http://schemas.microsoft.com/office/drawing/2014/main" id="{FF1EBA0D-7D8F-44A8-A181-BA3D549A8DCE}"/>
               </a:ext>
             </a:extLst>
           </p:cNvPr>
@@ -4520,7 +5147,7 @@
     </p:spTree>
     <p:extLst>
       <p:ext uri="{BB962C8B-B14F-4D97-AF65-F5344CB8AC3E}">
-        <p14:creationId xmlns:p14="http://schemas.microsoft.com/office/powerpoint/2010/main" val="2994732845"/>
+        <p14:creationId xmlns:p14="http://schemas.microsoft.com/office/powerpoint/2010/main" val="2265061105"/>
       </p:ext>
     </p:extLst>
   </p:cSld>
@@ -4552,7 +5179,7 @@
           <p:cNvPr id="2" name="Cím 1">
             <a:extLst>
               <a:ext uri="{FF2B5EF4-FFF2-40B4-BE49-F238E27FC236}">
-                <a16:creationId xmlns:a16="http://schemas.microsoft.com/office/drawing/2014/main" id="{4E12CF26-E3B6-4F1C-95A3-DB87274E10E2}"/>
+                <a16:creationId xmlns:a16="http://schemas.microsoft.com/office/drawing/2014/main" id="{9850F69A-C33D-4417-BD1D-4EA85A84AFA3}"/>
               </a:ext>
             </a:extLst>
           </p:cNvPr>
@@ -4569,20 +5196,10 @@
           <a:lstStyle/>
           <a:p>
             <a:r>
-              <a:rPr lang="hu-HU" b="1" dirty="0" err="1"/>
-              <a:t>Active</a:t>
-            </a:r>
-            <a:r>
-              <a:rPr lang="hu-HU" b="1" dirty="0"/>
-              <a:t> </a:t>
-            </a:r>
-            <a:r>
-              <a:rPr lang="hu-HU" b="1" dirty="0" err="1"/>
-              <a:t>Directory</a:t>
-            </a:r>
-            <a:r>
-              <a:rPr lang="hu-HU" b="1" dirty="0"/>
-              <a:t> szolgáltatások Cisco szerveren</a:t>
+              <a:rPr lang="hu-HU" b="1" dirty="0">
+                <a:latin typeface="Arial Black" panose="020B0A04020102020204" pitchFamily="34" charset="0"/>
+              </a:rPr>
+              <a:t>Csoportmunka felosztás</a:t>
             </a:r>
             <a:br>
               <a:rPr lang="hu-HU" b="1" dirty="0"/>
@@ -4596,7 +5213,7 @@
           <p:cNvPr id="3" name="Tartalom helye 2">
             <a:extLst>
               <a:ext uri="{FF2B5EF4-FFF2-40B4-BE49-F238E27FC236}">
-                <a16:creationId xmlns:a16="http://schemas.microsoft.com/office/drawing/2014/main" id="{FF1EBA0D-7D8F-44A8-A181-BA3D549A8DCE}"/>
+                <a16:creationId xmlns:a16="http://schemas.microsoft.com/office/drawing/2014/main" id="{111F7944-3311-4C2E-AC25-C82C0EC8185D}"/>
               </a:ext>
             </a:extLst>
           </p:cNvPr>
@@ -4609,17 +5226,76 @@
         </p:nvSpPr>
         <p:spPr/>
         <p:txBody>
-          <a:bodyPr/>
+          <a:bodyPr>
+            <a:normAutofit/>
+          </a:bodyPr>
           <a:lstStyle/>
           <a:p>
-            <a:endParaRPr lang="hu-HU"/>
+            <a:r>
+              <a:rPr lang="hu-HU" sz="2000" b="1" dirty="0">
+                <a:solidFill>
+                  <a:schemeClr val="tx1"/>
+                </a:solidFill>
+                <a:latin typeface="Times New Roman" panose="02020603050405020304" pitchFamily="18" charset="0"/>
+                <a:cs typeface="Times New Roman" panose="02020603050405020304" pitchFamily="18" charset="0"/>
+              </a:rPr>
+              <a:t>Berki Dorina:</a:t>
+            </a:r>
+          </a:p>
+          <a:p>
+            <a:pPr marL="0" indent="0">
+              <a:buNone/>
+            </a:pPr>
+            <a:endParaRPr lang="hu-HU" sz="2000" b="1" dirty="0">
+              <a:solidFill>
+                <a:schemeClr val="tx1"/>
+              </a:solidFill>
+              <a:latin typeface="Times New Roman" panose="02020603050405020304" pitchFamily="18" charset="0"/>
+              <a:cs typeface="Times New Roman" panose="02020603050405020304" pitchFamily="18" charset="0"/>
+            </a:endParaRPr>
+          </a:p>
+          <a:p>
+            <a:r>
+              <a:rPr lang="hu-HU" sz="2000" b="1" dirty="0">
+                <a:solidFill>
+                  <a:schemeClr val="tx1"/>
+                </a:solidFill>
+                <a:latin typeface="Times New Roman" panose="02020603050405020304" pitchFamily="18" charset="0"/>
+                <a:cs typeface="Times New Roman" panose="02020603050405020304" pitchFamily="18" charset="0"/>
+              </a:rPr>
+              <a:t>Csépányi Bárdos Letícia:</a:t>
+            </a:r>
+          </a:p>
+          <a:p>
+            <a:pPr marL="0" indent="0">
+              <a:buNone/>
+            </a:pPr>
+            <a:endParaRPr lang="hu-HU" sz="2000" b="1" dirty="0">
+              <a:solidFill>
+                <a:schemeClr val="tx1"/>
+              </a:solidFill>
+              <a:latin typeface="Times New Roman" panose="02020603050405020304" pitchFamily="18" charset="0"/>
+              <a:cs typeface="Times New Roman" panose="02020603050405020304" pitchFamily="18" charset="0"/>
+            </a:endParaRPr>
+          </a:p>
+          <a:p>
+            <a:r>
+              <a:rPr lang="hu-HU" sz="2000" b="1" dirty="0">
+                <a:solidFill>
+                  <a:schemeClr val="tx1"/>
+                </a:solidFill>
+                <a:latin typeface="Times New Roman" panose="02020603050405020304" pitchFamily="18" charset="0"/>
+                <a:cs typeface="Times New Roman" panose="02020603050405020304" pitchFamily="18" charset="0"/>
+              </a:rPr>
+              <a:t>Budai József:</a:t>
+            </a:r>
           </a:p>
         </p:txBody>
       </p:sp>
     </p:spTree>
     <p:extLst>
       <p:ext uri="{BB962C8B-B14F-4D97-AF65-F5344CB8AC3E}">
-        <p14:creationId xmlns:p14="http://schemas.microsoft.com/office/powerpoint/2010/main" val="2265061105"/>
+        <p14:creationId xmlns:p14="http://schemas.microsoft.com/office/powerpoint/2010/main" val="2494027835"/>
       </p:ext>
     </p:extLst>
   </p:cSld>
@@ -4630,9 +5306,9 @@
 </file>
 
 <file path=ppt/theme/theme1.xml><?xml version="1.0" encoding="utf-8"?>
-<a:theme xmlns:a="http://schemas.openxmlformats.org/drawingml/2006/main" name="Office-téma">
+<a:theme xmlns:a="http://schemas.openxmlformats.org/drawingml/2006/main" name="Osztalék">
   <a:themeElements>
-    <a:clrScheme name="Office">
+    <a:clrScheme name="Osztalék">
       <a:dk1>
         <a:sysClr val="windowText" lastClr="000000"/>
       </a:dk1>
@@ -4640,98 +5316,48 @@
         <a:sysClr val="window" lastClr="FFFFFF"/>
       </a:lt1>
       <a:dk2>
-        <a:srgbClr val="44546A"/>
+        <a:srgbClr val="3D3D3D"/>
       </a:dk2>
       <a:lt2>
-        <a:srgbClr val="E7E6E6"/>
+        <a:srgbClr val="EBEBEB"/>
       </a:lt2>
       <a:accent1>
-        <a:srgbClr val="4472C4"/>
+        <a:srgbClr val="1A3260"/>
       </a:accent1>
       <a:accent2>
-        <a:srgbClr val="ED7D31"/>
+        <a:srgbClr val="4590B8"/>
       </a:accent2>
       <a:accent3>
-        <a:srgbClr val="A5A5A5"/>
+        <a:srgbClr val="45CBE8"/>
       </a:accent3>
       <a:accent4>
-        <a:srgbClr val="FFC000"/>
+        <a:srgbClr val="969FA7"/>
       </a:accent4>
       <a:accent5>
-        <a:srgbClr val="5B9BD5"/>
+        <a:srgbClr val="A2C777"/>
       </a:accent5>
       <a:accent6>
-        <a:srgbClr val="70AD47"/>
+        <a:srgbClr val="42955F"/>
       </a:accent6>
       <a:hlink>
-        <a:srgbClr val="0563C1"/>
+        <a:srgbClr val="828282"/>
       </a:hlink>
       <a:folHlink>
-        <a:srgbClr val="954F72"/>
+        <a:srgbClr val="A5A5A5"/>
       </a:folHlink>
     </a:clrScheme>
-    <a:fontScheme name="Office">
+    <a:fontScheme name="Osztalék">
       <a:majorFont>
-        <a:latin typeface="Calibri Light" panose="020F0302020204030204"/>
+        <a:latin typeface="Gill Sans MT" panose="020B0502020104020203"/>
         <a:ea typeface=""/>
         <a:cs typeface=""/>
-        <a:font script="Jpan" typeface="游ゴシック Light"/>
-        <a:font script="Hang" typeface="맑은 고딕"/>
-        <a:font script="Hans" typeface="等线 Light"/>
-        <a:font script="Hant" typeface="新細明體"/>
-        <a:font script="Arab" typeface="Times New Roman"/>
-        <a:font script="Hebr" typeface="Times New Roman"/>
-        <a:font script="Thai" typeface="Angsana New"/>
-        <a:font script="Ethi" typeface="Nyala"/>
-        <a:font script="Beng" typeface="Vrinda"/>
-        <a:font script="Gujr" typeface="Shruti"/>
-        <a:font script="Khmr" typeface="MoolBoran"/>
-        <a:font script="Knda" typeface="Tunga"/>
-        <a:font script="Guru" typeface="Raavi"/>
-        <a:font script="Cans" typeface="Euphemia"/>
-        <a:font script="Cher" typeface="Plantagenet Cherokee"/>
-        <a:font script="Yiii" typeface="Microsoft Yi Baiti"/>
-        <a:font script="Tibt" typeface="Microsoft Himalaya"/>
-        <a:font script="Thaa" typeface="MV Boli"/>
-        <a:font script="Deva" typeface="Mangal"/>
-        <a:font script="Telu" typeface="Gautami"/>
-        <a:font script="Taml" typeface="Latha"/>
-        <a:font script="Syrc" typeface="Estrangelo Edessa"/>
-        <a:font script="Orya" typeface="Kalinga"/>
-        <a:font script="Mlym" typeface="Kartika"/>
-        <a:font script="Laoo" typeface="DokChampa"/>
-        <a:font script="Sinh" typeface="Iskoola Pota"/>
-        <a:font script="Mong" typeface="Mongolian Baiti"/>
-        <a:font script="Viet" typeface="Times New Roman"/>
-        <a:font script="Uigh" typeface="Microsoft Uighur"/>
-        <a:font script="Geor" typeface="Sylfaen"/>
-        <a:font script="Armn" typeface="Arial"/>
-        <a:font script="Bugi" typeface="Leelawadee UI"/>
-        <a:font script="Bopo" typeface="Microsoft JhengHei"/>
-        <a:font script="Java" typeface="Javanese Text"/>
-        <a:font script="Lisu" typeface="Segoe UI"/>
-        <a:font script="Mymr" typeface="Myanmar Text"/>
-        <a:font script="Nkoo" typeface="Ebrima"/>
-        <a:font script="Olck" typeface="Nirmala UI"/>
-        <a:font script="Osma" typeface="Ebrima"/>
-        <a:font script="Phag" typeface="Phagspa"/>
-        <a:font script="Syrn" typeface="Estrangelo Edessa"/>
-        <a:font script="Syrj" typeface="Estrangelo Edessa"/>
-        <a:font script="Syre" typeface="Estrangelo Edessa"/>
-        <a:font script="Sora" typeface="Nirmala UI"/>
-        <a:font script="Tale" typeface="Microsoft Tai Le"/>
-        <a:font script="Talu" typeface="Microsoft New Tai Lue"/>
-        <a:font script="Tfng" typeface="Ebrima"/>
-      </a:majorFont>
-      <a:minorFont>
-        <a:latin typeface="Calibri" panose="020F0502020204030204"/>
-        <a:ea typeface=""/>
-        <a:cs typeface=""/>
-        <a:font script="Jpan" typeface="游ゴシック"/>
-        <a:font script="Hang" typeface="맑은 고딕"/>
-        <a:font script="Hans" typeface="等线"/>
-        <a:font script="Hant" typeface="新細明體"/>
-        <a:font script="Arab" typeface="Arial"/>
+        <a:font script="Grek" typeface="Corbel"/>
+        <a:font script="Cyrl" typeface="Corbel"/>
+        <a:font script="Jpan" typeface="HGｺﾞｼｯｸE"/>
+        <a:font script="Hang" typeface="휴먼매직체"/>
+        <a:font script="Hans" typeface="华文中宋"/>
+        <a:font script="Hant" typeface="微軟正黑體"/>
+        <a:font script="Arab" typeface="Majalla UI"/>
         <a:font script="Hebr" typeface="Arial"/>
         <a:font script="Thai" typeface="Cordia New"/>
         <a:font script="Ethi" typeface="Nyala"/>
@@ -4754,29 +5380,49 @@
         <a:font script="Laoo" typeface="DokChampa"/>
         <a:font script="Sinh" typeface="Iskoola Pota"/>
         <a:font script="Mong" typeface="Mongolian Baiti"/>
-        <a:font script="Viet" typeface="Arial"/>
+        <a:font script="Viet" typeface="Tahoma"/>
         <a:font script="Uigh" typeface="Microsoft Uighur"/>
         <a:font script="Geor" typeface="Sylfaen"/>
-        <a:font script="Armn" typeface="Arial"/>
-        <a:font script="Bugi" typeface="Leelawadee UI"/>
-        <a:font script="Bopo" typeface="Microsoft JhengHei"/>
-        <a:font script="Java" typeface="Javanese Text"/>
-        <a:font script="Lisu" typeface="Segoe UI"/>
-        <a:font script="Mymr" typeface="Myanmar Text"/>
-        <a:font script="Nkoo" typeface="Ebrima"/>
-        <a:font script="Olck" typeface="Nirmala UI"/>
-        <a:font script="Osma" typeface="Ebrima"/>
-        <a:font script="Phag" typeface="Phagspa"/>
-        <a:font script="Syrn" typeface="Estrangelo Edessa"/>
-        <a:font script="Syrj" typeface="Estrangelo Edessa"/>
-        <a:font script="Syre" typeface="Estrangelo Edessa"/>
-        <a:font script="Sora" typeface="Nirmala UI"/>
-        <a:font script="Tale" typeface="Microsoft Tai Le"/>
-        <a:font script="Talu" typeface="Microsoft New Tai Lue"/>
-        <a:font script="Tfng" typeface="Ebrima"/>
+      </a:majorFont>
+      <a:minorFont>
+        <a:latin typeface="Gill Sans MT" panose="020B0502020104020203"/>
+        <a:ea typeface=""/>
+        <a:cs typeface=""/>
+        <a:font script="Grek" typeface="Corbel"/>
+        <a:font script="Cyrl" typeface="Corbel"/>
+        <a:font script="Jpan" typeface="HGｺﾞｼｯｸE"/>
+        <a:font script="Hang" typeface="휴먼매직체"/>
+        <a:font script="Hans" typeface="华文中宋"/>
+        <a:font script="Hant" typeface="微軟正黑體"/>
+        <a:font script="Arab" typeface="Majalla UI"/>
+        <a:font script="Hebr" typeface="Arial"/>
+        <a:font script="Thai" typeface="Cordia New"/>
+        <a:font script="Ethi" typeface="Nyala"/>
+        <a:font script="Beng" typeface="Vrinda"/>
+        <a:font script="Gujr" typeface="Shruti"/>
+        <a:font script="Khmr" typeface="DaunPenh"/>
+        <a:font script="Knda" typeface="Tunga"/>
+        <a:font script="Guru" typeface="Raavi"/>
+        <a:font script="Cans" typeface="Euphemia"/>
+        <a:font script="Cher" typeface="Plantagenet Cherokee"/>
+        <a:font script="Yiii" typeface="Microsoft Yi Baiti"/>
+        <a:font script="Tibt" typeface="Microsoft Himalaya"/>
+        <a:font script="Thaa" typeface="MV Boli"/>
+        <a:font script="Deva" typeface="Mangal"/>
+        <a:font script="Telu" typeface="Gautami"/>
+        <a:font script="Taml" typeface="Latha"/>
+        <a:font script="Syrc" typeface="Estrangelo Edessa"/>
+        <a:font script="Orya" typeface="Kalinga"/>
+        <a:font script="Mlym" typeface="Kartika"/>
+        <a:font script="Laoo" typeface="DokChampa"/>
+        <a:font script="Sinh" typeface="Iskoola Pota"/>
+        <a:font script="Mong" typeface="Mongolian Baiti"/>
+        <a:font script="Viet" typeface="Tahoma"/>
+        <a:font script="Uigh" typeface="Microsoft Uighur"/>
+        <a:font script="Geor" typeface="Sylfaen"/>
       </a:minorFont>
     </a:fontScheme>
-    <a:fmtScheme name="Office">
+    <a:fmtScheme name="Osztalék">
       <a:fillStyleLst>
         <a:solidFill>
           <a:schemeClr val="phClr"/>
@@ -4785,23 +5431,111 @@
           <a:gsLst>
             <a:gs pos="0">
               <a:schemeClr val="phClr">
-                <a:lumMod val="110000"/>
-                <a:satMod val="105000"/>
-                <a:tint val="67000"/>
-              </a:schemeClr>
-            </a:gs>
-            <a:gs pos="50000">
-              <a:schemeClr val="phClr">
-                <a:lumMod val="105000"/>
-                <a:satMod val="103000"/>
-                <a:tint val="73000"/>
+                <a:tint val="68000"/>
+                <a:alpha val="90000"/>
+                <a:lumMod val="100000"/>
               </a:schemeClr>
             </a:gs>
             <a:gs pos="100000">
               <a:schemeClr val="phClr">
-                <a:lumMod val="105000"/>
-                <a:satMod val="109000"/>
-                <a:tint val="81000"/>
+                <a:tint val="90000"/>
+                <a:lumMod val="95000"/>
+              </a:schemeClr>
+            </a:gs>
+          </a:gsLst>
+          <a:lin ang="5400000" scaled="1"/>
+        </a:gradFill>
+        <a:gradFill rotWithShape="1">
+          <a:gsLst>
+            <a:gs pos="0">
+              <a:schemeClr val="phClr">
+                <a:tint val="98000"/>
+                <a:lumMod val="110000"/>
+              </a:schemeClr>
+            </a:gs>
+            <a:gs pos="84000">
+              <a:schemeClr val="phClr">
+                <a:shade val="90000"/>
+                <a:lumMod val="88000"/>
+              </a:schemeClr>
+            </a:gs>
+          </a:gsLst>
+          <a:lin ang="5400000" scaled="0"/>
+        </a:gradFill>
+      </a:fillStyleLst>
+      <a:lnStyleLst>
+        <a:ln w="12700" cap="rnd" cmpd="sng" algn="ctr">
+          <a:solidFill>
+            <a:schemeClr val="phClr">
+              <a:lumMod val="90000"/>
+            </a:schemeClr>
+          </a:solidFill>
+          <a:prstDash val="solid"/>
+        </a:ln>
+        <a:ln w="22225" cap="rnd" cmpd="sng" algn="ctr">
+          <a:solidFill>
+            <a:schemeClr val="phClr"/>
+          </a:solidFill>
+          <a:prstDash val="solid"/>
+        </a:ln>
+        <a:ln w="25400" cap="rnd" cmpd="sng" algn="ctr">
+          <a:solidFill>
+            <a:schemeClr val="phClr"/>
+          </a:solidFill>
+          <a:prstDash val="solid"/>
+        </a:ln>
+      </a:lnStyleLst>
+      <a:effectStyleLst>
+        <a:effectStyle>
+          <a:effectLst/>
+        </a:effectStyle>
+        <a:effectStyle>
+          <a:effectLst>
+            <a:outerShdw blurRad="38100" dist="25400" dir="5400000" rotWithShape="0">
+              <a:srgbClr val="000000">
+                <a:alpha val="55000"/>
+              </a:srgbClr>
+            </a:outerShdw>
+          </a:effectLst>
+        </a:effectStyle>
+        <a:effectStyle>
+          <a:effectLst>
+            <a:outerShdw blurRad="88900" dist="38100" dir="5040000" rotWithShape="0">
+              <a:srgbClr val="000000">
+                <a:alpha val="60000"/>
+              </a:srgbClr>
+            </a:outerShdw>
+          </a:effectLst>
+          <a:scene3d>
+            <a:camera prst="orthographicFront">
+              <a:rot lat="0" lon="0" rev="0"/>
+            </a:camera>
+            <a:lightRig rig="threePt" dir="tl">
+              <a:rot lat="0" lon="0" rev="1200000"/>
+            </a:lightRig>
+          </a:scene3d>
+          <a:sp3d>
+            <a:bevelT w="38100" h="50800"/>
+          </a:sp3d>
+        </a:effectStyle>
+      </a:effectStyleLst>
+      <a:bgFillStyleLst>
+        <a:solidFill>
+          <a:schemeClr val="phClr"/>
+        </a:solidFill>
+        <a:gradFill rotWithShape="1">
+          <a:gsLst>
+            <a:gs pos="0">
+              <a:schemeClr val="phClr">
+                <a:tint val="90000"/>
+                <a:lumMod val="110000"/>
+              </a:schemeClr>
+            </a:gs>
+            <a:gs pos="88000">
+              <a:schemeClr val="phClr">
+                <a:shade val="94000"/>
+                <a:satMod val="110000"/>
+                <a:lumMod val="88000"/>
               </a:schemeClr>
             </a:gs>
           </a:gsLst>
@@ -4811,105 +5545,21 @@
           <a:gsLst>
             <a:gs pos="0">
               <a:schemeClr val="phClr">
-                <a:satMod val="103000"/>
-                <a:lumMod val="102000"/>
-                <a:tint val="94000"/>
-              </a:schemeClr>
-            </a:gs>
-            <a:gs pos="50000">
-              <a:schemeClr val="phClr">
-                <a:satMod val="110000"/>
-                <a:lumMod val="100000"/>
-                <a:shade val="100000"/>
+                <a:tint val="90000"/>
+                <a:lumMod val="110000"/>
               </a:schemeClr>
             </a:gs>
             <a:gs pos="100000">
               <a:schemeClr val="phClr">
-                <a:lumMod val="99000"/>
-                <a:satMod val="120000"/>
-                <a:shade val="78000"/>
+                <a:shade val="98000"/>
+                <a:satMod val="110000"/>
+                <a:lumMod val="86000"/>
               </a:schemeClr>
             </a:gs>
           </a:gsLst>
-          <a:lin ang="5400000" scaled="0"/>
-        </a:gradFill>
-      </a:fillStyleLst>
-      <a:lnStyleLst>
-        <a:ln w="6350" cap="flat" cmpd="sng" algn="ctr">
-          <a:solidFill>
-            <a:schemeClr val="phClr"/>
-          </a:solidFill>
-          <a:prstDash val="solid"/>
-          <a:miter lim="800000"/>
-        </a:ln>
-        <a:ln w="12700" cap="flat" cmpd="sng" algn="ctr">
-          <a:solidFill>
-            <a:schemeClr val="phClr"/>
-          </a:solidFill>
-          <a:prstDash val="solid"/>
-          <a:miter lim="800000"/>
-        </a:ln>
-        <a:ln w="19050" cap="flat" cmpd="sng" algn="ctr">
-          <a:solidFill>
-            <a:schemeClr val="phClr"/>
-          </a:solidFill>
-          <a:prstDash val="solid"/>
-          <a:miter lim="800000"/>
-        </a:ln>
-      </a:lnStyleLst>
-      <a:effectStyleLst>
-        <a:effectStyle>
-          <a:effectLst/>
-        </a:effectStyle>
-        <a:effectStyle>
-          <a:effectLst/>
-        </a:effectStyle>
-        <a:effectStyle>
-          <a:effectLst>
-            <a:outerShdw blurRad="57150" dist="19050" dir="5400000" algn="ctr" rotWithShape="0">
-              <a:srgbClr val="000000">
-                <a:alpha val="63000"/>
-              </a:srgbClr>
-            </a:outerShdw>
-          </a:effectLst>
-        </a:effectStyle>
-      </a:effectStyleLst>
-      <a:bgFillStyleLst>
-        <a:solidFill>
-          <a:schemeClr val="phClr"/>
-        </a:solidFill>
-        <a:solidFill>
-          <a:schemeClr val="phClr">
-            <a:tint val="95000"/>
-            <a:satMod val="170000"/>
-          </a:schemeClr>
-        </a:solidFill>
-        <a:gradFill rotWithShape="1">
-          <a:gsLst>
-            <a:gs pos="0">
-              <a:schemeClr val="phClr">
-                <a:tint val="93000"/>
-                <a:satMod val="150000"/>
-                <a:shade val="98000"/>
-                <a:lumMod val="102000"/>
-              </a:schemeClr>
-            </a:gs>
-            <a:gs pos="50000">
-              <a:schemeClr val="phClr">
-                <a:tint val="98000"/>
-                <a:satMod val="130000"/>
-                <a:shade val="90000"/>
-                <a:lumMod val="103000"/>
-              </a:schemeClr>
-            </a:gs>
-            <a:gs pos="100000">
-              <a:schemeClr val="phClr">
-                <a:shade val="63000"/>
-                <a:satMod val="120000"/>
-              </a:schemeClr>
-            </a:gs>
-          </a:gsLst>
-          <a:lin ang="5400000" scaled="0"/>
+          <a:path path="circle">
+            <a:fillToRect l="50000" t="50000" r="100000" b="100000"/>
+          </a:path>
         </a:gradFill>
       </a:bgFillStyleLst>
     </a:fmtScheme>
@@ -4918,7 +5568,7 @@
   <a:extraClrSchemeLst/>
   <a:extLst>
     <a:ext uri="{05A4C25C-085E-4340-85A3-A5531E510DB2}">
-      <thm15:themeFamily xmlns:thm15="http://schemas.microsoft.com/office/thememl/2012/main" name="Office Theme" id="{62F939B6-93AF-4DB8-9C6B-D6C7DFDC589F}" vid="{4A3C46E8-61CC-4603-A589-7422A47A8E4A}"/>
+      <thm15:themeFamily xmlns:thm15="http://schemas.microsoft.com/office/thememl/2012/main" name="Dividend" id="{9697A71B-4AB7-4A1A-BD5B-BB2D22835B57}" vid="{66F1C100-1D2B-4BEA-AD01-C4F230B3B965}"/>
     </a:ext>
   </a:extLst>
 </a:theme>

--- a/Hálózati Infrastruktúra Tervezése és Kivitelezése ppt.pptx
+++ b/Hálózati Infrastruktúra Tervezése és Kivitelezése ppt.pptx
@@ -365,7 +365,7 @@
           <a:p>
             <a:fld id="{EA61FFDA-4D01-43A1-8E0F-F3CCB963EDE5}" type="datetimeFigureOut">
               <a:rPr lang="hu-HU" smtClean="0"/>
-              <a:t>2025. 04. 03.</a:t>
+              <a:t>2025. 04. 07.</a:t>
             </a:fld>
             <a:endParaRPr lang="hu-HU"/>
           </a:p>
@@ -627,7 +627,7 @@
           <a:p>
             <a:fld id="{EA61FFDA-4D01-43A1-8E0F-F3CCB963EDE5}" type="datetimeFigureOut">
               <a:rPr lang="hu-HU" smtClean="0"/>
-              <a:t>2025. 04. 03.</a:t>
+              <a:t>2025. 04. 07.</a:t>
             </a:fld>
             <a:endParaRPr lang="hu-HU"/>
           </a:p>
@@ -862,7 +862,7 @@
           <a:p>
             <a:fld id="{EA61FFDA-4D01-43A1-8E0F-F3CCB963EDE5}" type="datetimeFigureOut">
               <a:rPr lang="hu-HU" smtClean="0"/>
-              <a:t>2025. 04. 03.</a:t>
+              <a:t>2025. 04. 07.</a:t>
             </a:fld>
             <a:endParaRPr lang="hu-HU"/>
           </a:p>
@@ -1102,7 +1102,7 @@
           <a:p>
             <a:fld id="{EA61FFDA-4D01-43A1-8E0F-F3CCB963EDE5}" type="datetimeFigureOut">
               <a:rPr lang="hu-HU" smtClean="0"/>
-              <a:t>2025. 04. 03.</a:t>
+              <a:t>2025. 04. 07.</a:t>
             </a:fld>
             <a:endParaRPr lang="hu-HU"/>
           </a:p>
@@ -1409,7 +1409,7 @@
           <a:p>
             <a:fld id="{EA61FFDA-4D01-43A1-8E0F-F3CCB963EDE5}" type="datetimeFigureOut">
               <a:rPr lang="hu-HU" smtClean="0"/>
-              <a:t>2025. 04. 03.</a:t>
+              <a:t>2025. 04. 07.</a:t>
             </a:fld>
             <a:endParaRPr lang="hu-HU"/>
           </a:p>
@@ -1711,7 +1711,7 @@
           <a:p>
             <a:fld id="{EA61FFDA-4D01-43A1-8E0F-F3CCB963EDE5}" type="datetimeFigureOut">
               <a:rPr lang="hu-HU" smtClean="0"/>
-              <a:t>2025. 04. 03.</a:t>
+              <a:t>2025. 04. 07.</a:t>
             </a:fld>
             <a:endParaRPr lang="hu-HU"/>
           </a:p>
@@ -2133,7 +2133,7 @@
           <a:p>
             <a:fld id="{EA61FFDA-4D01-43A1-8E0F-F3CCB963EDE5}" type="datetimeFigureOut">
               <a:rPr lang="hu-HU" smtClean="0"/>
-              <a:t>2025. 04. 03.</a:t>
+              <a:t>2025. 04. 07.</a:t>
             </a:fld>
             <a:endParaRPr lang="hu-HU"/>
           </a:p>
@@ -2228,7 +2228,7 @@
           <a:p>
             <a:fld id="{EA61FFDA-4D01-43A1-8E0F-F3CCB963EDE5}" type="datetimeFigureOut">
               <a:rPr lang="hu-HU" smtClean="0"/>
-              <a:t>2025. 04. 03.</a:t>
+              <a:t>2025. 04. 07.</a:t>
             </a:fld>
             <a:endParaRPr lang="hu-HU"/>
           </a:p>
@@ -2390,7 +2390,7 @@
           <a:p>
             <a:fld id="{EA61FFDA-4D01-43A1-8E0F-F3CCB963EDE5}" type="datetimeFigureOut">
               <a:rPr lang="hu-HU" smtClean="0"/>
-              <a:t>2025. 04. 03.</a:t>
+              <a:t>2025. 04. 07.</a:t>
             </a:fld>
             <a:endParaRPr lang="hu-HU"/>
           </a:p>
@@ -2768,7 +2768,7 @@
           <a:p>
             <a:fld id="{EA61FFDA-4D01-43A1-8E0F-F3CCB963EDE5}" type="datetimeFigureOut">
               <a:rPr lang="hu-HU" smtClean="0"/>
-              <a:t>2025. 04. 03.</a:t>
+              <a:t>2025. 04. 07.</a:t>
             </a:fld>
             <a:endParaRPr lang="hu-HU"/>
           </a:p>
@@ -3057,7 +3057,7 @@
           <a:p>
             <a:fld id="{EA61FFDA-4D01-43A1-8E0F-F3CCB963EDE5}" type="datetimeFigureOut">
               <a:rPr lang="hu-HU" smtClean="0"/>
-              <a:t>2025. 04. 03.</a:t>
+              <a:t>2025. 04. 07.</a:t>
             </a:fld>
             <a:endParaRPr lang="hu-HU"/>
           </a:p>
@@ -3268,7 +3268,7 @@
           <a:p>
             <a:fld id="{EA61FFDA-4D01-43A1-8E0F-F3CCB963EDE5}" type="datetimeFigureOut">
               <a:rPr lang="hu-HU" smtClean="0"/>
-              <a:t>2025. 04. 03.</a:t>
+              <a:t>2025. 04. 07.</a:t>
             </a:fld>
             <a:endParaRPr lang="hu-HU"/>
           </a:p>
@@ -4580,10 +4580,10 @@
       </p:sp>
       <p:pic>
         <p:nvPicPr>
-          <p:cNvPr id="5" name="Tartalom helye 4">
+          <p:cNvPr id="8" name="Tartalom helye 7">
             <a:extLst>
               <a:ext uri="{FF2B5EF4-FFF2-40B4-BE49-F238E27FC236}">
-                <a16:creationId xmlns:a16="http://schemas.microsoft.com/office/drawing/2014/main" id="{EC637260-D506-4D1E-9129-13864C8CD4B5}"/>
+                <a16:creationId xmlns:a16="http://schemas.microsoft.com/office/drawing/2014/main" id="{07699E44-EF89-4B8C-BAD1-35E4447BBAB7}"/>
               </a:ext>
             </a:extLst>
           </p:cNvPr>
@@ -4608,8 +4608,8 @@
         </p:blipFill>
         <p:spPr>
           <a:xfrm>
-            <a:off x="1245577" y="2181225"/>
-            <a:ext cx="9700846" cy="3678238"/>
+            <a:off x="1150261" y="2181225"/>
+            <a:ext cx="9891478" cy="3678238"/>
           </a:xfrm>
         </p:spPr>
       </p:pic>

--- a/Hálózati Infrastruktúra Tervezése és Kivitelezése ppt.pptx
+++ b/Hálózati Infrastruktúra Tervezése és Kivitelezése ppt.pptx
@@ -365,7 +365,7 @@
           <a:p>
             <a:fld id="{EA61FFDA-4D01-43A1-8E0F-F3CCB963EDE5}" type="datetimeFigureOut">
               <a:rPr lang="hu-HU" smtClean="0"/>
-              <a:t>2025. 04. 07.</a:t>
+              <a:t>2025. 04. 09.</a:t>
             </a:fld>
             <a:endParaRPr lang="hu-HU"/>
           </a:p>
@@ -627,7 +627,7 @@
           <a:p>
             <a:fld id="{EA61FFDA-4D01-43A1-8E0F-F3CCB963EDE5}" type="datetimeFigureOut">
               <a:rPr lang="hu-HU" smtClean="0"/>
-              <a:t>2025. 04. 07.</a:t>
+              <a:t>2025. 04. 09.</a:t>
             </a:fld>
             <a:endParaRPr lang="hu-HU"/>
           </a:p>
@@ -862,7 +862,7 @@
           <a:p>
             <a:fld id="{EA61FFDA-4D01-43A1-8E0F-F3CCB963EDE5}" type="datetimeFigureOut">
               <a:rPr lang="hu-HU" smtClean="0"/>
-              <a:t>2025. 04. 07.</a:t>
+              <a:t>2025. 04. 09.</a:t>
             </a:fld>
             <a:endParaRPr lang="hu-HU"/>
           </a:p>
@@ -1102,7 +1102,7 @@
           <a:p>
             <a:fld id="{EA61FFDA-4D01-43A1-8E0F-F3CCB963EDE5}" type="datetimeFigureOut">
               <a:rPr lang="hu-HU" smtClean="0"/>
-              <a:t>2025. 04. 07.</a:t>
+              <a:t>2025. 04. 09.</a:t>
             </a:fld>
             <a:endParaRPr lang="hu-HU"/>
           </a:p>
@@ -1409,7 +1409,7 @@
           <a:p>
             <a:fld id="{EA61FFDA-4D01-43A1-8E0F-F3CCB963EDE5}" type="datetimeFigureOut">
               <a:rPr lang="hu-HU" smtClean="0"/>
-              <a:t>2025. 04. 07.</a:t>
+              <a:t>2025. 04. 09.</a:t>
             </a:fld>
             <a:endParaRPr lang="hu-HU"/>
           </a:p>
@@ -1711,7 +1711,7 @@
           <a:p>
             <a:fld id="{EA61FFDA-4D01-43A1-8E0F-F3CCB963EDE5}" type="datetimeFigureOut">
               <a:rPr lang="hu-HU" smtClean="0"/>
-              <a:t>2025. 04. 07.</a:t>
+              <a:t>2025. 04. 09.</a:t>
             </a:fld>
             <a:endParaRPr lang="hu-HU"/>
           </a:p>
@@ -2133,7 +2133,7 @@
           <a:p>
             <a:fld id="{EA61FFDA-4D01-43A1-8E0F-F3CCB963EDE5}" type="datetimeFigureOut">
               <a:rPr lang="hu-HU" smtClean="0"/>
-              <a:t>2025. 04. 07.</a:t>
+              <a:t>2025. 04. 09.</a:t>
             </a:fld>
             <a:endParaRPr lang="hu-HU"/>
           </a:p>
@@ -2228,7 +2228,7 @@
           <a:p>
             <a:fld id="{EA61FFDA-4D01-43A1-8E0F-F3CCB963EDE5}" type="datetimeFigureOut">
               <a:rPr lang="hu-HU" smtClean="0"/>
-              <a:t>2025. 04. 07.</a:t>
+              <a:t>2025. 04. 09.</a:t>
             </a:fld>
             <a:endParaRPr lang="hu-HU"/>
           </a:p>
@@ -2390,7 +2390,7 @@
           <a:p>
             <a:fld id="{EA61FFDA-4D01-43A1-8E0F-F3CCB963EDE5}" type="datetimeFigureOut">
               <a:rPr lang="hu-HU" smtClean="0"/>
-              <a:t>2025. 04. 07.</a:t>
+              <a:t>2025. 04. 09.</a:t>
             </a:fld>
             <a:endParaRPr lang="hu-HU"/>
           </a:p>
@@ -2768,7 +2768,7 @@
           <a:p>
             <a:fld id="{EA61FFDA-4D01-43A1-8E0F-F3CCB963EDE5}" type="datetimeFigureOut">
               <a:rPr lang="hu-HU" smtClean="0"/>
-              <a:t>2025. 04. 07.</a:t>
+              <a:t>2025. 04. 09.</a:t>
             </a:fld>
             <a:endParaRPr lang="hu-HU"/>
           </a:p>
@@ -3057,7 +3057,7 @@
           <a:p>
             <a:fld id="{EA61FFDA-4D01-43A1-8E0F-F3CCB963EDE5}" type="datetimeFigureOut">
               <a:rPr lang="hu-HU" smtClean="0"/>
-              <a:t>2025. 04. 07.</a:t>
+              <a:t>2025. 04. 09.</a:t>
             </a:fld>
             <a:endParaRPr lang="hu-HU"/>
           </a:p>
@@ -3268,7 +3268,7 @@
           <a:p>
             <a:fld id="{EA61FFDA-4D01-43A1-8E0F-F3CCB963EDE5}" type="datetimeFigureOut">
               <a:rPr lang="hu-HU" smtClean="0"/>
-              <a:t>2025. 04. 07.</a:t>
+              <a:t>2025. 04. 09.</a:t>
             </a:fld>
             <a:endParaRPr lang="hu-HU"/>
           </a:p>
@@ -4578,39 +4578,59 @@
           </a:p>
         </p:txBody>
       </p:sp>
+      <p:sp>
+        <p:nvSpPr>
+          <p:cNvPr id="4" name="Tartalom helye 3">
+            <a:extLst>
+              <a:ext uri="{FF2B5EF4-FFF2-40B4-BE49-F238E27FC236}">
+                <a16:creationId xmlns:a16="http://schemas.microsoft.com/office/drawing/2014/main" id="{BD25ABBF-D512-4C5B-91CB-3FE3C725E76B}"/>
+              </a:ext>
+            </a:extLst>
+          </p:cNvPr>
+          <p:cNvSpPr>
+            <a:spLocks noGrp="1"/>
+          </p:cNvSpPr>
+          <p:nvPr>
+            <p:ph idx="1"/>
+          </p:nvPr>
+        </p:nvSpPr>
+        <p:spPr/>
+        <p:txBody>
+          <a:bodyPr/>
+          <a:lstStyle/>
+          <a:p>
+            <a:endParaRPr lang="hu-HU"/>
+          </a:p>
+        </p:txBody>
+      </p:sp>
       <p:pic>
         <p:nvPicPr>
-          <p:cNvPr id="8" name="Tartalom helye 7">
+          <p:cNvPr id="5" name="Kép 4">
             <a:extLst>
               <a:ext uri="{FF2B5EF4-FFF2-40B4-BE49-F238E27FC236}">
-                <a16:creationId xmlns:a16="http://schemas.microsoft.com/office/drawing/2014/main" id="{07699E44-EF89-4B8C-BAD1-35E4447BBAB7}"/>
+                <a16:creationId xmlns:a16="http://schemas.microsoft.com/office/drawing/2014/main" id="{278B69EA-81EF-4200-B210-5A8FB392ED4B}"/>
               </a:ext>
             </a:extLst>
           </p:cNvPr>
           <p:cNvPicPr>
-            <a:picLocks noGrp="1" noChangeAspect="1"/>
+            <a:picLocks noChangeAspect="1"/>
           </p:cNvPicPr>
-          <p:nvPr>
-            <p:ph idx="1"/>
-          </p:nvPr>
+          <p:nvPr/>
         </p:nvPicPr>
         <p:blipFill>
-          <a:blip r:embed="rId2">
-            <a:extLst>
-              <a:ext uri="{28A0092B-C50C-407E-A947-70E740481C1C}">
-                <a14:useLocalDpi xmlns:a14="http://schemas.microsoft.com/office/drawing/2010/main" val="0"/>
-              </a:ext>
-            </a:extLst>
-          </a:blip>
+          <a:blip r:embed="rId2"/>
           <a:stretch>
             <a:fillRect/>
           </a:stretch>
         </p:blipFill>
         <p:spPr>
           <a:xfrm>
-            <a:off x="1150261" y="2181225"/>
-            <a:ext cx="9891478" cy="3678238"/>
-          </a:xfrm>
+            <a:off x="389727" y="1909565"/>
+            <a:ext cx="11412543" cy="4220164"/>
+          </a:xfrm>
+          <a:prstGeom prst="rect">
+            <a:avLst/>
+          </a:prstGeom>
         </p:spPr>
       </p:pic>
     </p:spTree>
@@ -5035,7 +5055,55 @@
                 <a:latin typeface="Times New Roman" panose="02020603050405020304" pitchFamily="18" charset="0"/>
                 <a:cs typeface="Times New Roman" panose="02020603050405020304" pitchFamily="18" charset="0"/>
               </a:rPr>
-              <a:t>HSRP,</a:t>
+              <a:t>VSRP,</a:t>
+            </a:r>
+          </a:p>
+          <a:p>
+            <a:pPr>
+              <a:buFont typeface="Wingdings" panose="05000000000000000000" pitchFamily="2" charset="2"/>
+              <a:buChar char="§"/>
+            </a:pPr>
+            <a:r>
+              <a:rPr lang="hu-HU" dirty="0">
+                <a:solidFill>
+                  <a:schemeClr val="tx1"/>
+                </a:solidFill>
+                <a:latin typeface="Times New Roman" panose="02020603050405020304" pitchFamily="18" charset="0"/>
+                <a:cs typeface="Times New Roman" panose="02020603050405020304" pitchFamily="18" charset="0"/>
+              </a:rPr>
+              <a:t>OSPF,</a:t>
+            </a:r>
+          </a:p>
+          <a:p>
+            <a:pPr>
+              <a:buFont typeface="Wingdings" panose="05000000000000000000" pitchFamily="2" charset="2"/>
+              <a:buChar char="§"/>
+            </a:pPr>
+            <a:r>
+              <a:rPr lang="hu-HU" dirty="0">
+                <a:solidFill>
+                  <a:schemeClr val="tx1"/>
+                </a:solidFill>
+                <a:latin typeface="Times New Roman" panose="02020603050405020304" pitchFamily="18" charset="0"/>
+                <a:cs typeface="Times New Roman" panose="02020603050405020304" pitchFamily="18" charset="0"/>
+              </a:rPr>
+              <a:t>WAN,</a:t>
+            </a:r>
+          </a:p>
+          <a:p>
+            <a:pPr>
+              <a:buFont typeface="Wingdings" panose="05000000000000000000" pitchFamily="2" charset="2"/>
+              <a:buChar char="§"/>
+            </a:pPr>
+            <a:r>
+              <a:rPr lang="hu-HU" dirty="0">
+                <a:solidFill>
+                  <a:schemeClr val="tx1"/>
+                </a:solidFill>
+                <a:latin typeface="Times New Roman" panose="02020603050405020304" pitchFamily="18" charset="0"/>
+                <a:cs typeface="Times New Roman" panose="02020603050405020304" pitchFamily="18" charset="0"/>
+              </a:rPr>
+              <a:t>DHCP,</a:t>
             </a:r>
           </a:p>
           <a:p>
@@ -5044,6 +5112,9 @@
               <a:buChar char="§"/>
             </a:pPr>
             <a:endParaRPr lang="hu-HU" dirty="0">
+              <a:solidFill>
+                <a:schemeClr val="tx1"/>
+              </a:solidFill>
               <a:latin typeface="Times New Roman" panose="02020603050405020304" pitchFamily="18" charset="0"/>
               <a:cs typeface="Times New Roman" panose="02020603050405020304" pitchFamily="18" charset="0"/>
             </a:endParaRPr>

--- a/Hálózati Infrastruktúra Tervezése és Kivitelezése ppt.pptx
+++ b/Hálózati Infrastruktúra Tervezése és Kivitelezése ppt.pptx
@@ -3887,8 +3887,8 @@
         </p:nvSpPr>
         <p:spPr>
           <a:xfrm>
-            <a:off x="1333500" y="891380"/>
-            <a:ext cx="9144000" cy="2722563"/>
+            <a:off x="1409700" y="1719263"/>
+            <a:ext cx="9144000" cy="2387600"/>
           </a:xfrm>
         </p:spPr>
         <p:txBody>
@@ -3897,7 +3897,6 @@
           </a:bodyPr>
           <a:lstStyle/>
           <a:p>
-            <a:pPr algn="ctr"/>
             <a:r>
               <a:rPr lang="hu-HU" dirty="0">
                 <a:solidFill>
@@ -4606,10 +4605,10 @@
       </p:sp>
       <p:pic>
         <p:nvPicPr>
-          <p:cNvPr id="5" name="Kép 4">
+          <p:cNvPr id="3" name="Kép 2">
             <a:extLst>
               <a:ext uri="{FF2B5EF4-FFF2-40B4-BE49-F238E27FC236}">
-                <a16:creationId xmlns:a16="http://schemas.microsoft.com/office/drawing/2014/main" id="{278B69EA-81EF-4200-B210-5A8FB392ED4B}"/>
+                <a16:creationId xmlns:a16="http://schemas.microsoft.com/office/drawing/2014/main" id="{209A05CA-FCAC-447D-AF3D-9E368B9D2CCC}"/>
               </a:ext>
             </a:extLst>
           </p:cNvPr>
@@ -4626,8 +4625,8 @@
         </p:blipFill>
         <p:spPr>
           <a:xfrm>
-            <a:off x="389727" y="1909565"/>
-            <a:ext cx="11412543" cy="4220164"/>
+            <a:off x="423070" y="1928617"/>
+            <a:ext cx="11345858" cy="4182059"/>
           </a:xfrm>
           <a:prstGeom prst="rect">
             <a:avLst/>
@@ -5344,24 +5343,14 @@
               <a:t>Linux kiszolgáló</a:t>
             </a:r>
             <a:r>
-              <a:rPr lang="hu-HU" sz="3400" b="1" dirty="0">
+              <a:rPr lang="hu-HU" sz="2400" b="1" dirty="0">
                 <a:solidFill>
                   <a:schemeClr val="tx1"/>
                 </a:solidFill>
                 <a:latin typeface="Times New Roman" panose="02020603050405020304" pitchFamily="18" charset="0"/>
                 <a:cs typeface="Times New Roman" panose="02020603050405020304" pitchFamily="18" charset="0"/>
               </a:rPr>
-              <a:t>:</a:t>
-            </a:r>
-            <a:r>
-              <a:rPr lang="hu-HU" sz="2900" b="1" dirty="0">
-                <a:solidFill>
-                  <a:schemeClr val="tx1"/>
-                </a:solidFill>
-                <a:latin typeface="Times New Roman" panose="02020603050405020304" pitchFamily="18" charset="0"/>
-                <a:cs typeface="Times New Roman" panose="02020603050405020304" pitchFamily="18" charset="0"/>
-              </a:rPr>
-              <a:t>DHCP,DNS</a:t>
+              <a:t>,</a:t>
             </a:r>
           </a:p>
           <a:p>
@@ -5432,14 +5421,24 @@
           <a:p>
             <a:pPr lvl="0"/>
             <a:r>
-              <a:rPr lang="hu-HU" sz="2900" b="1" dirty="0">
+              <a:rPr lang="hu-HU" sz="2900" b="1">
                 <a:solidFill>
                   <a:schemeClr val="tx1"/>
                 </a:solidFill>
                 <a:latin typeface="Times New Roman" panose="02020603050405020304" pitchFamily="18" charset="0"/>
                 <a:cs typeface="Times New Roman" panose="02020603050405020304" pitchFamily="18" charset="0"/>
               </a:rPr>
-              <a:t>Magyar nyelvű prezentáció</a:t>
+              <a:t>Magyar nyelvű </a:t>
+            </a:r>
+            <a:r>
+              <a:rPr lang="hu-HU" sz="2900" b="1" dirty="0">
+                <a:solidFill>
+                  <a:schemeClr val="tx1"/>
+                </a:solidFill>
+                <a:latin typeface="Times New Roman" panose="02020603050405020304" pitchFamily="18" charset="0"/>
+                <a:cs typeface="Times New Roman" panose="02020603050405020304" pitchFamily="18" charset="0"/>
+              </a:rPr>
+              <a:t>prezentáció</a:t>
             </a:r>
             <a:r>
               <a:rPr lang="hu-HU" sz="2900" dirty="0">

--- a/Hálózati Infrastruktúra Tervezése és Kivitelezése ppt.pptx
+++ b/Hálózati Infrastruktúra Tervezése és Kivitelezése ppt.pptx
@@ -3887,8 +3887,8 @@
         </p:nvSpPr>
         <p:spPr>
           <a:xfrm>
-            <a:off x="1409700" y="1719263"/>
-            <a:ext cx="9144000" cy="2387600"/>
+            <a:off x="1333500" y="891380"/>
+            <a:ext cx="9144000" cy="2722563"/>
           </a:xfrm>
         </p:spPr>
         <p:txBody>
@@ -3897,6 +3897,7 @@
           </a:bodyPr>
           <a:lstStyle/>
           <a:p>
+            <a:pPr algn="ctr"/>
             <a:r>
               <a:rPr lang="hu-HU" dirty="0">
                 <a:solidFill>
@@ -4605,10 +4606,10 @@
       </p:sp>
       <p:pic>
         <p:nvPicPr>
-          <p:cNvPr id="3" name="Kép 2">
+          <p:cNvPr id="5" name="Kép 4">
             <a:extLst>
               <a:ext uri="{FF2B5EF4-FFF2-40B4-BE49-F238E27FC236}">
-                <a16:creationId xmlns:a16="http://schemas.microsoft.com/office/drawing/2014/main" id="{209A05CA-FCAC-447D-AF3D-9E368B9D2CCC}"/>
+                <a16:creationId xmlns:a16="http://schemas.microsoft.com/office/drawing/2014/main" id="{278B69EA-81EF-4200-B210-5A8FB392ED4B}"/>
               </a:ext>
             </a:extLst>
           </p:cNvPr>
@@ -4625,8 +4626,8 @@
         </p:blipFill>
         <p:spPr>
           <a:xfrm>
-            <a:off x="423070" y="1928617"/>
-            <a:ext cx="11345858" cy="4182059"/>
+            <a:off x="389727" y="1909565"/>
+            <a:ext cx="11412543" cy="4220164"/>
           </a:xfrm>
           <a:prstGeom prst="rect">
             <a:avLst/>
@@ -5032,15 +5033,22 @@
               <a:buChar char="§"/>
             </a:pPr>
             <a:r>
-              <a:rPr lang="hu-HU" dirty="0">
+              <a:rPr lang="hu-HU">
                 <a:solidFill>
                   <a:schemeClr val="tx1"/>
                 </a:solidFill>
                 <a:latin typeface="Times New Roman" panose="02020603050405020304" pitchFamily="18" charset="0"/>
                 <a:cs typeface="Times New Roman" panose="02020603050405020304" pitchFamily="18" charset="0"/>
               </a:rPr>
-              <a:t>VLAN-ok,</a:t>
-            </a:r>
+              <a:t>VLAN,</a:t>
+            </a:r>
+            <a:endParaRPr lang="hu-HU" dirty="0">
+              <a:solidFill>
+                <a:schemeClr val="tx1"/>
+              </a:solidFill>
+              <a:latin typeface="Times New Roman" panose="02020603050405020304" pitchFamily="18" charset="0"/>
+              <a:cs typeface="Times New Roman" panose="02020603050405020304" pitchFamily="18" charset="0"/>
+            </a:endParaRPr>
           </a:p>
           <a:p>
             <a:pPr>
@@ -5343,14 +5351,24 @@
               <a:t>Linux kiszolgáló</a:t>
             </a:r>
             <a:r>
-              <a:rPr lang="hu-HU" sz="2400" b="1" dirty="0">
+              <a:rPr lang="hu-HU" sz="3400" b="1" dirty="0">
                 <a:solidFill>
                   <a:schemeClr val="tx1"/>
                 </a:solidFill>
                 <a:latin typeface="Times New Roman" panose="02020603050405020304" pitchFamily="18" charset="0"/>
                 <a:cs typeface="Times New Roman" panose="02020603050405020304" pitchFamily="18" charset="0"/>
               </a:rPr>
-              <a:t>,</a:t>
+              <a:t>:</a:t>
+            </a:r>
+            <a:r>
+              <a:rPr lang="hu-HU" sz="2900" b="1" dirty="0">
+                <a:solidFill>
+                  <a:schemeClr val="tx1"/>
+                </a:solidFill>
+                <a:latin typeface="Times New Roman" panose="02020603050405020304" pitchFamily="18" charset="0"/>
+                <a:cs typeface="Times New Roman" panose="02020603050405020304" pitchFamily="18" charset="0"/>
+              </a:rPr>
+              <a:t>DHCP,DNS</a:t>
             </a:r>
           </a:p>
           <a:p>
@@ -5421,24 +5439,14 @@
           <a:p>
             <a:pPr lvl="0"/>
             <a:r>
-              <a:rPr lang="hu-HU" sz="2900" b="1">
+              <a:rPr lang="hu-HU" sz="2900" b="1" dirty="0">
                 <a:solidFill>
                   <a:schemeClr val="tx1"/>
                 </a:solidFill>
                 <a:latin typeface="Times New Roman" panose="02020603050405020304" pitchFamily="18" charset="0"/>
                 <a:cs typeface="Times New Roman" panose="02020603050405020304" pitchFamily="18" charset="0"/>
               </a:rPr>
-              <a:t>Magyar nyelvű </a:t>
-            </a:r>
-            <a:r>
-              <a:rPr lang="hu-HU" sz="2900" b="1" dirty="0">
-                <a:solidFill>
-                  <a:schemeClr val="tx1"/>
-                </a:solidFill>
-                <a:latin typeface="Times New Roman" panose="02020603050405020304" pitchFamily="18" charset="0"/>
-                <a:cs typeface="Times New Roman" panose="02020603050405020304" pitchFamily="18" charset="0"/>
-              </a:rPr>
-              <a:t>prezentáció</a:t>
+              <a:t>Magyar nyelvű prezentáció</a:t>
             </a:r>
             <a:r>
               <a:rPr lang="hu-HU" sz="2900" dirty="0">
